--- a/Proposal Pitch/Proposal Pitch PPT (rough-needs-subheadings).pptx
+++ b/Proposal Pitch/Proposal Pitch PPT (rough-needs-subheadings).pptx
@@ -5,10 +5,10 @@
     <p:sldMasterId id="2147483666" r:id="rId4"/>
   </p:sldMasterIdLst>
   <p:notesMasterIdLst>
-    <p:notesMasterId r:id="rId21"/>
+    <p:notesMasterId r:id="rId19"/>
   </p:notesMasterIdLst>
   <p:handoutMasterIdLst>
-    <p:handoutMasterId r:id="rId22"/>
+    <p:handoutMasterId r:id="rId20"/>
   </p:handoutMasterIdLst>
   <p:sldIdLst>
     <p:sldId id="256" r:id="rId5"/>
@@ -16,17 +16,15 @@
     <p:sldId id="277" r:id="rId7"/>
     <p:sldId id="295" r:id="rId8"/>
     <p:sldId id="262" r:id="rId9"/>
-    <p:sldId id="261" r:id="rId10"/>
-    <p:sldId id="296" r:id="rId11"/>
-    <p:sldId id="289" r:id="rId12"/>
-    <p:sldId id="264" r:id="rId13"/>
-    <p:sldId id="258" r:id="rId14"/>
-    <p:sldId id="283" r:id="rId15"/>
-    <p:sldId id="268" r:id="rId16"/>
-    <p:sldId id="292" r:id="rId17"/>
-    <p:sldId id="266" r:id="rId18"/>
-    <p:sldId id="275" r:id="rId19"/>
-    <p:sldId id="276" r:id="rId20"/>
+    <p:sldId id="296" r:id="rId10"/>
+    <p:sldId id="289" r:id="rId11"/>
+    <p:sldId id="264" r:id="rId12"/>
+    <p:sldId id="258" r:id="rId13"/>
+    <p:sldId id="283" r:id="rId14"/>
+    <p:sldId id="268" r:id="rId15"/>
+    <p:sldId id="292" r:id="rId16"/>
+    <p:sldId id="275" r:id="rId17"/>
+    <p:sldId id="276" r:id="rId18"/>
   </p:sldIdLst>
   <p:sldSz cx="12192000" cy="6858000"/>
   <p:notesSz cx="6858000" cy="9144000"/>
@@ -253,7 +251,7 @@
           <a:p>
             <a:fld id="{F352A77B-D33C-49B3-A83C-450AA2ED72B3}" type="datetimeFigureOut">
               <a:rPr lang="en-US" smtClean="0"/>
-              <a:t>2/26/2024</a:t>
+              <a:t>2/27/2024</a:t>
             </a:fld>
             <a:endParaRPr lang="en-US" dirty="0"/>
           </a:p>
@@ -430,7 +428,7 @@
           <a:p>
             <a:fld id="{E38D8F9A-F5CB-4EF8-A859-ED5E107B9763}" type="datetimeFigureOut">
               <a:rPr lang="en-US" smtClean="0"/>
-              <a:t>2/26/2024</a:t>
+              <a:t>2/27/2024</a:t>
             </a:fld>
             <a:endParaRPr lang="en-US" dirty="0"/>
           </a:p>
@@ -16080,21 +16078,21 @@
           <p:cNvPr id="2" name="Title 1">
             <a:extLst>
               <a:ext uri="{FF2B5EF4-FFF2-40B4-BE49-F238E27FC236}">
-                <a16:creationId xmlns:a16="http://schemas.microsoft.com/office/drawing/2014/main" id="{A29DE7F2-E890-4744-88DD-A75F5E300513}"/>
-              </a:ext>
-            </a:extLst>
-          </p:cNvPr>
-          <p:cNvSpPr>
-            <a:spLocks noGrp="1"/>
-          </p:cNvSpPr>
-          <p:nvPr>
-            <p:ph type="ctrTitle"/>
-          </p:nvPr>
-        </p:nvSpPr>
-        <p:spPr>
-          <a:xfrm>
-            <a:off x="6991350" y="2571235"/>
-            <a:ext cx="4179570" cy="1715531"/>
+                <a16:creationId xmlns:a16="http://schemas.microsoft.com/office/drawing/2014/main" id="{27A6F7BB-30A8-4980-AD4A-2FB0B53FA6C9}"/>
+              </a:ext>
+            </a:extLst>
+          </p:cNvPr>
+          <p:cNvSpPr>
+            <a:spLocks noGrp="1"/>
+          </p:cNvSpPr>
+          <p:nvPr>
+            <p:ph type="title"/>
+          </p:nvPr>
+        </p:nvSpPr>
+        <p:spPr>
+          <a:xfrm>
+            <a:off x="1885156" y="892177"/>
+            <a:ext cx="8421688" cy="1325563"/>
           </a:xfrm>
         </p:spPr>
         <p:txBody>
@@ -16103,15 +16101,1216 @@
           <a:p>
             <a:r>
               <a:rPr lang="en-US" dirty="0"/>
-              <a:t>COMPANY OVERVIEW</a:t>
-            </a:r>
-          </a:p>
-        </p:txBody>
-      </p:sp>
+              <a:t>MEET </a:t>
+            </a:r>
+            <a:r>
+              <a:rPr lang="en-US" dirty="0" err="1"/>
+              <a:t>CYBERQUAck</a:t>
+            </a:r>
+            <a:endParaRPr lang="en-US" dirty="0"/>
+          </a:p>
+        </p:txBody>
+      </p:sp>
+      <p:pic>
+        <p:nvPicPr>
+          <p:cNvPr id="38" name="Picture Placeholder 37" descr="Team member headshot">
+            <a:extLst>
+              <a:ext uri="{FF2B5EF4-FFF2-40B4-BE49-F238E27FC236}">
+                <a16:creationId xmlns:a16="http://schemas.microsoft.com/office/drawing/2014/main" id="{6E64DC71-C9CE-47FF-A3B6-597A9B09EC98}"/>
+              </a:ext>
+            </a:extLst>
+          </p:cNvPr>
+          <p:cNvPicPr>
+            <a:picLocks noGrp="1" noChangeAspect="1"/>
+          </p:cNvPicPr>
+          <p:nvPr>
+            <p:ph type="pic" sz="quarter" idx="14"/>
+          </p:nvPr>
+        </p:nvPicPr>
+        <p:blipFill rotWithShape="1">
+          <a:blip r:embed="rId2">
+            <a:extLst>
+              <a:ext uri="{28A0092B-C50C-407E-A947-70E740481C1C}">
+                <a14:useLocalDpi xmlns:a14="http://schemas.microsoft.com/office/drawing/2010/main" val="0"/>
+              </a:ext>
+            </a:extLst>
+          </a:blip>
+          <a:srcRect/>
+          <a:stretch/>
+        </p:blipFill>
+        <p:spPr>
+          <a:xfrm>
+            <a:off x="1877176" y="2428875"/>
+            <a:ext cx="1066800" cy="1066800"/>
+          </a:xfrm>
+        </p:spPr>
+      </p:pic>
+      <p:pic>
+        <p:nvPicPr>
+          <p:cNvPr id="42" name="Picture Placeholder 41" descr="Team member headshot">
+            <a:extLst>
+              <a:ext uri="{FF2B5EF4-FFF2-40B4-BE49-F238E27FC236}">
+                <a16:creationId xmlns:a16="http://schemas.microsoft.com/office/drawing/2014/main" id="{03BE9C30-CAE7-4AE5-8722-B20E200AC048}"/>
+              </a:ext>
+            </a:extLst>
+          </p:cNvPr>
+          <p:cNvPicPr>
+            <a:picLocks noGrp="1" noChangeAspect="1"/>
+          </p:cNvPicPr>
+          <p:nvPr>
+            <p:ph type="pic" sz="quarter" idx="15"/>
+          </p:nvPr>
+        </p:nvPicPr>
+        <p:blipFill rotWithShape="1">
+          <a:blip r:embed="rId3">
+            <a:extLst>
+              <a:ext uri="{28A0092B-C50C-407E-A947-70E740481C1C}">
+                <a14:useLocalDpi xmlns:a14="http://schemas.microsoft.com/office/drawing/2010/main" val="0"/>
+              </a:ext>
+            </a:extLst>
+          </a:blip>
+          <a:srcRect/>
+          <a:stretch/>
+        </p:blipFill>
+        <p:spPr>
+          <a:xfrm>
+            <a:off x="4226270" y="2428875"/>
+            <a:ext cx="1066800" cy="1066800"/>
+          </a:xfrm>
+        </p:spPr>
+      </p:pic>
+      <p:pic>
+        <p:nvPicPr>
+          <p:cNvPr id="46" name="Picture Placeholder 45" descr="Team member headshot">
+            <a:extLst>
+              <a:ext uri="{FF2B5EF4-FFF2-40B4-BE49-F238E27FC236}">
+                <a16:creationId xmlns:a16="http://schemas.microsoft.com/office/drawing/2014/main" id="{F8B9EE09-9F4E-47F5-82E5-A135C37A6E26}"/>
+              </a:ext>
+            </a:extLst>
+          </p:cNvPr>
+          <p:cNvPicPr>
+            <a:picLocks noGrp="1" noChangeAspect="1"/>
+          </p:cNvPicPr>
+          <p:nvPr>
+            <p:ph type="pic" sz="quarter" idx="16"/>
+          </p:nvPr>
+        </p:nvPicPr>
+        <p:blipFill rotWithShape="1">
+          <a:blip r:embed="rId4">
+            <a:extLst>
+              <a:ext uri="{28A0092B-C50C-407E-A947-70E740481C1C}">
+                <a14:useLocalDpi xmlns:a14="http://schemas.microsoft.com/office/drawing/2010/main" val="0"/>
+              </a:ext>
+            </a:extLst>
+          </a:blip>
+          <a:srcRect/>
+          <a:stretch/>
+        </p:blipFill>
+        <p:spPr>
+          <a:xfrm>
+            <a:off x="6716934" y="2428875"/>
+            <a:ext cx="1066800" cy="1066800"/>
+          </a:xfrm>
+        </p:spPr>
+      </p:pic>
+      <p:pic>
+        <p:nvPicPr>
+          <p:cNvPr id="54" name="Picture Placeholder 53" descr="Team member headshot">
+            <a:extLst>
+              <a:ext uri="{FF2B5EF4-FFF2-40B4-BE49-F238E27FC236}">
+                <a16:creationId xmlns:a16="http://schemas.microsoft.com/office/drawing/2014/main" id="{B789A13E-52C8-4E94-89B2-D51A0739F00A}"/>
+              </a:ext>
+            </a:extLst>
+          </p:cNvPr>
+          <p:cNvPicPr>
+            <a:picLocks noGrp="1" noChangeAspect="1"/>
+          </p:cNvPicPr>
+          <p:nvPr>
+            <p:ph type="pic" sz="quarter" idx="17"/>
+          </p:nvPr>
+        </p:nvPicPr>
+        <p:blipFill rotWithShape="1">
+          <a:blip r:embed="rId5">
+            <a:extLst>
+              <a:ext uri="{28A0092B-C50C-407E-A947-70E740481C1C}">
+                <a14:useLocalDpi xmlns:a14="http://schemas.microsoft.com/office/drawing/2010/main" val="0"/>
+              </a:ext>
+            </a:extLst>
+          </a:blip>
+          <a:srcRect/>
+          <a:stretch/>
+        </p:blipFill>
+        <p:spPr>
+          <a:xfrm>
+            <a:off x="9136814" y="2428875"/>
+            <a:ext cx="1066800" cy="1066800"/>
+          </a:xfrm>
+        </p:spPr>
+      </p:pic>
+      <p:sp>
+        <p:nvSpPr>
+          <p:cNvPr id="36" name="Text Placeholder 35">
+            <a:extLst>
+              <a:ext uri="{FF2B5EF4-FFF2-40B4-BE49-F238E27FC236}">
+                <a16:creationId xmlns:a16="http://schemas.microsoft.com/office/drawing/2014/main" id="{23BA8AAF-B08B-441B-AAF3-590A568329BF}"/>
+              </a:ext>
+            </a:extLst>
+          </p:cNvPr>
+          <p:cNvSpPr>
+            <a:spLocks noGrp="1"/>
+          </p:cNvSpPr>
+          <p:nvPr>
+            <p:ph type="body" idx="1"/>
+          </p:nvPr>
+        </p:nvSpPr>
+        <p:spPr>
+          <a:xfrm>
+            <a:off x="1500168" y="3654378"/>
+            <a:ext cx="1828800" cy="343061"/>
+          </a:xfrm>
+        </p:spPr>
+        <p:txBody>
+          <a:bodyPr/>
+          <a:lstStyle/>
+          <a:p>
+            <a:r>
+              <a:rPr lang="en-US" dirty="0"/>
+              <a:t>MICHAEL RODRIGUEZ</a:t>
+            </a:r>
+          </a:p>
+        </p:txBody>
+      </p:sp>
+      <p:sp>
+        <p:nvSpPr>
+          <p:cNvPr id="52" name="Text Placeholder 51">
+            <a:extLst>
+              <a:ext uri="{FF2B5EF4-FFF2-40B4-BE49-F238E27FC236}">
+                <a16:creationId xmlns:a16="http://schemas.microsoft.com/office/drawing/2014/main" id="{E07741A2-243F-4086-945C-BCA1F24E6DB5}"/>
+              </a:ext>
+            </a:extLst>
+          </p:cNvPr>
+          <p:cNvSpPr>
+            <a:spLocks noGrp="1"/>
+          </p:cNvSpPr>
+          <p:nvPr>
+            <p:ph type="body" idx="21"/>
+          </p:nvPr>
+        </p:nvSpPr>
+        <p:spPr>
+          <a:xfrm>
+            <a:off x="1390120" y="3782039"/>
+            <a:ext cx="2057400" cy="343061"/>
+          </a:xfrm>
+        </p:spPr>
+        <p:txBody>
+          <a:bodyPr/>
+          <a:lstStyle/>
+          <a:p>
+            <a:r>
+              <a:rPr lang="en-US" dirty="0"/>
+              <a:t>Incident Response Manager - Lead</a:t>
+            </a:r>
+          </a:p>
+        </p:txBody>
+      </p:sp>
+      <p:sp>
+        <p:nvSpPr>
+          <p:cNvPr id="49" name="Text Placeholder 48">
+            <a:extLst>
+              <a:ext uri="{FF2B5EF4-FFF2-40B4-BE49-F238E27FC236}">
+                <a16:creationId xmlns:a16="http://schemas.microsoft.com/office/drawing/2014/main" id="{27CB5CB7-B854-4F48-954C-5CF86CC9146D}"/>
+              </a:ext>
+            </a:extLst>
+          </p:cNvPr>
+          <p:cNvSpPr>
+            <a:spLocks noGrp="1"/>
+          </p:cNvSpPr>
+          <p:nvPr>
+            <p:ph type="body" idx="18"/>
+          </p:nvPr>
+        </p:nvSpPr>
+        <p:spPr>
+          <a:xfrm>
+            <a:off x="3849262" y="3669060"/>
+            <a:ext cx="1828800" cy="343061"/>
+          </a:xfrm>
+        </p:spPr>
+        <p:txBody>
+          <a:bodyPr/>
+          <a:lstStyle/>
+          <a:p>
+            <a:r>
+              <a:rPr lang="en-US" dirty="0"/>
+              <a:t>SAMANTHA LEE</a:t>
+            </a:r>
+          </a:p>
+        </p:txBody>
+      </p:sp>
+      <p:sp>
+        <p:nvSpPr>
+          <p:cNvPr id="61" name="Text Placeholder 60">
+            <a:extLst>
+              <a:ext uri="{FF2B5EF4-FFF2-40B4-BE49-F238E27FC236}">
+                <a16:creationId xmlns:a16="http://schemas.microsoft.com/office/drawing/2014/main" id="{F1C860E6-FF87-419F-8B26-B8EA4D5F3D3D}"/>
+              </a:ext>
+            </a:extLst>
+          </p:cNvPr>
+          <p:cNvSpPr>
+            <a:spLocks noGrp="1"/>
+          </p:cNvSpPr>
+          <p:nvPr>
+            <p:ph type="body" idx="22"/>
+          </p:nvPr>
+        </p:nvSpPr>
+        <p:spPr>
+          <a:xfrm>
+            <a:off x="3739214" y="3796721"/>
+            <a:ext cx="2057400" cy="343061"/>
+          </a:xfrm>
+        </p:spPr>
+        <p:txBody>
+          <a:bodyPr/>
+          <a:lstStyle/>
+          <a:p>
+            <a:r>
+              <a:rPr lang="en-US" dirty="0"/>
+              <a:t>EDR Specialist</a:t>
+            </a:r>
+          </a:p>
+        </p:txBody>
+      </p:sp>
+      <p:sp>
+        <p:nvSpPr>
+          <p:cNvPr id="50" name="Text Placeholder 49">
+            <a:extLst>
+              <a:ext uri="{FF2B5EF4-FFF2-40B4-BE49-F238E27FC236}">
+                <a16:creationId xmlns:a16="http://schemas.microsoft.com/office/drawing/2014/main" id="{540F887C-E8EB-4467-90FE-023D47FFB454}"/>
+              </a:ext>
+            </a:extLst>
+          </p:cNvPr>
+          <p:cNvSpPr>
+            <a:spLocks noGrp="1"/>
+          </p:cNvSpPr>
+          <p:nvPr>
+            <p:ph type="body" idx="19"/>
+          </p:nvPr>
+        </p:nvSpPr>
+        <p:spPr>
+          <a:xfrm>
+            <a:off x="6339926" y="3669060"/>
+            <a:ext cx="1828800" cy="343061"/>
+          </a:xfrm>
+        </p:spPr>
+        <p:txBody>
+          <a:bodyPr/>
+          <a:lstStyle/>
+          <a:p>
+            <a:r>
+              <a:rPr lang="en-US" dirty="0"/>
+              <a:t>RACHEL GREEN​</a:t>
+            </a:r>
+          </a:p>
+          <a:p>
+            <a:endParaRPr lang="en-US" dirty="0"/>
+          </a:p>
+        </p:txBody>
+      </p:sp>
+      <p:sp>
+        <p:nvSpPr>
+          <p:cNvPr id="62" name="Text Placeholder 61">
+            <a:extLst>
+              <a:ext uri="{FF2B5EF4-FFF2-40B4-BE49-F238E27FC236}">
+                <a16:creationId xmlns:a16="http://schemas.microsoft.com/office/drawing/2014/main" id="{F1AF6C54-9939-432B-BBC2-5E0C0F8B2D8C}"/>
+              </a:ext>
+            </a:extLst>
+          </p:cNvPr>
+          <p:cNvSpPr>
+            <a:spLocks noGrp="1"/>
+          </p:cNvSpPr>
+          <p:nvPr>
+            <p:ph type="body" idx="23"/>
+          </p:nvPr>
+        </p:nvSpPr>
+        <p:spPr>
+          <a:xfrm>
+            <a:off x="6217963" y="3796721"/>
+            <a:ext cx="2057400" cy="343061"/>
+          </a:xfrm>
+        </p:spPr>
+        <p:txBody>
+          <a:bodyPr/>
+          <a:lstStyle/>
+          <a:p>
+            <a:r>
+              <a:rPr lang="en-US" dirty="0"/>
+              <a:t>Technical Analyst</a:t>
+            </a:r>
+          </a:p>
+        </p:txBody>
+      </p:sp>
+      <p:sp>
+        <p:nvSpPr>
+          <p:cNvPr id="51" name="Text Placeholder 50">
+            <a:extLst>
+              <a:ext uri="{FF2B5EF4-FFF2-40B4-BE49-F238E27FC236}">
+                <a16:creationId xmlns:a16="http://schemas.microsoft.com/office/drawing/2014/main" id="{C1C77C5B-2A5F-4999-A5BF-F60EA88DE493}"/>
+              </a:ext>
+            </a:extLst>
+          </p:cNvPr>
+          <p:cNvSpPr>
+            <a:spLocks noGrp="1"/>
+          </p:cNvSpPr>
+          <p:nvPr>
+            <p:ph type="body" idx="20"/>
+          </p:nvPr>
+        </p:nvSpPr>
+        <p:spPr>
+          <a:xfrm>
+            <a:off x="8759806" y="3654378"/>
+            <a:ext cx="1828800" cy="343061"/>
+          </a:xfrm>
+        </p:spPr>
+        <p:txBody>
+          <a:bodyPr/>
+          <a:lstStyle/>
+          <a:p>
+            <a:r>
+              <a:rPr lang="en-US" dirty="0"/>
+              <a:t>DANIEL KIM</a:t>
+            </a:r>
+          </a:p>
+        </p:txBody>
+      </p:sp>
+      <p:sp>
+        <p:nvSpPr>
+          <p:cNvPr id="63" name="Text Placeholder 62">
+            <a:extLst>
+              <a:ext uri="{FF2B5EF4-FFF2-40B4-BE49-F238E27FC236}">
+                <a16:creationId xmlns:a16="http://schemas.microsoft.com/office/drawing/2014/main" id="{41797063-0A46-4FCE-86CB-FC66F997C5F4}"/>
+              </a:ext>
+            </a:extLst>
+          </p:cNvPr>
+          <p:cNvSpPr>
+            <a:spLocks noGrp="1"/>
+          </p:cNvSpPr>
+          <p:nvPr>
+            <p:ph type="body" idx="24"/>
+          </p:nvPr>
+        </p:nvSpPr>
+        <p:spPr>
+          <a:xfrm>
+            <a:off x="8634432" y="3782039"/>
+            <a:ext cx="2057400" cy="343061"/>
+          </a:xfrm>
+        </p:spPr>
+        <p:txBody>
+          <a:bodyPr/>
+          <a:lstStyle/>
+          <a:p>
+            <a:r>
+              <a:rPr lang="en-US" dirty="0"/>
+              <a:t>Technical Analyst</a:t>
+            </a:r>
+          </a:p>
+        </p:txBody>
+      </p:sp>
+      <p:pic>
+        <p:nvPicPr>
+          <p:cNvPr id="58" name="Picture Placeholder 57" descr="Team member headshot">
+            <a:extLst>
+              <a:ext uri="{FF2B5EF4-FFF2-40B4-BE49-F238E27FC236}">
+                <a16:creationId xmlns:a16="http://schemas.microsoft.com/office/drawing/2014/main" id="{67F12A1B-1645-4C97-AE80-CC96C4998E2E}"/>
+              </a:ext>
+            </a:extLst>
+          </p:cNvPr>
+          <p:cNvPicPr>
+            <a:picLocks noGrp="1" noChangeAspect="1"/>
+          </p:cNvPicPr>
+          <p:nvPr>
+            <p:ph type="pic" sz="quarter" idx="26"/>
+          </p:nvPr>
+        </p:nvPicPr>
+        <p:blipFill rotWithShape="1">
+          <a:blip r:embed="rId6">
+            <a:extLst>
+              <a:ext uri="{28A0092B-C50C-407E-A947-70E740481C1C}">
+                <a14:useLocalDpi xmlns:a14="http://schemas.microsoft.com/office/drawing/2010/main" val="0"/>
+              </a:ext>
+            </a:extLst>
+          </a:blip>
+          <a:srcRect/>
+          <a:stretch/>
+        </p:blipFill>
+        <p:spPr>
+          <a:xfrm>
+            <a:off x="1877176" y="4287711"/>
+            <a:ext cx="1066800" cy="1066800"/>
+          </a:xfrm>
+        </p:spPr>
+      </p:pic>
+      <p:pic>
+        <p:nvPicPr>
+          <p:cNvPr id="66" name="Picture Placeholder 65" descr="Team member headshot">
+            <a:extLst>
+              <a:ext uri="{FF2B5EF4-FFF2-40B4-BE49-F238E27FC236}">
+                <a16:creationId xmlns:a16="http://schemas.microsoft.com/office/drawing/2014/main" id="{448282B4-E477-4ECE-BC09-7EA9451D9AEE}"/>
+              </a:ext>
+            </a:extLst>
+          </p:cNvPr>
+          <p:cNvPicPr>
+            <a:picLocks noGrp="1" noChangeAspect="1"/>
+          </p:cNvPicPr>
+          <p:nvPr>
+            <p:ph type="pic" sz="quarter" idx="27"/>
+          </p:nvPr>
+        </p:nvPicPr>
+        <p:blipFill rotWithShape="1">
+          <a:blip r:embed="rId7">
+            <a:extLst>
+              <a:ext uri="{28A0092B-C50C-407E-A947-70E740481C1C}">
+                <a14:useLocalDpi xmlns:a14="http://schemas.microsoft.com/office/drawing/2010/main" val="0"/>
+              </a:ext>
+            </a:extLst>
+          </a:blip>
+          <a:srcRect/>
+          <a:stretch/>
+        </p:blipFill>
+        <p:spPr>
+          <a:xfrm>
+            <a:off x="4226270" y="4287711"/>
+            <a:ext cx="1066800" cy="1066800"/>
+          </a:xfrm>
+        </p:spPr>
+      </p:pic>
+      <p:pic>
+        <p:nvPicPr>
+          <p:cNvPr id="78" name="Picture Placeholder 77" descr="Team member headshot">
+            <a:extLst>
+              <a:ext uri="{FF2B5EF4-FFF2-40B4-BE49-F238E27FC236}">
+                <a16:creationId xmlns:a16="http://schemas.microsoft.com/office/drawing/2014/main" id="{15824874-C00E-4835-97F0-43C416DDCACC}"/>
+              </a:ext>
+            </a:extLst>
+          </p:cNvPr>
+          <p:cNvPicPr>
+            <a:picLocks noGrp="1" noChangeAspect="1"/>
+          </p:cNvPicPr>
+          <p:nvPr>
+            <p:ph type="pic" sz="quarter" idx="28"/>
+          </p:nvPr>
+        </p:nvPicPr>
+        <p:blipFill rotWithShape="1">
+          <a:blip r:embed="rId8">
+            <a:extLst>
+              <a:ext uri="{28A0092B-C50C-407E-A947-70E740481C1C}">
+                <a14:useLocalDpi xmlns:a14="http://schemas.microsoft.com/office/drawing/2010/main" val="0"/>
+              </a:ext>
+            </a:extLst>
+          </a:blip>
+          <a:srcRect/>
+          <a:stretch/>
+        </p:blipFill>
+        <p:spPr>
+          <a:xfrm>
+            <a:off x="6716934" y="4287711"/>
+            <a:ext cx="1066800" cy="1066800"/>
+          </a:xfrm>
+        </p:spPr>
+      </p:pic>
+      <p:pic>
+        <p:nvPicPr>
+          <p:cNvPr id="83" name="Picture Placeholder 82" descr="Team member headshot">
+            <a:extLst>
+              <a:ext uri="{FF2B5EF4-FFF2-40B4-BE49-F238E27FC236}">
+                <a16:creationId xmlns:a16="http://schemas.microsoft.com/office/drawing/2014/main" id="{96405252-7726-442E-9D15-755840A5AF27}"/>
+              </a:ext>
+            </a:extLst>
+          </p:cNvPr>
+          <p:cNvPicPr>
+            <a:picLocks noGrp="1" noChangeAspect="1"/>
+          </p:cNvPicPr>
+          <p:nvPr>
+            <p:ph type="pic" sz="quarter" idx="29"/>
+          </p:nvPr>
+        </p:nvPicPr>
+        <p:blipFill rotWithShape="1">
+          <a:blip r:embed="rId9">
+            <a:extLst>
+              <a:ext uri="{28A0092B-C50C-407E-A947-70E740481C1C}">
+                <a14:useLocalDpi xmlns:a14="http://schemas.microsoft.com/office/drawing/2010/main" val="0"/>
+              </a:ext>
+            </a:extLst>
+          </a:blip>
+          <a:srcRect/>
+          <a:stretch/>
+        </p:blipFill>
+        <p:spPr>
+          <a:xfrm>
+            <a:off x="9136814" y="4287711"/>
+            <a:ext cx="1066800" cy="1066800"/>
+          </a:xfrm>
+        </p:spPr>
+      </p:pic>
+      <p:sp>
+        <p:nvSpPr>
+          <p:cNvPr id="64" name="Text Placeholder 63">
+            <a:extLst>
+              <a:ext uri="{FF2B5EF4-FFF2-40B4-BE49-F238E27FC236}">
+                <a16:creationId xmlns:a16="http://schemas.microsoft.com/office/drawing/2014/main" id="{3ECD1D6F-7DAE-4DCC-BBB4-CD519379CDF6}"/>
+              </a:ext>
+            </a:extLst>
+          </p:cNvPr>
+          <p:cNvSpPr>
+            <a:spLocks noGrp="1"/>
+          </p:cNvSpPr>
+          <p:nvPr>
+            <p:ph type="body" idx="25"/>
+          </p:nvPr>
+        </p:nvSpPr>
+        <p:spPr>
+          <a:xfrm>
+            <a:off x="1500168" y="5513214"/>
+            <a:ext cx="1828800" cy="343061"/>
+          </a:xfrm>
+        </p:spPr>
+        <p:txBody>
+          <a:bodyPr/>
+          <a:lstStyle/>
+          <a:p>
+            <a:r>
+              <a:rPr lang="en-US" dirty="0"/>
+              <a:t>ISABELLA MARTINEZ</a:t>
+            </a:r>
+          </a:p>
+        </p:txBody>
+      </p:sp>
+      <p:sp>
+        <p:nvSpPr>
+          <p:cNvPr id="72" name="Text Placeholder 71">
+            <a:extLst>
+              <a:ext uri="{FF2B5EF4-FFF2-40B4-BE49-F238E27FC236}">
+                <a16:creationId xmlns:a16="http://schemas.microsoft.com/office/drawing/2014/main" id="{0420E7B5-7D79-437C-BC6E-11C9C9C73D12}"/>
+              </a:ext>
+            </a:extLst>
+          </p:cNvPr>
+          <p:cNvSpPr>
+            <a:spLocks noGrp="1"/>
+          </p:cNvSpPr>
+          <p:nvPr>
+            <p:ph type="body" idx="33"/>
+          </p:nvPr>
+        </p:nvSpPr>
+        <p:spPr>
+          <a:xfrm>
+            <a:off x="1390120" y="5640875"/>
+            <a:ext cx="2057400" cy="343061"/>
+          </a:xfrm>
+        </p:spPr>
+        <p:txBody>
+          <a:bodyPr/>
+          <a:lstStyle/>
+          <a:p>
+            <a:r>
+              <a:rPr lang="en-US" dirty="0"/>
+              <a:t>Certified Ethical Hacker - Lead</a:t>
+            </a:r>
+          </a:p>
+        </p:txBody>
+      </p:sp>
+      <p:sp>
+        <p:nvSpPr>
+          <p:cNvPr id="69" name="Text Placeholder 68">
+            <a:extLst>
+              <a:ext uri="{FF2B5EF4-FFF2-40B4-BE49-F238E27FC236}">
+                <a16:creationId xmlns:a16="http://schemas.microsoft.com/office/drawing/2014/main" id="{A5A9CD8D-31A9-4139-87B2-349EA8E14781}"/>
+              </a:ext>
+            </a:extLst>
+          </p:cNvPr>
+          <p:cNvSpPr>
+            <a:spLocks noGrp="1"/>
+          </p:cNvSpPr>
+          <p:nvPr>
+            <p:ph type="body" idx="30"/>
+          </p:nvPr>
+        </p:nvSpPr>
+        <p:spPr>
+          <a:xfrm>
+            <a:off x="3849262" y="5527896"/>
+            <a:ext cx="1828800" cy="343061"/>
+          </a:xfrm>
+        </p:spPr>
+        <p:txBody>
+          <a:bodyPr/>
+          <a:lstStyle/>
+          <a:p>
+            <a:r>
+              <a:rPr lang="en-US" dirty="0"/>
+              <a:t>OLIVIA WILDE</a:t>
+            </a:r>
+          </a:p>
+        </p:txBody>
+      </p:sp>
+      <p:sp>
+        <p:nvSpPr>
+          <p:cNvPr id="73" name="Text Placeholder 72">
+            <a:extLst>
+              <a:ext uri="{FF2B5EF4-FFF2-40B4-BE49-F238E27FC236}">
+                <a16:creationId xmlns:a16="http://schemas.microsoft.com/office/drawing/2014/main" id="{E1FCDD58-01CD-47CF-AB15-A511E9D3612F}"/>
+              </a:ext>
+            </a:extLst>
+          </p:cNvPr>
+          <p:cNvSpPr>
+            <a:spLocks noGrp="1"/>
+          </p:cNvSpPr>
+          <p:nvPr>
+            <p:ph type="body" idx="34"/>
+          </p:nvPr>
+        </p:nvSpPr>
+        <p:spPr>
+          <a:xfrm>
+            <a:off x="3739214" y="5655557"/>
+            <a:ext cx="2057400" cy="343061"/>
+          </a:xfrm>
+        </p:spPr>
+        <p:txBody>
+          <a:bodyPr/>
+          <a:lstStyle/>
+          <a:p>
+            <a:r>
+              <a:rPr lang="en-US" dirty="0"/>
+              <a:t>Compliance and Risk Manager</a:t>
+            </a:r>
+          </a:p>
+        </p:txBody>
+      </p:sp>
+      <p:sp>
+        <p:nvSpPr>
+          <p:cNvPr id="70" name="Text Placeholder 69">
+            <a:extLst>
+              <a:ext uri="{FF2B5EF4-FFF2-40B4-BE49-F238E27FC236}">
+                <a16:creationId xmlns:a16="http://schemas.microsoft.com/office/drawing/2014/main" id="{58753412-8033-48AD-80DF-945C72BC7335}"/>
+              </a:ext>
+            </a:extLst>
+          </p:cNvPr>
+          <p:cNvSpPr>
+            <a:spLocks noGrp="1"/>
+          </p:cNvSpPr>
+          <p:nvPr>
+            <p:ph type="body" idx="31"/>
+          </p:nvPr>
+        </p:nvSpPr>
+        <p:spPr>
+          <a:xfrm>
+            <a:off x="6339926" y="5527896"/>
+            <a:ext cx="1828800" cy="343061"/>
+          </a:xfrm>
+        </p:spPr>
+        <p:txBody>
+          <a:bodyPr/>
+          <a:lstStyle/>
+          <a:p>
+            <a:r>
+              <a:rPr lang="en-US" dirty="0"/>
+              <a:t>LUCAS BROWN</a:t>
+            </a:r>
+          </a:p>
+        </p:txBody>
+      </p:sp>
+      <p:sp>
+        <p:nvSpPr>
+          <p:cNvPr id="74" name="Text Placeholder 73">
+            <a:extLst>
+              <a:ext uri="{FF2B5EF4-FFF2-40B4-BE49-F238E27FC236}">
+                <a16:creationId xmlns:a16="http://schemas.microsoft.com/office/drawing/2014/main" id="{2E2604A9-4BB8-4144-914B-DCF4F13DF3DB}"/>
+              </a:ext>
+            </a:extLst>
+          </p:cNvPr>
+          <p:cNvSpPr>
+            <a:spLocks noGrp="1"/>
+          </p:cNvSpPr>
+          <p:nvPr>
+            <p:ph type="body" idx="35"/>
+          </p:nvPr>
+        </p:nvSpPr>
+        <p:spPr>
+          <a:xfrm>
+            <a:off x="6229878" y="5655557"/>
+            <a:ext cx="2057400" cy="343061"/>
+          </a:xfrm>
+        </p:spPr>
+        <p:txBody>
+          <a:bodyPr/>
+          <a:lstStyle/>
+          <a:p>
+            <a:br>
+              <a:rPr lang="en-US" dirty="0"/>
+            </a:br>
+            <a:r>
+              <a:rPr lang="en-US" dirty="0"/>
+              <a:t>Security Engineer</a:t>
+            </a:r>
+          </a:p>
+        </p:txBody>
+      </p:sp>
+      <p:sp>
+        <p:nvSpPr>
+          <p:cNvPr id="75" name="Text Placeholder 74">
+            <a:extLst>
+              <a:ext uri="{FF2B5EF4-FFF2-40B4-BE49-F238E27FC236}">
+                <a16:creationId xmlns:a16="http://schemas.microsoft.com/office/drawing/2014/main" id="{72076C4D-9688-4C1A-AB51-8F1051A803A9}"/>
+              </a:ext>
+            </a:extLst>
+          </p:cNvPr>
+          <p:cNvSpPr>
+            <a:spLocks noGrp="1"/>
+          </p:cNvSpPr>
+          <p:nvPr>
+            <p:ph type="body" idx="36"/>
+          </p:nvPr>
+        </p:nvSpPr>
+        <p:spPr>
+          <a:xfrm>
+            <a:off x="8634432" y="5640875"/>
+            <a:ext cx="2057400" cy="343061"/>
+          </a:xfrm>
+        </p:spPr>
+        <p:txBody>
+          <a:bodyPr/>
+          <a:lstStyle/>
+          <a:p>
+            <a:r>
+              <a:rPr lang="en-US" dirty="0"/>
+              <a:t>Security Engineer</a:t>
+            </a:r>
+          </a:p>
+        </p:txBody>
+      </p:sp>
+      <p:sp>
+        <p:nvSpPr>
+          <p:cNvPr id="3" name="Date Placeholder 2">
+            <a:extLst>
+              <a:ext uri="{FF2B5EF4-FFF2-40B4-BE49-F238E27FC236}">
+                <a16:creationId xmlns:a16="http://schemas.microsoft.com/office/drawing/2014/main" id="{1833164A-09D8-4E05-899E-C830A562A446}"/>
+              </a:ext>
+            </a:extLst>
+          </p:cNvPr>
+          <p:cNvSpPr>
+            <a:spLocks noGrp="1"/>
+          </p:cNvSpPr>
+          <p:nvPr>
+            <p:ph type="dt" sz="half" idx="10"/>
+          </p:nvPr>
+        </p:nvSpPr>
+        <p:spPr>
+          <a:xfrm>
+            <a:off x="838200" y="6356350"/>
+            <a:ext cx="2743200" cy="365125"/>
+          </a:xfrm>
+        </p:spPr>
+        <p:txBody>
+          <a:bodyPr/>
+          <a:lstStyle/>
+          <a:p>
+            <a:endParaRPr lang="en-US" dirty="0"/>
+          </a:p>
+        </p:txBody>
+      </p:sp>
+      <p:sp>
+        <p:nvSpPr>
+          <p:cNvPr id="4" name="Footer Placeholder 3">
+            <a:extLst>
+              <a:ext uri="{FF2B5EF4-FFF2-40B4-BE49-F238E27FC236}">
+                <a16:creationId xmlns:a16="http://schemas.microsoft.com/office/drawing/2014/main" id="{79EB4DEA-4DCD-421C-A905-7EFCAE898907}"/>
+              </a:ext>
+            </a:extLst>
+          </p:cNvPr>
+          <p:cNvSpPr>
+            <a:spLocks noGrp="1"/>
+          </p:cNvSpPr>
+          <p:nvPr>
+            <p:ph type="ftr" sz="quarter" idx="11"/>
+          </p:nvPr>
+        </p:nvSpPr>
+        <p:spPr>
+          <a:xfrm>
+            <a:off x="4038600" y="6356350"/>
+            <a:ext cx="4114800" cy="365125"/>
+          </a:xfrm>
+        </p:spPr>
+        <p:txBody>
+          <a:bodyPr/>
+          <a:lstStyle/>
+          <a:p>
+            <a:endParaRPr lang="en-US" dirty="0"/>
+          </a:p>
+        </p:txBody>
+      </p:sp>
+      <p:sp>
+        <p:nvSpPr>
+          <p:cNvPr id="5" name="Slide Number Placeholder 4">
+            <a:extLst>
+              <a:ext uri="{FF2B5EF4-FFF2-40B4-BE49-F238E27FC236}">
+                <a16:creationId xmlns:a16="http://schemas.microsoft.com/office/drawing/2014/main" id="{2E1923C7-5010-4C4F-A932-4BDA0B62A7C0}"/>
+              </a:ext>
+            </a:extLst>
+          </p:cNvPr>
+          <p:cNvSpPr>
+            <a:spLocks noGrp="1"/>
+          </p:cNvSpPr>
+          <p:nvPr>
+            <p:ph type="sldNum" sz="quarter" idx="12"/>
+          </p:nvPr>
+        </p:nvSpPr>
+        <p:spPr>
+          <a:xfrm>
+            <a:off x="8610600" y="6356350"/>
+            <a:ext cx="2743200" cy="365125"/>
+          </a:xfrm>
+        </p:spPr>
+        <p:txBody>
+          <a:bodyPr/>
+          <a:lstStyle/>
+          <a:p>
+            <a:endParaRPr lang="en-US" dirty="0"/>
+          </a:p>
+        </p:txBody>
+      </p:sp>
+      <p:sp>
+        <p:nvSpPr>
+          <p:cNvPr id="8" name="Text Placeholder 7">
+            <a:extLst>
+              <a:ext uri="{FF2B5EF4-FFF2-40B4-BE49-F238E27FC236}">
+                <a16:creationId xmlns:a16="http://schemas.microsoft.com/office/drawing/2014/main" id="{85837FD8-2AC5-1DE8-3A5A-A0F6D4B4A44F}"/>
+              </a:ext>
+            </a:extLst>
+          </p:cNvPr>
+          <p:cNvSpPr>
+            <a:spLocks noGrp="1"/>
+          </p:cNvSpPr>
+          <p:nvPr>
+            <p:ph type="body" idx="32"/>
+          </p:nvPr>
+        </p:nvSpPr>
+        <p:spPr/>
+        <p:txBody>
+          <a:bodyPr/>
+          <a:lstStyle/>
+          <a:p>
+            <a:r>
+              <a:rPr lang="en-US" dirty="0"/>
+              <a:t>DAVID SMITH</a:t>
+            </a:r>
+            <a:endParaRPr lang="en-CA" dirty="0"/>
+          </a:p>
+        </p:txBody>
+      </p:sp>
+      <p:pic>
+        <p:nvPicPr>
+          <p:cNvPr id="9" name="Picture Placeholder 37" descr="Team member headshot">
+            <a:extLst>
+              <a:ext uri="{FF2B5EF4-FFF2-40B4-BE49-F238E27FC236}">
+                <a16:creationId xmlns:a16="http://schemas.microsoft.com/office/drawing/2014/main" id="{0D848E04-1252-ED2D-D2B4-8AFECB7BA5AC}"/>
+              </a:ext>
+            </a:extLst>
+          </p:cNvPr>
+          <p:cNvPicPr>
+            <a:picLocks noChangeAspect="1"/>
+          </p:cNvPicPr>
+          <p:nvPr/>
+        </p:nvPicPr>
+        <p:blipFill rotWithShape="1">
+          <a:blip r:embed="rId2">
+            <a:extLst>
+              <a:ext uri="{28A0092B-C50C-407E-A947-70E740481C1C}">
+                <a14:useLocalDpi xmlns:a14="http://schemas.microsoft.com/office/drawing/2010/main" val="0"/>
+              </a:ext>
+            </a:extLst>
+          </a:blip>
+          <a:srcRect/>
+          <a:stretch/>
+        </p:blipFill>
+        <p:spPr>
+          <a:xfrm>
+            <a:off x="9136814" y="2428875"/>
+            <a:ext cx="1066800" cy="1066800"/>
+          </a:xfrm>
+          <a:prstGeom prst="rect">
+            <a:avLst/>
+          </a:prstGeom>
+          <a:solidFill>
+            <a:schemeClr val="tx1"/>
+          </a:solidFill>
+        </p:spPr>
+      </p:pic>
+      <p:pic>
+        <p:nvPicPr>
+          <p:cNvPr id="12" name="Picture Placeholder 53" descr="Team member headshot">
+            <a:extLst>
+              <a:ext uri="{FF2B5EF4-FFF2-40B4-BE49-F238E27FC236}">
+                <a16:creationId xmlns:a16="http://schemas.microsoft.com/office/drawing/2014/main" id="{A95782D3-B980-3501-0BF1-41C898F5B571}"/>
+              </a:ext>
+            </a:extLst>
+          </p:cNvPr>
+          <p:cNvPicPr>
+            <a:picLocks noChangeAspect="1"/>
+          </p:cNvPicPr>
+          <p:nvPr/>
+        </p:nvPicPr>
+        <p:blipFill rotWithShape="1">
+          <a:blip r:embed="rId5">
+            <a:extLst>
+              <a:ext uri="{28A0092B-C50C-407E-A947-70E740481C1C}">
+                <a14:useLocalDpi xmlns:a14="http://schemas.microsoft.com/office/drawing/2010/main" val="0"/>
+              </a:ext>
+            </a:extLst>
+          </a:blip>
+          <a:srcRect/>
+          <a:stretch/>
+        </p:blipFill>
+        <p:spPr>
+          <a:xfrm>
+            <a:off x="1877176" y="2428875"/>
+            <a:ext cx="1066800" cy="1066800"/>
+          </a:xfrm>
+          <a:prstGeom prst="rect">
+            <a:avLst/>
+          </a:prstGeom>
+          <a:solidFill>
+            <a:schemeClr val="tx1"/>
+          </a:solidFill>
+        </p:spPr>
+      </p:pic>
+      <p:pic>
+        <p:nvPicPr>
+          <p:cNvPr id="15" name="Picture Placeholder 41" descr="Team member headshot">
+            <a:extLst>
+              <a:ext uri="{FF2B5EF4-FFF2-40B4-BE49-F238E27FC236}">
+                <a16:creationId xmlns:a16="http://schemas.microsoft.com/office/drawing/2014/main" id="{3C61CF1F-8F76-D7B8-E384-06FF836488A3}"/>
+              </a:ext>
+            </a:extLst>
+          </p:cNvPr>
+          <p:cNvPicPr>
+            <a:picLocks noChangeAspect="1"/>
+          </p:cNvPicPr>
+          <p:nvPr/>
+        </p:nvPicPr>
+        <p:blipFill rotWithShape="1">
+          <a:blip r:embed="rId3">
+            <a:extLst>
+              <a:ext uri="{28A0092B-C50C-407E-A947-70E740481C1C}">
+                <a14:useLocalDpi xmlns:a14="http://schemas.microsoft.com/office/drawing/2010/main" val="0"/>
+              </a:ext>
+            </a:extLst>
+          </a:blip>
+          <a:srcRect/>
+          <a:stretch/>
+        </p:blipFill>
+        <p:spPr>
+          <a:xfrm>
+            <a:off x="6720926" y="2423394"/>
+            <a:ext cx="1066800" cy="1066800"/>
+          </a:xfrm>
+          <a:prstGeom prst="rect">
+            <a:avLst/>
+          </a:prstGeom>
+          <a:solidFill>
+            <a:schemeClr val="tx1"/>
+          </a:solidFill>
+        </p:spPr>
+      </p:pic>
+      <p:pic>
+        <p:nvPicPr>
+          <p:cNvPr id="16" name="Picture Placeholder 45" descr="Team member headshot">
+            <a:extLst>
+              <a:ext uri="{FF2B5EF4-FFF2-40B4-BE49-F238E27FC236}">
+                <a16:creationId xmlns:a16="http://schemas.microsoft.com/office/drawing/2014/main" id="{D9E04F97-C951-3A20-A867-5EFEAB518A0C}"/>
+              </a:ext>
+            </a:extLst>
+          </p:cNvPr>
+          <p:cNvPicPr>
+            <a:picLocks noChangeAspect="1"/>
+          </p:cNvPicPr>
+          <p:nvPr/>
+        </p:nvPicPr>
+        <p:blipFill rotWithShape="1">
+          <a:blip r:embed="rId4">
+            <a:extLst>
+              <a:ext uri="{28A0092B-C50C-407E-A947-70E740481C1C}">
+                <a14:useLocalDpi xmlns:a14="http://schemas.microsoft.com/office/drawing/2010/main" val="0"/>
+              </a:ext>
+            </a:extLst>
+          </a:blip>
+          <a:srcRect/>
+          <a:stretch/>
+        </p:blipFill>
+        <p:spPr>
+          <a:xfrm>
+            <a:off x="4226270" y="2434264"/>
+            <a:ext cx="1066800" cy="1066800"/>
+          </a:xfrm>
+          <a:prstGeom prst="rect">
+            <a:avLst/>
+          </a:prstGeom>
+          <a:solidFill>
+            <a:schemeClr val="tx1"/>
+          </a:solidFill>
+        </p:spPr>
+      </p:pic>
+      <p:pic>
+        <p:nvPicPr>
+          <p:cNvPr id="17" name="Picture Placeholder 57" descr="Team member headshot">
+            <a:extLst>
+              <a:ext uri="{FF2B5EF4-FFF2-40B4-BE49-F238E27FC236}">
+                <a16:creationId xmlns:a16="http://schemas.microsoft.com/office/drawing/2014/main" id="{E78CD01F-9823-AEBD-C310-ED120B7DBB42}"/>
+              </a:ext>
+            </a:extLst>
+          </p:cNvPr>
+          <p:cNvPicPr>
+            <a:picLocks noChangeAspect="1"/>
+          </p:cNvPicPr>
+          <p:nvPr/>
+        </p:nvPicPr>
+        <p:blipFill rotWithShape="1">
+          <a:blip r:embed="rId6">
+            <a:extLst>
+              <a:ext uri="{28A0092B-C50C-407E-A947-70E740481C1C}">
+                <a14:useLocalDpi xmlns:a14="http://schemas.microsoft.com/office/drawing/2010/main" val="0"/>
+              </a:ext>
+            </a:extLst>
+          </a:blip>
+          <a:srcRect/>
+          <a:stretch/>
+        </p:blipFill>
+        <p:spPr>
+          <a:xfrm>
+            <a:off x="9129732" y="4287711"/>
+            <a:ext cx="1066800" cy="1066800"/>
+          </a:xfrm>
+          <a:prstGeom prst="rect">
+            <a:avLst/>
+          </a:prstGeom>
+          <a:solidFill>
+            <a:schemeClr val="tx1"/>
+          </a:solidFill>
+        </p:spPr>
+      </p:pic>
+      <p:pic>
+        <p:nvPicPr>
+          <p:cNvPr id="18" name="Picture Placeholder 82" descr="Team member headshot">
+            <a:extLst>
+              <a:ext uri="{FF2B5EF4-FFF2-40B4-BE49-F238E27FC236}">
+                <a16:creationId xmlns:a16="http://schemas.microsoft.com/office/drawing/2014/main" id="{D8465F37-5723-7901-DDAC-1FA3345042A2}"/>
+              </a:ext>
+            </a:extLst>
+          </p:cNvPr>
+          <p:cNvPicPr>
+            <a:picLocks noChangeAspect="1"/>
+          </p:cNvPicPr>
+          <p:nvPr/>
+        </p:nvPicPr>
+        <p:blipFill rotWithShape="1">
+          <a:blip r:embed="rId9">
+            <a:extLst>
+              <a:ext uri="{28A0092B-C50C-407E-A947-70E740481C1C}">
+                <a14:useLocalDpi xmlns:a14="http://schemas.microsoft.com/office/drawing/2010/main" val="0"/>
+              </a:ext>
+            </a:extLst>
+          </a:blip>
+          <a:srcRect/>
+          <a:stretch/>
+        </p:blipFill>
+        <p:spPr>
+          <a:xfrm>
+            <a:off x="1870094" y="4287711"/>
+            <a:ext cx="1066800" cy="1066800"/>
+          </a:xfrm>
+          <a:prstGeom prst="rect">
+            <a:avLst/>
+          </a:prstGeom>
+          <a:solidFill>
+            <a:schemeClr val="tx1"/>
+          </a:solidFill>
+        </p:spPr>
+      </p:pic>
+      <p:pic>
+        <p:nvPicPr>
+          <p:cNvPr id="19" name="Picture Placeholder 77" descr="Team member headshot">
+            <a:extLst>
+              <a:ext uri="{FF2B5EF4-FFF2-40B4-BE49-F238E27FC236}">
+                <a16:creationId xmlns:a16="http://schemas.microsoft.com/office/drawing/2014/main" id="{CAFBCB1E-CFF3-68B8-73A0-E8F539BB5A1C}"/>
+              </a:ext>
+            </a:extLst>
+          </p:cNvPr>
+          <p:cNvPicPr>
+            <a:picLocks noChangeAspect="1"/>
+          </p:cNvPicPr>
+          <p:nvPr/>
+        </p:nvPicPr>
+        <p:blipFill rotWithShape="1">
+          <a:blip r:embed="rId8">
+            <a:extLst>
+              <a:ext uri="{28A0092B-C50C-407E-A947-70E740481C1C}">
+                <a14:useLocalDpi xmlns:a14="http://schemas.microsoft.com/office/drawing/2010/main" val="0"/>
+              </a:ext>
+            </a:extLst>
+          </a:blip>
+          <a:srcRect/>
+          <a:stretch/>
+        </p:blipFill>
+        <p:spPr>
+          <a:xfrm>
+            <a:off x="4226270" y="4283361"/>
+            <a:ext cx="1066800" cy="1066800"/>
+          </a:xfrm>
+          <a:prstGeom prst="rect">
+            <a:avLst/>
+          </a:prstGeom>
+          <a:solidFill>
+            <a:schemeClr val="tx1"/>
+          </a:solidFill>
+        </p:spPr>
+      </p:pic>
+      <p:pic>
+        <p:nvPicPr>
+          <p:cNvPr id="20" name="Picture Placeholder 65" descr="Team member headshot">
+            <a:extLst>
+              <a:ext uri="{FF2B5EF4-FFF2-40B4-BE49-F238E27FC236}">
+                <a16:creationId xmlns:a16="http://schemas.microsoft.com/office/drawing/2014/main" id="{CFD6DDEC-FA3B-4421-43D8-71654953F75F}"/>
+              </a:ext>
+            </a:extLst>
+          </p:cNvPr>
+          <p:cNvPicPr>
+            <a:picLocks noChangeAspect="1"/>
+          </p:cNvPicPr>
+          <p:nvPr/>
+        </p:nvPicPr>
+        <p:blipFill rotWithShape="1">
+          <a:blip r:embed="rId7">
+            <a:extLst>
+              <a:ext uri="{28A0092B-C50C-407E-A947-70E740481C1C}">
+                <a14:useLocalDpi xmlns:a14="http://schemas.microsoft.com/office/drawing/2010/main" val="0"/>
+              </a:ext>
+            </a:extLst>
+          </a:blip>
+          <a:srcRect/>
+          <a:stretch/>
+        </p:blipFill>
+        <p:spPr>
+          <a:xfrm>
+            <a:off x="6716934" y="4276128"/>
+            <a:ext cx="1066800" cy="1066800"/>
+          </a:xfrm>
+          <a:prstGeom prst="rect">
+            <a:avLst/>
+          </a:prstGeom>
+          <a:solidFill>
+            <a:schemeClr val="tx1"/>
+          </a:solidFill>
+        </p:spPr>
+      </p:pic>
     </p:spTree>
     <p:extLst>
       <p:ext uri="{BB962C8B-B14F-4D97-AF65-F5344CB8AC3E}">
-        <p14:creationId xmlns:p14="http://schemas.microsoft.com/office/powerpoint/2010/main" val="707789176"/>
+        <p14:creationId xmlns:p14="http://schemas.microsoft.com/office/powerpoint/2010/main" val="3396266754"/>
       </p:ext>
     </p:extLst>
   </p:cSld>
@@ -16140,10 +17339,10 @@
       </p:grpSpPr>
       <p:sp>
         <p:nvSpPr>
-          <p:cNvPr id="2" name="Title 1">
-            <a:extLst>
-              <a:ext uri="{FF2B5EF4-FFF2-40B4-BE49-F238E27FC236}">
-                <a16:creationId xmlns:a16="http://schemas.microsoft.com/office/drawing/2014/main" id="{27A6F7BB-30A8-4980-AD4A-2FB0B53FA6C9}"/>
+          <p:cNvPr id="4" name="Title 3">
+            <a:extLst>
+              <a:ext uri="{FF2B5EF4-FFF2-40B4-BE49-F238E27FC236}">
+                <a16:creationId xmlns:a16="http://schemas.microsoft.com/office/drawing/2014/main" id="{FAD2AE59-5630-4D5C-83A9-4CDEF4D7DCFB}"/>
               </a:ext>
             </a:extLst>
           </p:cNvPr>
@@ -16156,7 +17355,7 @@
         </p:nvSpPr>
         <p:spPr>
           <a:xfrm>
-            <a:off x="1885156" y="892177"/>
+            <a:off x="2933700" y="892177"/>
             <a:ext cx="8421688" cy="1325563"/>
           </a:xfrm>
         </p:spPr>
@@ -16166,158 +17365,17 @@
           <a:p>
             <a:r>
               <a:rPr lang="en-US" dirty="0"/>
-              <a:t>MEET </a:t>
-            </a:r>
-            <a:r>
-              <a:rPr lang="en-US" dirty="0" err="1"/>
-              <a:t>CYBERQUAck</a:t>
-            </a:r>
-            <a:endParaRPr lang="en-US" dirty="0"/>
-          </a:p>
-        </p:txBody>
-      </p:sp>
-      <p:pic>
-        <p:nvPicPr>
-          <p:cNvPr id="38" name="Picture Placeholder 37" descr="Team member headshot">
-            <a:extLst>
-              <a:ext uri="{FF2B5EF4-FFF2-40B4-BE49-F238E27FC236}">
-                <a16:creationId xmlns:a16="http://schemas.microsoft.com/office/drawing/2014/main" id="{6E64DC71-C9CE-47FF-A3B6-597A9B09EC98}"/>
-              </a:ext>
-            </a:extLst>
-          </p:cNvPr>
-          <p:cNvPicPr>
-            <a:picLocks noGrp="1" noChangeAspect="1"/>
-          </p:cNvPicPr>
-          <p:nvPr>
-            <p:ph type="pic" sz="quarter" idx="14"/>
-          </p:nvPr>
-        </p:nvPicPr>
-        <p:blipFill rotWithShape="1">
-          <a:blip r:embed="rId2">
-            <a:extLst>
-              <a:ext uri="{28A0092B-C50C-407E-A947-70E740481C1C}">
-                <a14:useLocalDpi xmlns:a14="http://schemas.microsoft.com/office/drawing/2010/main" val="0"/>
-              </a:ext>
-            </a:extLst>
-          </a:blip>
-          <a:srcRect/>
-          <a:stretch/>
-        </p:blipFill>
-        <p:spPr>
-          <a:xfrm>
-            <a:off x="1877176" y="2428875"/>
-            <a:ext cx="1066800" cy="1066800"/>
-          </a:xfrm>
-        </p:spPr>
-      </p:pic>
-      <p:pic>
-        <p:nvPicPr>
-          <p:cNvPr id="42" name="Picture Placeholder 41" descr="Team member headshot">
-            <a:extLst>
-              <a:ext uri="{FF2B5EF4-FFF2-40B4-BE49-F238E27FC236}">
-                <a16:creationId xmlns:a16="http://schemas.microsoft.com/office/drawing/2014/main" id="{03BE9C30-CAE7-4AE5-8722-B20E200AC048}"/>
-              </a:ext>
-            </a:extLst>
-          </p:cNvPr>
-          <p:cNvPicPr>
-            <a:picLocks noGrp="1" noChangeAspect="1"/>
-          </p:cNvPicPr>
-          <p:nvPr>
-            <p:ph type="pic" sz="quarter" idx="15"/>
-          </p:nvPr>
-        </p:nvPicPr>
-        <p:blipFill rotWithShape="1">
-          <a:blip r:embed="rId3">
-            <a:extLst>
-              <a:ext uri="{28A0092B-C50C-407E-A947-70E740481C1C}">
-                <a14:useLocalDpi xmlns:a14="http://schemas.microsoft.com/office/drawing/2010/main" val="0"/>
-              </a:ext>
-            </a:extLst>
-          </a:blip>
-          <a:srcRect/>
-          <a:stretch/>
-        </p:blipFill>
-        <p:spPr>
-          <a:xfrm>
-            <a:off x="4226270" y="2428875"/>
-            <a:ext cx="1066800" cy="1066800"/>
-          </a:xfrm>
-        </p:spPr>
-      </p:pic>
-      <p:pic>
-        <p:nvPicPr>
-          <p:cNvPr id="46" name="Picture Placeholder 45" descr="Team member headshot">
-            <a:extLst>
-              <a:ext uri="{FF2B5EF4-FFF2-40B4-BE49-F238E27FC236}">
-                <a16:creationId xmlns:a16="http://schemas.microsoft.com/office/drawing/2014/main" id="{F8B9EE09-9F4E-47F5-82E5-A135C37A6E26}"/>
-              </a:ext>
-            </a:extLst>
-          </p:cNvPr>
-          <p:cNvPicPr>
-            <a:picLocks noGrp="1" noChangeAspect="1"/>
-          </p:cNvPicPr>
-          <p:nvPr>
-            <p:ph type="pic" sz="quarter" idx="16"/>
-          </p:nvPr>
-        </p:nvPicPr>
-        <p:blipFill rotWithShape="1">
-          <a:blip r:embed="rId4">
-            <a:extLst>
-              <a:ext uri="{28A0092B-C50C-407E-A947-70E740481C1C}">
-                <a14:useLocalDpi xmlns:a14="http://schemas.microsoft.com/office/drawing/2010/main" val="0"/>
-              </a:ext>
-            </a:extLst>
-          </a:blip>
-          <a:srcRect/>
-          <a:stretch/>
-        </p:blipFill>
-        <p:spPr>
-          <a:xfrm>
-            <a:off x="6716934" y="2428875"/>
-            <a:ext cx="1066800" cy="1066800"/>
-          </a:xfrm>
-        </p:spPr>
-      </p:pic>
-      <p:pic>
-        <p:nvPicPr>
-          <p:cNvPr id="54" name="Picture Placeholder 53" descr="Team member headshot">
-            <a:extLst>
-              <a:ext uri="{FF2B5EF4-FFF2-40B4-BE49-F238E27FC236}">
-                <a16:creationId xmlns:a16="http://schemas.microsoft.com/office/drawing/2014/main" id="{B789A13E-52C8-4E94-89B2-D51A0739F00A}"/>
-              </a:ext>
-            </a:extLst>
-          </p:cNvPr>
-          <p:cNvPicPr>
-            <a:picLocks noGrp="1" noChangeAspect="1"/>
-          </p:cNvPicPr>
-          <p:nvPr>
-            <p:ph type="pic" sz="quarter" idx="17"/>
-          </p:nvPr>
-        </p:nvPicPr>
-        <p:blipFill rotWithShape="1">
-          <a:blip r:embed="rId5">
-            <a:extLst>
-              <a:ext uri="{28A0092B-C50C-407E-A947-70E740481C1C}">
-                <a14:useLocalDpi xmlns:a14="http://schemas.microsoft.com/office/drawing/2010/main" val="0"/>
-              </a:ext>
-            </a:extLst>
-          </a:blip>
-          <a:srcRect/>
-          <a:stretch/>
-        </p:blipFill>
-        <p:spPr>
-          <a:xfrm>
-            <a:off x="9136814" y="2428875"/>
-            <a:ext cx="1066800" cy="1066800"/>
-          </a:xfrm>
-        </p:spPr>
-      </p:pic>
-      <p:sp>
-        <p:nvSpPr>
-          <p:cNvPr id="36" name="Text Placeholder 35">
-            <a:extLst>
-              <a:ext uri="{FF2B5EF4-FFF2-40B4-BE49-F238E27FC236}">
-                <a16:creationId xmlns:a16="http://schemas.microsoft.com/office/drawing/2014/main" id="{23BA8AAF-B08B-441B-AAF3-590A568329BF}"/>
+              <a:t>OUR COMPETITION</a:t>
+            </a:r>
+          </a:p>
+        </p:txBody>
+      </p:sp>
+      <p:sp>
+        <p:nvSpPr>
+          <p:cNvPr id="5" name="Text Placeholder 4">
+            <a:extLst>
+              <a:ext uri="{FF2B5EF4-FFF2-40B4-BE49-F238E27FC236}">
+                <a16:creationId xmlns:a16="http://schemas.microsoft.com/office/drawing/2014/main" id="{F8657664-A458-4DDD-ACC2-1D87FCD6FCA9}"/>
               </a:ext>
             </a:extLst>
           </p:cNvPr>
@@ -16330,8 +17388,8 @@
         </p:nvSpPr>
         <p:spPr>
           <a:xfrm>
-            <a:off x="1500168" y="3654378"/>
-            <a:ext cx="1828800" cy="343061"/>
+            <a:off x="2933700" y="2776936"/>
+            <a:ext cx="3924300" cy="823912"/>
           </a:xfrm>
         </p:spPr>
         <p:txBody>
@@ -16340,31 +17398,78 @@
           <a:p>
             <a:r>
               <a:rPr lang="en-US" dirty="0"/>
-              <a:t>MICHAEL RODRIGUEZ</a:t>
-            </a:r>
-          </a:p>
-        </p:txBody>
-      </p:sp>
-      <p:sp>
-        <p:nvSpPr>
-          <p:cNvPr id="52" name="Text Placeholder 51">
-            <a:extLst>
-              <a:ext uri="{FF2B5EF4-FFF2-40B4-BE49-F238E27FC236}">
-                <a16:creationId xmlns:a16="http://schemas.microsoft.com/office/drawing/2014/main" id="{E07741A2-243F-4086-945C-BCA1F24E6DB5}"/>
-              </a:ext>
-            </a:extLst>
-          </p:cNvPr>
-          <p:cNvSpPr>
-            <a:spLocks noGrp="1"/>
-          </p:cNvSpPr>
-          <p:nvPr>
-            <p:ph type="body" idx="21"/>
-          </p:nvPr>
-        </p:nvSpPr>
-        <p:spPr>
-          <a:xfrm>
-            <a:off x="1390120" y="3782039"/>
-            <a:ext cx="2057400" cy="343061"/>
+              <a:t>CYBERQUACK</a:t>
+            </a:r>
+          </a:p>
+        </p:txBody>
+      </p:sp>
+      <p:sp>
+        <p:nvSpPr>
+          <p:cNvPr id="6" name="Content Placeholder 5">
+            <a:extLst>
+              <a:ext uri="{FF2B5EF4-FFF2-40B4-BE49-F238E27FC236}">
+                <a16:creationId xmlns:a16="http://schemas.microsoft.com/office/drawing/2014/main" id="{5A6B31B0-7B84-475D-961F-09C0191F91A2}"/>
+              </a:ext>
+            </a:extLst>
+          </p:cNvPr>
+          <p:cNvSpPr>
+            <a:spLocks noGrp="1"/>
+          </p:cNvSpPr>
+          <p:nvPr>
+            <p:ph sz="half" idx="2"/>
+          </p:nvPr>
+        </p:nvSpPr>
+        <p:spPr>
+          <a:xfrm>
+            <a:off x="2933700" y="3834606"/>
+            <a:ext cx="3924300" cy="1997867"/>
+          </a:xfrm>
+        </p:spPr>
+        <p:txBody>
+          <a:bodyPr vert="horz" lIns="91440" tIns="45720" rIns="91440" bIns="45720" rtlCol="0" anchor="t">
+            <a:normAutofit/>
+          </a:bodyPr>
+          <a:lstStyle/>
+          <a:p>
+            <a:r>
+              <a:rPr lang="en-US" noProof="1"/>
+              <a:t>Our product is priced below that of other companies on the market</a:t>
+            </a:r>
+          </a:p>
+          <a:p>
+            <a:r>
+              <a:rPr lang="en-US" noProof="1"/>
+              <a:t>Design is simple and easy to use, compared to the complex designs of the competitors</a:t>
+            </a:r>
+          </a:p>
+          <a:p>
+            <a:r>
+              <a:rPr lang="en-US" noProof="1"/>
+              <a:t>Affordability is the main draw for our consumers to our product</a:t>
+            </a:r>
+          </a:p>
+        </p:txBody>
+      </p:sp>
+      <p:sp>
+        <p:nvSpPr>
+          <p:cNvPr id="7" name="Text Placeholder 6">
+            <a:extLst>
+              <a:ext uri="{FF2B5EF4-FFF2-40B4-BE49-F238E27FC236}">
+                <a16:creationId xmlns:a16="http://schemas.microsoft.com/office/drawing/2014/main" id="{578017FE-712E-4E95-B483-B700F1AA4B2A}"/>
+              </a:ext>
+            </a:extLst>
+          </p:cNvPr>
+          <p:cNvSpPr>
+            <a:spLocks noGrp="1"/>
+          </p:cNvSpPr>
+          <p:nvPr>
+            <p:ph type="body" sz="quarter" idx="3"/>
+          </p:nvPr>
+        </p:nvSpPr>
+        <p:spPr>
+          <a:xfrm>
+            <a:off x="7410173" y="2776936"/>
+            <a:ext cx="3943627" cy="823912"/>
           </a:xfrm>
         </p:spPr>
         <p:txBody>
@@ -16373,31 +17478,31 @@
           <a:p>
             <a:r>
               <a:rPr lang="en-US" dirty="0"/>
-              <a:t>Incident Response Manager - Lead</a:t>
-            </a:r>
-          </a:p>
-        </p:txBody>
-      </p:sp>
-      <p:sp>
-        <p:nvSpPr>
-          <p:cNvPr id="49" name="Text Placeholder 48">
-            <a:extLst>
-              <a:ext uri="{FF2B5EF4-FFF2-40B4-BE49-F238E27FC236}">
-                <a16:creationId xmlns:a16="http://schemas.microsoft.com/office/drawing/2014/main" id="{27CB5CB7-B854-4F48-954C-5CF86CC9146D}"/>
-              </a:ext>
-            </a:extLst>
-          </p:cNvPr>
-          <p:cNvSpPr>
-            <a:spLocks noGrp="1"/>
-          </p:cNvSpPr>
-          <p:nvPr>
-            <p:ph type="body" idx="18"/>
-          </p:nvPr>
-        </p:nvSpPr>
-        <p:spPr>
-          <a:xfrm>
-            <a:off x="3849262" y="3669060"/>
-            <a:ext cx="1828800" cy="343061"/>
+              <a:t>COMPETITORS</a:t>
+            </a:r>
+          </a:p>
+        </p:txBody>
+      </p:sp>
+      <p:sp>
+        <p:nvSpPr>
+          <p:cNvPr id="11" name="Content Placeholder 10">
+            <a:extLst>
+              <a:ext uri="{FF2B5EF4-FFF2-40B4-BE49-F238E27FC236}">
+                <a16:creationId xmlns:a16="http://schemas.microsoft.com/office/drawing/2014/main" id="{D0E0ACA0-9139-4C37-920D-BF3C1FF461C1}"/>
+              </a:ext>
+            </a:extLst>
+          </p:cNvPr>
+          <p:cNvSpPr>
+            <a:spLocks noGrp="1"/>
+          </p:cNvSpPr>
+          <p:nvPr>
+            <p:ph sz="quarter" idx="4"/>
+          </p:nvPr>
+        </p:nvSpPr>
+        <p:spPr>
+          <a:xfrm>
+            <a:off x="7410173" y="3834606"/>
+            <a:ext cx="3943627" cy="1997867"/>
           </a:xfrm>
         </p:spPr>
         <p:txBody>
@@ -16405,988 +17510,139 @@
           <a:lstStyle/>
           <a:p>
             <a:r>
-              <a:rPr lang="en-US" dirty="0"/>
-              <a:t>SAMANTHA LEE</a:t>
-            </a:r>
-          </a:p>
-        </p:txBody>
-      </p:sp>
-      <p:sp>
-        <p:nvSpPr>
-          <p:cNvPr id="61" name="Text Placeholder 60">
-            <a:extLst>
-              <a:ext uri="{FF2B5EF4-FFF2-40B4-BE49-F238E27FC236}">
-                <a16:creationId xmlns:a16="http://schemas.microsoft.com/office/drawing/2014/main" id="{F1C860E6-FF87-419F-8B26-B8EA4D5F3D3D}"/>
-              </a:ext>
-            </a:extLst>
-          </p:cNvPr>
-          <p:cNvSpPr>
-            <a:spLocks noGrp="1"/>
-          </p:cNvSpPr>
-          <p:nvPr>
-            <p:ph type="body" idx="22"/>
-          </p:nvPr>
-        </p:nvSpPr>
-        <p:spPr>
-          <a:xfrm>
-            <a:off x="3739214" y="3796721"/>
-            <a:ext cx="2057400" cy="343061"/>
+              <a:rPr lang="en-US" noProof="1"/>
+              <a:t>MalwareMOO INC.</a:t>
+            </a:r>
+            <a:br>
+              <a:rPr lang="en-US" noProof="1"/>
+            </a:br>
+            <a:r>
+              <a:rPr lang="en-US" noProof="1"/>
+              <a:t>Product is more expensive</a:t>
+            </a:r>
+          </a:p>
+          <a:p>
+            <a:r>
+              <a:rPr lang="en-US" noProof="1"/>
+              <a:t>TrojanBark Security</a:t>
+            </a:r>
+            <a:br>
+              <a:rPr lang="en-US" noProof="1"/>
+            </a:br>
+            <a:r>
+              <a:rPr lang="en-US" noProof="1"/>
+              <a:t>Product is expensive and inconvenient to use</a:t>
+            </a:r>
+          </a:p>
+          <a:p>
+            <a:r>
+              <a:rPr lang="en-US" noProof="1"/>
+              <a:t>CryptoHowl Defender</a:t>
+            </a:r>
+            <a:br>
+              <a:rPr lang="en-US" noProof="1"/>
+            </a:br>
+            <a:r>
+              <a:rPr lang="en-US" noProof="1"/>
+              <a:t>Product is affordable, but inconvenient to use</a:t>
+            </a:r>
+          </a:p>
+        </p:txBody>
+      </p:sp>
+      <p:sp>
+        <p:nvSpPr>
+          <p:cNvPr id="12" name="Date Placeholder 11">
+            <a:extLst>
+              <a:ext uri="{FF2B5EF4-FFF2-40B4-BE49-F238E27FC236}">
+                <a16:creationId xmlns:a16="http://schemas.microsoft.com/office/drawing/2014/main" id="{5909F2DC-F097-42AB-88E7-0CA09BD5E2C2}"/>
+              </a:ext>
+            </a:extLst>
+          </p:cNvPr>
+          <p:cNvSpPr>
+            <a:spLocks noGrp="1"/>
+          </p:cNvSpPr>
+          <p:nvPr>
+            <p:ph type="dt" sz="half" idx="10"/>
+          </p:nvPr>
+        </p:nvSpPr>
+        <p:spPr>
+          <a:xfrm>
+            <a:off x="838200" y="6356350"/>
+            <a:ext cx="2743200" cy="365125"/>
           </a:xfrm>
         </p:spPr>
         <p:txBody>
           <a:bodyPr/>
           <a:lstStyle/>
           <a:p>
-            <a:r>
-              <a:rPr lang="en-US" dirty="0"/>
-              <a:t>EDR Specialist</a:t>
-            </a:r>
-          </a:p>
-        </p:txBody>
-      </p:sp>
-      <p:sp>
-        <p:nvSpPr>
-          <p:cNvPr id="50" name="Text Placeholder 49">
-            <a:extLst>
-              <a:ext uri="{FF2B5EF4-FFF2-40B4-BE49-F238E27FC236}">
-                <a16:creationId xmlns:a16="http://schemas.microsoft.com/office/drawing/2014/main" id="{540F887C-E8EB-4467-90FE-023D47FFB454}"/>
-              </a:ext>
-            </a:extLst>
-          </p:cNvPr>
-          <p:cNvSpPr>
-            <a:spLocks noGrp="1"/>
-          </p:cNvSpPr>
-          <p:nvPr>
-            <p:ph type="body" idx="19"/>
-          </p:nvPr>
-        </p:nvSpPr>
-        <p:spPr>
-          <a:xfrm>
-            <a:off x="6339926" y="3669060"/>
-            <a:ext cx="1828800" cy="343061"/>
+            <a:endParaRPr lang="en-US" dirty="0"/>
+          </a:p>
+        </p:txBody>
+      </p:sp>
+      <p:sp>
+        <p:nvSpPr>
+          <p:cNvPr id="13" name="Footer Placeholder 12">
+            <a:extLst>
+              <a:ext uri="{FF2B5EF4-FFF2-40B4-BE49-F238E27FC236}">
+                <a16:creationId xmlns:a16="http://schemas.microsoft.com/office/drawing/2014/main" id="{F4A37AA9-0BEE-42AC-8CC0-AE5B8663553A}"/>
+              </a:ext>
+            </a:extLst>
+          </p:cNvPr>
+          <p:cNvSpPr>
+            <a:spLocks noGrp="1"/>
+          </p:cNvSpPr>
+          <p:nvPr>
+            <p:ph type="ftr" sz="quarter" idx="11"/>
+          </p:nvPr>
+        </p:nvSpPr>
+        <p:spPr>
+          <a:xfrm>
+            <a:off x="4038600" y="6356350"/>
+            <a:ext cx="4114800" cy="365125"/>
           </a:xfrm>
         </p:spPr>
         <p:txBody>
           <a:bodyPr/>
           <a:lstStyle/>
           <a:p>
-            <a:r>
-              <a:rPr lang="en-US" dirty="0"/>
-              <a:t>RACHEL GREEN​</a:t>
-            </a:r>
-          </a:p>
-          <a:p>
             <a:endParaRPr lang="en-US" dirty="0"/>
           </a:p>
         </p:txBody>
       </p:sp>
       <p:sp>
         <p:nvSpPr>
-          <p:cNvPr id="62" name="Text Placeholder 61">
-            <a:extLst>
-              <a:ext uri="{FF2B5EF4-FFF2-40B4-BE49-F238E27FC236}">
-                <a16:creationId xmlns:a16="http://schemas.microsoft.com/office/drawing/2014/main" id="{F1AF6C54-9939-432B-BBC2-5E0C0F8B2D8C}"/>
-              </a:ext>
-            </a:extLst>
-          </p:cNvPr>
-          <p:cNvSpPr>
-            <a:spLocks noGrp="1"/>
-          </p:cNvSpPr>
-          <p:nvPr>
-            <p:ph type="body" idx="23"/>
-          </p:nvPr>
-        </p:nvSpPr>
-        <p:spPr>
-          <a:xfrm>
-            <a:off x="6217963" y="3796721"/>
-            <a:ext cx="2057400" cy="343061"/>
+          <p:cNvPr id="14" name="Slide Number Placeholder 13">
+            <a:extLst>
+              <a:ext uri="{FF2B5EF4-FFF2-40B4-BE49-F238E27FC236}">
+                <a16:creationId xmlns:a16="http://schemas.microsoft.com/office/drawing/2014/main" id="{42152A75-1CD2-44EC-9374-C83D4604A5DD}"/>
+              </a:ext>
+            </a:extLst>
+          </p:cNvPr>
+          <p:cNvSpPr>
+            <a:spLocks noGrp="1"/>
+          </p:cNvSpPr>
+          <p:nvPr>
+            <p:ph type="sldNum" sz="quarter" idx="12"/>
+          </p:nvPr>
+        </p:nvSpPr>
+        <p:spPr>
+          <a:xfrm>
+            <a:off x="8610600" y="6356350"/>
+            <a:ext cx="2743200" cy="365125"/>
           </a:xfrm>
         </p:spPr>
         <p:txBody>
           <a:bodyPr/>
           <a:lstStyle/>
           <a:p>
-            <a:r>
-              <a:rPr lang="en-US" dirty="0"/>
-              <a:t>Technical Analyst</a:t>
-            </a:r>
-          </a:p>
-        </p:txBody>
-      </p:sp>
-      <p:sp>
-        <p:nvSpPr>
-          <p:cNvPr id="51" name="Text Placeholder 50">
-            <a:extLst>
-              <a:ext uri="{FF2B5EF4-FFF2-40B4-BE49-F238E27FC236}">
-                <a16:creationId xmlns:a16="http://schemas.microsoft.com/office/drawing/2014/main" id="{C1C77C5B-2A5F-4999-A5BF-F60EA88DE493}"/>
-              </a:ext>
-            </a:extLst>
-          </p:cNvPr>
-          <p:cNvSpPr>
-            <a:spLocks noGrp="1"/>
-          </p:cNvSpPr>
-          <p:nvPr>
-            <p:ph type="body" idx="20"/>
-          </p:nvPr>
-        </p:nvSpPr>
-        <p:spPr>
-          <a:xfrm>
-            <a:off x="8759806" y="3654378"/>
-            <a:ext cx="1828800" cy="343061"/>
-          </a:xfrm>
-        </p:spPr>
-        <p:txBody>
-          <a:bodyPr/>
-          <a:lstStyle/>
-          <a:p>
-            <a:r>
-              <a:rPr lang="en-US" dirty="0"/>
-              <a:t>DANIEL KIM</a:t>
-            </a:r>
-          </a:p>
-        </p:txBody>
-      </p:sp>
-      <p:sp>
-        <p:nvSpPr>
-          <p:cNvPr id="63" name="Text Placeholder 62">
-            <a:extLst>
-              <a:ext uri="{FF2B5EF4-FFF2-40B4-BE49-F238E27FC236}">
-                <a16:creationId xmlns:a16="http://schemas.microsoft.com/office/drawing/2014/main" id="{41797063-0A46-4FCE-86CB-FC66F997C5F4}"/>
-              </a:ext>
-            </a:extLst>
-          </p:cNvPr>
-          <p:cNvSpPr>
-            <a:spLocks noGrp="1"/>
-          </p:cNvSpPr>
-          <p:nvPr>
-            <p:ph type="body" idx="24"/>
-          </p:nvPr>
-        </p:nvSpPr>
-        <p:spPr>
-          <a:xfrm>
-            <a:off x="8634432" y="3782039"/>
-            <a:ext cx="2057400" cy="343061"/>
-          </a:xfrm>
-        </p:spPr>
-        <p:txBody>
-          <a:bodyPr/>
-          <a:lstStyle/>
-          <a:p>
-            <a:r>
-              <a:rPr lang="en-US" dirty="0"/>
-              <a:t>Technical Analyst</a:t>
-            </a:r>
-          </a:p>
-        </p:txBody>
-      </p:sp>
-      <p:pic>
-        <p:nvPicPr>
-          <p:cNvPr id="58" name="Picture Placeholder 57" descr="Team member headshot">
-            <a:extLst>
-              <a:ext uri="{FF2B5EF4-FFF2-40B4-BE49-F238E27FC236}">
-                <a16:creationId xmlns:a16="http://schemas.microsoft.com/office/drawing/2014/main" id="{67F12A1B-1645-4C97-AE80-CC96C4998E2E}"/>
-              </a:ext>
-            </a:extLst>
-          </p:cNvPr>
-          <p:cNvPicPr>
-            <a:picLocks noGrp="1" noChangeAspect="1"/>
-          </p:cNvPicPr>
-          <p:nvPr>
-            <p:ph type="pic" sz="quarter" idx="26"/>
-          </p:nvPr>
-        </p:nvPicPr>
-        <p:blipFill rotWithShape="1">
-          <a:blip r:embed="rId6">
-            <a:extLst>
-              <a:ext uri="{28A0092B-C50C-407E-A947-70E740481C1C}">
-                <a14:useLocalDpi xmlns:a14="http://schemas.microsoft.com/office/drawing/2010/main" val="0"/>
-              </a:ext>
-            </a:extLst>
-          </a:blip>
-          <a:srcRect/>
-          <a:stretch/>
-        </p:blipFill>
-        <p:spPr>
-          <a:xfrm>
-            <a:off x="1877176" y="4287711"/>
-            <a:ext cx="1066800" cy="1066800"/>
-          </a:xfrm>
-        </p:spPr>
-      </p:pic>
-      <p:pic>
-        <p:nvPicPr>
-          <p:cNvPr id="66" name="Picture Placeholder 65" descr="Team member headshot">
-            <a:extLst>
-              <a:ext uri="{FF2B5EF4-FFF2-40B4-BE49-F238E27FC236}">
-                <a16:creationId xmlns:a16="http://schemas.microsoft.com/office/drawing/2014/main" id="{448282B4-E477-4ECE-BC09-7EA9451D9AEE}"/>
-              </a:ext>
-            </a:extLst>
-          </p:cNvPr>
-          <p:cNvPicPr>
-            <a:picLocks noGrp="1" noChangeAspect="1"/>
-          </p:cNvPicPr>
-          <p:nvPr>
-            <p:ph type="pic" sz="quarter" idx="27"/>
-          </p:nvPr>
-        </p:nvPicPr>
-        <p:blipFill rotWithShape="1">
-          <a:blip r:embed="rId7">
-            <a:extLst>
-              <a:ext uri="{28A0092B-C50C-407E-A947-70E740481C1C}">
-                <a14:useLocalDpi xmlns:a14="http://schemas.microsoft.com/office/drawing/2010/main" val="0"/>
-              </a:ext>
-            </a:extLst>
-          </a:blip>
-          <a:srcRect/>
-          <a:stretch/>
-        </p:blipFill>
-        <p:spPr>
-          <a:xfrm>
-            <a:off x="4226270" y="4287711"/>
-            <a:ext cx="1066800" cy="1066800"/>
-          </a:xfrm>
-        </p:spPr>
-      </p:pic>
-      <p:pic>
-        <p:nvPicPr>
-          <p:cNvPr id="78" name="Picture Placeholder 77" descr="Team member headshot">
-            <a:extLst>
-              <a:ext uri="{FF2B5EF4-FFF2-40B4-BE49-F238E27FC236}">
-                <a16:creationId xmlns:a16="http://schemas.microsoft.com/office/drawing/2014/main" id="{15824874-C00E-4835-97F0-43C416DDCACC}"/>
-              </a:ext>
-            </a:extLst>
-          </p:cNvPr>
-          <p:cNvPicPr>
-            <a:picLocks noGrp="1" noChangeAspect="1"/>
-          </p:cNvPicPr>
-          <p:nvPr>
-            <p:ph type="pic" sz="quarter" idx="28"/>
-          </p:nvPr>
-        </p:nvPicPr>
-        <p:blipFill rotWithShape="1">
-          <a:blip r:embed="rId8">
-            <a:extLst>
-              <a:ext uri="{28A0092B-C50C-407E-A947-70E740481C1C}">
-                <a14:useLocalDpi xmlns:a14="http://schemas.microsoft.com/office/drawing/2010/main" val="0"/>
-              </a:ext>
-            </a:extLst>
-          </a:blip>
-          <a:srcRect/>
-          <a:stretch/>
-        </p:blipFill>
-        <p:spPr>
-          <a:xfrm>
-            <a:off x="6716934" y="4287711"/>
-            <a:ext cx="1066800" cy="1066800"/>
-          </a:xfrm>
-        </p:spPr>
-      </p:pic>
-      <p:pic>
-        <p:nvPicPr>
-          <p:cNvPr id="83" name="Picture Placeholder 82" descr="Team member headshot">
-            <a:extLst>
-              <a:ext uri="{FF2B5EF4-FFF2-40B4-BE49-F238E27FC236}">
-                <a16:creationId xmlns:a16="http://schemas.microsoft.com/office/drawing/2014/main" id="{96405252-7726-442E-9D15-755840A5AF27}"/>
-              </a:ext>
-            </a:extLst>
-          </p:cNvPr>
-          <p:cNvPicPr>
-            <a:picLocks noGrp="1" noChangeAspect="1"/>
-          </p:cNvPicPr>
-          <p:nvPr>
-            <p:ph type="pic" sz="quarter" idx="29"/>
-          </p:nvPr>
-        </p:nvPicPr>
-        <p:blipFill rotWithShape="1">
-          <a:blip r:embed="rId9">
-            <a:extLst>
-              <a:ext uri="{28A0092B-C50C-407E-A947-70E740481C1C}">
-                <a14:useLocalDpi xmlns:a14="http://schemas.microsoft.com/office/drawing/2010/main" val="0"/>
-              </a:ext>
-            </a:extLst>
-          </a:blip>
-          <a:srcRect/>
-          <a:stretch/>
-        </p:blipFill>
-        <p:spPr>
-          <a:xfrm>
-            <a:off x="9136814" y="4287711"/>
-            <a:ext cx="1066800" cy="1066800"/>
-          </a:xfrm>
-        </p:spPr>
-      </p:pic>
-      <p:sp>
-        <p:nvSpPr>
-          <p:cNvPr id="64" name="Text Placeholder 63">
-            <a:extLst>
-              <a:ext uri="{FF2B5EF4-FFF2-40B4-BE49-F238E27FC236}">
-                <a16:creationId xmlns:a16="http://schemas.microsoft.com/office/drawing/2014/main" id="{3ECD1D6F-7DAE-4DCC-BBB4-CD519379CDF6}"/>
-              </a:ext>
-            </a:extLst>
-          </p:cNvPr>
-          <p:cNvSpPr>
-            <a:spLocks noGrp="1"/>
-          </p:cNvSpPr>
-          <p:nvPr>
-            <p:ph type="body" idx="25"/>
-          </p:nvPr>
-        </p:nvSpPr>
-        <p:spPr>
-          <a:xfrm>
-            <a:off x="1500168" y="5513214"/>
-            <a:ext cx="1828800" cy="343061"/>
-          </a:xfrm>
-        </p:spPr>
-        <p:txBody>
-          <a:bodyPr/>
-          <a:lstStyle/>
-          <a:p>
-            <a:r>
-              <a:rPr lang="en-US" dirty="0"/>
-              <a:t>ISABELLA MARTINEZ</a:t>
-            </a:r>
-          </a:p>
-        </p:txBody>
-      </p:sp>
-      <p:sp>
-        <p:nvSpPr>
-          <p:cNvPr id="72" name="Text Placeholder 71">
-            <a:extLst>
-              <a:ext uri="{FF2B5EF4-FFF2-40B4-BE49-F238E27FC236}">
-                <a16:creationId xmlns:a16="http://schemas.microsoft.com/office/drawing/2014/main" id="{0420E7B5-7D79-437C-BC6E-11C9C9C73D12}"/>
-              </a:ext>
-            </a:extLst>
-          </p:cNvPr>
-          <p:cNvSpPr>
-            <a:spLocks noGrp="1"/>
-          </p:cNvSpPr>
-          <p:nvPr>
-            <p:ph type="body" idx="33"/>
-          </p:nvPr>
-        </p:nvSpPr>
-        <p:spPr>
-          <a:xfrm>
-            <a:off x="1390120" y="5640875"/>
-            <a:ext cx="2057400" cy="343061"/>
-          </a:xfrm>
-        </p:spPr>
-        <p:txBody>
-          <a:bodyPr/>
-          <a:lstStyle/>
-          <a:p>
-            <a:r>
-              <a:rPr lang="en-US" dirty="0"/>
-              <a:t>Certified Ethical Hacker - Lead</a:t>
-            </a:r>
-          </a:p>
-        </p:txBody>
-      </p:sp>
-      <p:sp>
-        <p:nvSpPr>
-          <p:cNvPr id="69" name="Text Placeholder 68">
-            <a:extLst>
-              <a:ext uri="{FF2B5EF4-FFF2-40B4-BE49-F238E27FC236}">
-                <a16:creationId xmlns:a16="http://schemas.microsoft.com/office/drawing/2014/main" id="{A5A9CD8D-31A9-4139-87B2-349EA8E14781}"/>
-              </a:ext>
-            </a:extLst>
-          </p:cNvPr>
-          <p:cNvSpPr>
-            <a:spLocks noGrp="1"/>
-          </p:cNvSpPr>
-          <p:nvPr>
-            <p:ph type="body" idx="30"/>
-          </p:nvPr>
-        </p:nvSpPr>
-        <p:spPr>
-          <a:xfrm>
-            <a:off x="3849262" y="5527896"/>
-            <a:ext cx="1828800" cy="343061"/>
-          </a:xfrm>
-        </p:spPr>
-        <p:txBody>
-          <a:bodyPr/>
-          <a:lstStyle/>
-          <a:p>
-            <a:r>
-              <a:rPr lang="en-US" dirty="0"/>
-              <a:t>OLIVIA WILDE</a:t>
-            </a:r>
-          </a:p>
-        </p:txBody>
-      </p:sp>
-      <p:sp>
-        <p:nvSpPr>
-          <p:cNvPr id="73" name="Text Placeholder 72">
-            <a:extLst>
-              <a:ext uri="{FF2B5EF4-FFF2-40B4-BE49-F238E27FC236}">
-                <a16:creationId xmlns:a16="http://schemas.microsoft.com/office/drawing/2014/main" id="{E1FCDD58-01CD-47CF-AB15-A511E9D3612F}"/>
-              </a:ext>
-            </a:extLst>
-          </p:cNvPr>
-          <p:cNvSpPr>
-            <a:spLocks noGrp="1"/>
-          </p:cNvSpPr>
-          <p:nvPr>
-            <p:ph type="body" idx="34"/>
-          </p:nvPr>
-        </p:nvSpPr>
-        <p:spPr>
-          <a:xfrm>
-            <a:off x="3739214" y="5655557"/>
-            <a:ext cx="2057400" cy="343061"/>
-          </a:xfrm>
-        </p:spPr>
-        <p:txBody>
-          <a:bodyPr/>
-          <a:lstStyle/>
-          <a:p>
-            <a:r>
-              <a:rPr lang="en-US" dirty="0"/>
-              <a:t>Compliance and Risk Manager</a:t>
-            </a:r>
-          </a:p>
-        </p:txBody>
-      </p:sp>
-      <p:sp>
-        <p:nvSpPr>
-          <p:cNvPr id="70" name="Text Placeholder 69">
-            <a:extLst>
-              <a:ext uri="{FF2B5EF4-FFF2-40B4-BE49-F238E27FC236}">
-                <a16:creationId xmlns:a16="http://schemas.microsoft.com/office/drawing/2014/main" id="{58753412-8033-48AD-80DF-945C72BC7335}"/>
-              </a:ext>
-            </a:extLst>
-          </p:cNvPr>
-          <p:cNvSpPr>
-            <a:spLocks noGrp="1"/>
-          </p:cNvSpPr>
-          <p:nvPr>
-            <p:ph type="body" idx="31"/>
-          </p:nvPr>
-        </p:nvSpPr>
-        <p:spPr>
-          <a:xfrm>
-            <a:off x="6339926" y="5527896"/>
-            <a:ext cx="1828800" cy="343061"/>
-          </a:xfrm>
-        </p:spPr>
-        <p:txBody>
-          <a:bodyPr/>
-          <a:lstStyle/>
-          <a:p>
-            <a:r>
-              <a:rPr lang="en-US" dirty="0"/>
-              <a:t>LUCAS BROWN</a:t>
-            </a:r>
-          </a:p>
-        </p:txBody>
-      </p:sp>
-      <p:sp>
-        <p:nvSpPr>
-          <p:cNvPr id="74" name="Text Placeholder 73">
-            <a:extLst>
-              <a:ext uri="{FF2B5EF4-FFF2-40B4-BE49-F238E27FC236}">
-                <a16:creationId xmlns:a16="http://schemas.microsoft.com/office/drawing/2014/main" id="{2E2604A9-4BB8-4144-914B-DCF4F13DF3DB}"/>
-              </a:ext>
-            </a:extLst>
-          </p:cNvPr>
-          <p:cNvSpPr>
-            <a:spLocks noGrp="1"/>
-          </p:cNvSpPr>
-          <p:nvPr>
-            <p:ph type="body" idx="35"/>
-          </p:nvPr>
-        </p:nvSpPr>
-        <p:spPr>
-          <a:xfrm>
-            <a:off x="6229878" y="5655557"/>
-            <a:ext cx="2057400" cy="343061"/>
-          </a:xfrm>
-        </p:spPr>
-        <p:txBody>
-          <a:bodyPr/>
-          <a:lstStyle/>
-          <a:p>
-            <a:br>
-              <a:rPr lang="en-US" dirty="0"/>
-            </a:br>
-            <a:r>
-              <a:rPr lang="en-US" dirty="0"/>
-              <a:t>Security Engineer</a:t>
-            </a:r>
-          </a:p>
-        </p:txBody>
-      </p:sp>
-      <p:sp>
-        <p:nvSpPr>
-          <p:cNvPr id="75" name="Text Placeholder 74">
-            <a:extLst>
-              <a:ext uri="{FF2B5EF4-FFF2-40B4-BE49-F238E27FC236}">
-                <a16:creationId xmlns:a16="http://schemas.microsoft.com/office/drawing/2014/main" id="{72076C4D-9688-4C1A-AB51-8F1051A803A9}"/>
-              </a:ext>
-            </a:extLst>
-          </p:cNvPr>
-          <p:cNvSpPr>
-            <a:spLocks noGrp="1"/>
-          </p:cNvSpPr>
-          <p:nvPr>
-            <p:ph type="body" idx="36"/>
-          </p:nvPr>
-        </p:nvSpPr>
-        <p:spPr>
-          <a:xfrm>
-            <a:off x="8634432" y="5640875"/>
-            <a:ext cx="2057400" cy="343061"/>
-          </a:xfrm>
-        </p:spPr>
-        <p:txBody>
-          <a:bodyPr/>
-          <a:lstStyle/>
-          <a:p>
-            <a:r>
-              <a:rPr lang="en-US" dirty="0"/>
-              <a:t>Security Engineer</a:t>
-            </a:r>
-          </a:p>
-        </p:txBody>
-      </p:sp>
-      <p:sp>
-        <p:nvSpPr>
-          <p:cNvPr id="3" name="Date Placeholder 2">
-            <a:extLst>
-              <a:ext uri="{FF2B5EF4-FFF2-40B4-BE49-F238E27FC236}">
-                <a16:creationId xmlns:a16="http://schemas.microsoft.com/office/drawing/2014/main" id="{1833164A-09D8-4E05-899E-C830A562A446}"/>
-              </a:ext>
-            </a:extLst>
-          </p:cNvPr>
-          <p:cNvSpPr>
-            <a:spLocks noGrp="1"/>
-          </p:cNvSpPr>
-          <p:nvPr>
-            <p:ph type="dt" sz="half" idx="10"/>
-          </p:nvPr>
-        </p:nvSpPr>
-        <p:spPr>
-          <a:xfrm>
-            <a:off x="838200" y="6356350"/>
-            <a:ext cx="2743200" cy="365125"/>
-          </a:xfrm>
-        </p:spPr>
-        <p:txBody>
-          <a:bodyPr/>
-          <a:lstStyle/>
-          <a:p>
-            <a:r>
-              <a:rPr lang="en-US" dirty="0"/>
-              <a:t>20XX</a:t>
-            </a:r>
-          </a:p>
-        </p:txBody>
-      </p:sp>
-      <p:sp>
-        <p:nvSpPr>
-          <p:cNvPr id="4" name="Footer Placeholder 3">
-            <a:extLst>
-              <a:ext uri="{FF2B5EF4-FFF2-40B4-BE49-F238E27FC236}">
-                <a16:creationId xmlns:a16="http://schemas.microsoft.com/office/drawing/2014/main" id="{79EB4DEA-4DCD-421C-A905-7EFCAE898907}"/>
-              </a:ext>
-            </a:extLst>
-          </p:cNvPr>
-          <p:cNvSpPr>
-            <a:spLocks noGrp="1"/>
-          </p:cNvSpPr>
-          <p:nvPr>
-            <p:ph type="ftr" sz="quarter" idx="11"/>
-          </p:nvPr>
-        </p:nvSpPr>
-        <p:spPr>
-          <a:xfrm>
-            <a:off x="4038600" y="6356350"/>
-            <a:ext cx="4114800" cy="365125"/>
-          </a:xfrm>
-        </p:spPr>
-        <p:txBody>
-          <a:bodyPr/>
-          <a:lstStyle/>
-          <a:p>
-            <a:r>
-              <a:rPr lang="en-US" dirty="0"/>
-              <a:t>Pitch Deck</a:t>
-            </a:r>
-          </a:p>
-        </p:txBody>
-      </p:sp>
-      <p:sp>
-        <p:nvSpPr>
-          <p:cNvPr id="5" name="Slide Number Placeholder 4">
-            <a:extLst>
-              <a:ext uri="{FF2B5EF4-FFF2-40B4-BE49-F238E27FC236}">
-                <a16:creationId xmlns:a16="http://schemas.microsoft.com/office/drawing/2014/main" id="{2E1923C7-5010-4C4F-A932-4BDA0B62A7C0}"/>
-              </a:ext>
-            </a:extLst>
-          </p:cNvPr>
-          <p:cNvSpPr>
-            <a:spLocks noGrp="1"/>
-          </p:cNvSpPr>
-          <p:nvPr>
-            <p:ph type="sldNum" sz="quarter" idx="12"/>
-          </p:nvPr>
-        </p:nvSpPr>
-        <p:spPr>
-          <a:xfrm>
-            <a:off x="8610600" y="6356350"/>
-            <a:ext cx="2743200" cy="365125"/>
-          </a:xfrm>
-        </p:spPr>
-        <p:txBody>
-          <a:bodyPr/>
-          <a:lstStyle/>
-          <a:p>
-            <a:fld id="{B5CEABB6-07DC-46E8-9B57-56EC44A396E5}" type="slidenum">
-              <a:rPr lang="en-US" smtClean="0"/>
-              <a:pPr/>
-              <a:t>11</a:t>
-            </a:fld>
             <a:endParaRPr lang="en-US" dirty="0"/>
           </a:p>
         </p:txBody>
       </p:sp>
-      <p:sp>
-        <p:nvSpPr>
-          <p:cNvPr id="8" name="Text Placeholder 7">
-            <a:extLst>
-              <a:ext uri="{FF2B5EF4-FFF2-40B4-BE49-F238E27FC236}">
-                <a16:creationId xmlns:a16="http://schemas.microsoft.com/office/drawing/2014/main" id="{85837FD8-2AC5-1DE8-3A5A-A0F6D4B4A44F}"/>
-              </a:ext>
-            </a:extLst>
-          </p:cNvPr>
-          <p:cNvSpPr>
-            <a:spLocks noGrp="1"/>
-          </p:cNvSpPr>
-          <p:nvPr>
-            <p:ph type="body" idx="32"/>
-          </p:nvPr>
-        </p:nvSpPr>
-        <p:spPr/>
-        <p:txBody>
-          <a:bodyPr/>
-          <a:lstStyle/>
-          <a:p>
-            <a:r>
-              <a:rPr lang="en-US" dirty="0"/>
-              <a:t>DAVID SMITH</a:t>
-            </a:r>
-            <a:endParaRPr lang="en-CA" dirty="0"/>
-          </a:p>
-        </p:txBody>
-      </p:sp>
-      <p:pic>
-        <p:nvPicPr>
-          <p:cNvPr id="9" name="Picture Placeholder 37" descr="Team member headshot">
-            <a:extLst>
-              <a:ext uri="{FF2B5EF4-FFF2-40B4-BE49-F238E27FC236}">
-                <a16:creationId xmlns:a16="http://schemas.microsoft.com/office/drawing/2014/main" id="{0D848E04-1252-ED2D-D2B4-8AFECB7BA5AC}"/>
-              </a:ext>
-            </a:extLst>
-          </p:cNvPr>
-          <p:cNvPicPr>
-            <a:picLocks noChangeAspect="1"/>
-          </p:cNvPicPr>
-          <p:nvPr/>
-        </p:nvPicPr>
-        <p:blipFill rotWithShape="1">
-          <a:blip r:embed="rId2">
-            <a:extLst>
-              <a:ext uri="{28A0092B-C50C-407E-A947-70E740481C1C}">
-                <a14:useLocalDpi xmlns:a14="http://schemas.microsoft.com/office/drawing/2010/main" val="0"/>
-              </a:ext>
-            </a:extLst>
-          </a:blip>
-          <a:srcRect/>
-          <a:stretch/>
-        </p:blipFill>
-        <p:spPr>
-          <a:xfrm>
-            <a:off x="9136814" y="2428875"/>
-            <a:ext cx="1066800" cy="1066800"/>
-          </a:xfrm>
-          <a:prstGeom prst="rect">
-            <a:avLst/>
-          </a:prstGeom>
-          <a:solidFill>
-            <a:schemeClr val="tx1"/>
-          </a:solidFill>
-        </p:spPr>
-      </p:pic>
-      <p:pic>
-        <p:nvPicPr>
-          <p:cNvPr id="12" name="Picture Placeholder 53" descr="Team member headshot">
-            <a:extLst>
-              <a:ext uri="{FF2B5EF4-FFF2-40B4-BE49-F238E27FC236}">
-                <a16:creationId xmlns:a16="http://schemas.microsoft.com/office/drawing/2014/main" id="{A95782D3-B980-3501-0BF1-41C898F5B571}"/>
-              </a:ext>
-            </a:extLst>
-          </p:cNvPr>
-          <p:cNvPicPr>
-            <a:picLocks noChangeAspect="1"/>
-          </p:cNvPicPr>
-          <p:nvPr/>
-        </p:nvPicPr>
-        <p:blipFill rotWithShape="1">
-          <a:blip r:embed="rId5">
-            <a:extLst>
-              <a:ext uri="{28A0092B-C50C-407E-A947-70E740481C1C}">
-                <a14:useLocalDpi xmlns:a14="http://schemas.microsoft.com/office/drawing/2010/main" val="0"/>
-              </a:ext>
-            </a:extLst>
-          </a:blip>
-          <a:srcRect/>
-          <a:stretch/>
-        </p:blipFill>
-        <p:spPr>
-          <a:xfrm>
-            <a:off x="1877176" y="2428875"/>
-            <a:ext cx="1066800" cy="1066800"/>
-          </a:xfrm>
-          <a:prstGeom prst="rect">
-            <a:avLst/>
-          </a:prstGeom>
-          <a:solidFill>
-            <a:schemeClr val="tx1"/>
-          </a:solidFill>
-        </p:spPr>
-      </p:pic>
-      <p:pic>
-        <p:nvPicPr>
-          <p:cNvPr id="15" name="Picture Placeholder 41" descr="Team member headshot">
-            <a:extLst>
-              <a:ext uri="{FF2B5EF4-FFF2-40B4-BE49-F238E27FC236}">
-                <a16:creationId xmlns:a16="http://schemas.microsoft.com/office/drawing/2014/main" id="{3C61CF1F-8F76-D7B8-E384-06FF836488A3}"/>
-              </a:ext>
-            </a:extLst>
-          </p:cNvPr>
-          <p:cNvPicPr>
-            <a:picLocks noChangeAspect="1"/>
-          </p:cNvPicPr>
-          <p:nvPr/>
-        </p:nvPicPr>
-        <p:blipFill rotWithShape="1">
-          <a:blip r:embed="rId3">
-            <a:extLst>
-              <a:ext uri="{28A0092B-C50C-407E-A947-70E740481C1C}">
-                <a14:useLocalDpi xmlns:a14="http://schemas.microsoft.com/office/drawing/2010/main" val="0"/>
-              </a:ext>
-            </a:extLst>
-          </a:blip>
-          <a:srcRect/>
-          <a:stretch/>
-        </p:blipFill>
-        <p:spPr>
-          <a:xfrm>
-            <a:off x="6720926" y="2423394"/>
-            <a:ext cx="1066800" cy="1066800"/>
-          </a:xfrm>
-          <a:prstGeom prst="rect">
-            <a:avLst/>
-          </a:prstGeom>
-          <a:solidFill>
-            <a:schemeClr val="tx1"/>
-          </a:solidFill>
-        </p:spPr>
-      </p:pic>
-      <p:pic>
-        <p:nvPicPr>
-          <p:cNvPr id="16" name="Picture Placeholder 45" descr="Team member headshot">
-            <a:extLst>
-              <a:ext uri="{FF2B5EF4-FFF2-40B4-BE49-F238E27FC236}">
-                <a16:creationId xmlns:a16="http://schemas.microsoft.com/office/drawing/2014/main" id="{D9E04F97-C951-3A20-A867-5EFEAB518A0C}"/>
-              </a:ext>
-            </a:extLst>
-          </p:cNvPr>
-          <p:cNvPicPr>
-            <a:picLocks noChangeAspect="1"/>
-          </p:cNvPicPr>
-          <p:nvPr/>
-        </p:nvPicPr>
-        <p:blipFill rotWithShape="1">
-          <a:blip r:embed="rId4">
-            <a:extLst>
-              <a:ext uri="{28A0092B-C50C-407E-A947-70E740481C1C}">
-                <a14:useLocalDpi xmlns:a14="http://schemas.microsoft.com/office/drawing/2010/main" val="0"/>
-              </a:ext>
-            </a:extLst>
-          </a:blip>
-          <a:srcRect/>
-          <a:stretch/>
-        </p:blipFill>
-        <p:spPr>
-          <a:xfrm>
-            <a:off x="4226270" y="2434264"/>
-            <a:ext cx="1066800" cy="1066800"/>
-          </a:xfrm>
-          <a:prstGeom prst="rect">
-            <a:avLst/>
-          </a:prstGeom>
-          <a:solidFill>
-            <a:schemeClr val="tx1"/>
-          </a:solidFill>
-        </p:spPr>
-      </p:pic>
-      <p:pic>
-        <p:nvPicPr>
-          <p:cNvPr id="17" name="Picture Placeholder 57" descr="Team member headshot">
-            <a:extLst>
-              <a:ext uri="{FF2B5EF4-FFF2-40B4-BE49-F238E27FC236}">
-                <a16:creationId xmlns:a16="http://schemas.microsoft.com/office/drawing/2014/main" id="{E78CD01F-9823-AEBD-C310-ED120B7DBB42}"/>
-              </a:ext>
-            </a:extLst>
-          </p:cNvPr>
-          <p:cNvPicPr>
-            <a:picLocks noChangeAspect="1"/>
-          </p:cNvPicPr>
-          <p:nvPr/>
-        </p:nvPicPr>
-        <p:blipFill rotWithShape="1">
-          <a:blip r:embed="rId6">
-            <a:extLst>
-              <a:ext uri="{28A0092B-C50C-407E-A947-70E740481C1C}">
-                <a14:useLocalDpi xmlns:a14="http://schemas.microsoft.com/office/drawing/2010/main" val="0"/>
-              </a:ext>
-            </a:extLst>
-          </a:blip>
-          <a:srcRect/>
-          <a:stretch/>
-        </p:blipFill>
-        <p:spPr>
-          <a:xfrm>
-            <a:off x="9129732" y="4287711"/>
-            <a:ext cx="1066800" cy="1066800"/>
-          </a:xfrm>
-          <a:prstGeom prst="rect">
-            <a:avLst/>
-          </a:prstGeom>
-          <a:solidFill>
-            <a:schemeClr val="tx1"/>
-          </a:solidFill>
-        </p:spPr>
-      </p:pic>
-      <p:pic>
-        <p:nvPicPr>
-          <p:cNvPr id="18" name="Picture Placeholder 82" descr="Team member headshot">
-            <a:extLst>
-              <a:ext uri="{FF2B5EF4-FFF2-40B4-BE49-F238E27FC236}">
-                <a16:creationId xmlns:a16="http://schemas.microsoft.com/office/drawing/2014/main" id="{D8465F37-5723-7901-DDAC-1FA3345042A2}"/>
-              </a:ext>
-            </a:extLst>
-          </p:cNvPr>
-          <p:cNvPicPr>
-            <a:picLocks noChangeAspect="1"/>
-          </p:cNvPicPr>
-          <p:nvPr/>
-        </p:nvPicPr>
-        <p:blipFill rotWithShape="1">
-          <a:blip r:embed="rId9">
-            <a:extLst>
-              <a:ext uri="{28A0092B-C50C-407E-A947-70E740481C1C}">
-                <a14:useLocalDpi xmlns:a14="http://schemas.microsoft.com/office/drawing/2010/main" val="0"/>
-              </a:ext>
-            </a:extLst>
-          </a:blip>
-          <a:srcRect/>
-          <a:stretch/>
-        </p:blipFill>
-        <p:spPr>
-          <a:xfrm>
-            <a:off x="1870094" y="4287711"/>
-            <a:ext cx="1066800" cy="1066800"/>
-          </a:xfrm>
-          <a:prstGeom prst="rect">
-            <a:avLst/>
-          </a:prstGeom>
-          <a:solidFill>
-            <a:schemeClr val="tx1"/>
-          </a:solidFill>
-        </p:spPr>
-      </p:pic>
-      <p:pic>
-        <p:nvPicPr>
-          <p:cNvPr id="19" name="Picture Placeholder 77" descr="Team member headshot">
-            <a:extLst>
-              <a:ext uri="{FF2B5EF4-FFF2-40B4-BE49-F238E27FC236}">
-                <a16:creationId xmlns:a16="http://schemas.microsoft.com/office/drawing/2014/main" id="{CAFBCB1E-CFF3-68B8-73A0-E8F539BB5A1C}"/>
-              </a:ext>
-            </a:extLst>
-          </p:cNvPr>
-          <p:cNvPicPr>
-            <a:picLocks noChangeAspect="1"/>
-          </p:cNvPicPr>
-          <p:nvPr/>
-        </p:nvPicPr>
-        <p:blipFill rotWithShape="1">
-          <a:blip r:embed="rId8">
-            <a:extLst>
-              <a:ext uri="{28A0092B-C50C-407E-A947-70E740481C1C}">
-                <a14:useLocalDpi xmlns:a14="http://schemas.microsoft.com/office/drawing/2010/main" val="0"/>
-              </a:ext>
-            </a:extLst>
-          </a:blip>
-          <a:srcRect/>
-          <a:stretch/>
-        </p:blipFill>
-        <p:spPr>
-          <a:xfrm>
-            <a:off x="4226270" y="4283361"/>
-            <a:ext cx="1066800" cy="1066800"/>
-          </a:xfrm>
-          <a:prstGeom prst="rect">
-            <a:avLst/>
-          </a:prstGeom>
-          <a:solidFill>
-            <a:schemeClr val="tx1"/>
-          </a:solidFill>
-        </p:spPr>
-      </p:pic>
-      <p:pic>
-        <p:nvPicPr>
-          <p:cNvPr id="20" name="Picture Placeholder 65" descr="Team member headshot">
-            <a:extLst>
-              <a:ext uri="{FF2B5EF4-FFF2-40B4-BE49-F238E27FC236}">
-                <a16:creationId xmlns:a16="http://schemas.microsoft.com/office/drawing/2014/main" id="{CFD6DDEC-FA3B-4421-43D8-71654953F75F}"/>
-              </a:ext>
-            </a:extLst>
-          </p:cNvPr>
-          <p:cNvPicPr>
-            <a:picLocks noChangeAspect="1"/>
-          </p:cNvPicPr>
-          <p:nvPr/>
-        </p:nvPicPr>
-        <p:blipFill rotWithShape="1">
-          <a:blip r:embed="rId7">
-            <a:extLst>
-              <a:ext uri="{28A0092B-C50C-407E-A947-70E740481C1C}">
-                <a14:useLocalDpi xmlns:a14="http://schemas.microsoft.com/office/drawing/2010/main" val="0"/>
-              </a:ext>
-            </a:extLst>
-          </a:blip>
-          <a:srcRect/>
-          <a:stretch/>
-        </p:blipFill>
-        <p:spPr>
-          <a:xfrm>
-            <a:off x="6716934" y="4276128"/>
-            <a:ext cx="1066800" cy="1066800"/>
-          </a:xfrm>
-          <a:prstGeom prst="rect">
-            <a:avLst/>
-          </a:prstGeom>
-          <a:solidFill>
-            <a:schemeClr val="tx1"/>
-          </a:solidFill>
-        </p:spPr>
-      </p:pic>
     </p:spTree>
     <p:extLst>
       <p:ext uri="{BB962C8B-B14F-4D97-AF65-F5344CB8AC3E}">
-        <p14:creationId xmlns:p14="http://schemas.microsoft.com/office/powerpoint/2010/main" val="3396266754"/>
+        <p14:creationId xmlns:p14="http://schemas.microsoft.com/office/powerpoint/2010/main" val="4151694508"/>
       </p:ext>
     </p:extLst>
   </p:cSld>
@@ -17415,10 +17671,10 @@
       </p:grpSpPr>
       <p:sp>
         <p:nvSpPr>
-          <p:cNvPr id="4" name="Title 3">
-            <a:extLst>
-              <a:ext uri="{FF2B5EF4-FFF2-40B4-BE49-F238E27FC236}">
-                <a16:creationId xmlns:a16="http://schemas.microsoft.com/office/drawing/2014/main" id="{FAD2AE59-5630-4D5C-83A9-4CDEF4D7DCFB}"/>
+          <p:cNvPr id="2" name="Title 1">
+            <a:extLst>
+              <a:ext uri="{FF2B5EF4-FFF2-40B4-BE49-F238E27FC236}">
+                <a16:creationId xmlns:a16="http://schemas.microsoft.com/office/drawing/2014/main" id="{5864BC4F-3D59-464A-857E-6F155B368ED7}"/>
               </a:ext>
             </a:extLst>
           </p:cNvPr>
@@ -17431,7 +17687,7 @@
         </p:nvSpPr>
         <p:spPr>
           <a:xfrm>
-            <a:off x="2933700" y="892177"/>
+            <a:off x="1885156" y="892177"/>
             <a:ext cx="8421688" cy="1325563"/>
           </a:xfrm>
         </p:spPr>
@@ -17441,17 +17697,17 @@
           <a:p>
             <a:r>
               <a:rPr lang="en-US" dirty="0"/>
-              <a:t>OUR COMPETITION</a:t>
-            </a:r>
-          </a:p>
-        </p:txBody>
-      </p:sp>
-      <p:sp>
-        <p:nvSpPr>
-          <p:cNvPr id="5" name="Text Placeholder 4">
-            <a:extLst>
-              <a:ext uri="{FF2B5EF4-FFF2-40B4-BE49-F238E27FC236}">
-                <a16:creationId xmlns:a16="http://schemas.microsoft.com/office/drawing/2014/main" id="{F8657664-A458-4DDD-ACC2-1D87FCD6FCA9}"/>
+              <a:t>Market comparison</a:t>
+            </a:r>
+          </a:p>
+        </p:txBody>
+      </p:sp>
+      <p:sp>
+        <p:nvSpPr>
+          <p:cNvPr id="9" name="Text Placeholder 8">
+            <a:extLst>
+              <a:ext uri="{FF2B5EF4-FFF2-40B4-BE49-F238E27FC236}">
+                <a16:creationId xmlns:a16="http://schemas.microsoft.com/office/drawing/2014/main" id="{8C1455DF-5CEC-44A2-A92D-8E901D15B7CC}"/>
               </a:ext>
             </a:extLst>
           </p:cNvPr>
@@ -17464,8 +17720,8 @@
         </p:nvSpPr>
         <p:spPr>
           <a:xfrm>
-            <a:off x="2933700" y="2776936"/>
-            <a:ext cx="3924300" cy="823912"/>
+            <a:off x="1801586" y="3089733"/>
+            <a:ext cx="1779814" cy="823912"/>
           </a:xfrm>
         </p:spPr>
         <p:txBody>
@@ -17474,78 +17730,31 @@
           <a:p>
             <a:r>
               <a:rPr lang="en-US" dirty="0"/>
-              <a:t>CYBERQUACK</a:t>
-            </a:r>
-          </a:p>
-        </p:txBody>
-      </p:sp>
-      <p:sp>
-        <p:nvSpPr>
-          <p:cNvPr id="6" name="Content Placeholder 5">
-            <a:extLst>
-              <a:ext uri="{FF2B5EF4-FFF2-40B4-BE49-F238E27FC236}">
-                <a16:creationId xmlns:a16="http://schemas.microsoft.com/office/drawing/2014/main" id="{5A6B31B0-7B84-475D-961F-09C0191F91A2}"/>
-              </a:ext>
-            </a:extLst>
-          </p:cNvPr>
-          <p:cNvSpPr>
-            <a:spLocks noGrp="1"/>
-          </p:cNvSpPr>
-          <p:nvPr>
-            <p:ph sz="half" idx="2"/>
-          </p:nvPr>
-        </p:nvSpPr>
-        <p:spPr>
-          <a:xfrm>
-            <a:off x="2933700" y="3834606"/>
-            <a:ext cx="3924300" cy="1997867"/>
-          </a:xfrm>
-        </p:spPr>
-        <p:txBody>
-          <a:bodyPr vert="horz" lIns="91440" tIns="45720" rIns="91440" bIns="45720" rtlCol="0" anchor="t">
-            <a:normAutofit/>
-          </a:bodyPr>
-          <a:lstStyle/>
-          <a:p>
-            <a:r>
-              <a:rPr lang="en-US" noProof="1"/>
-              <a:t>Our product is priced below that of other companies on the market</a:t>
-            </a:r>
-          </a:p>
-          <a:p>
-            <a:r>
-              <a:rPr lang="en-US" noProof="1"/>
-              <a:t>Design is simple and easy to use, compared to the complex designs of the competitors</a:t>
-            </a:r>
-          </a:p>
-          <a:p>
-            <a:r>
-              <a:rPr lang="en-US" noProof="1"/>
-              <a:t>Affordability is the main draw for our consumers to our product</a:t>
-            </a:r>
-          </a:p>
-        </p:txBody>
-      </p:sp>
-      <p:sp>
-        <p:nvSpPr>
-          <p:cNvPr id="7" name="Text Placeholder 6">
-            <a:extLst>
-              <a:ext uri="{FF2B5EF4-FFF2-40B4-BE49-F238E27FC236}">
-                <a16:creationId xmlns:a16="http://schemas.microsoft.com/office/drawing/2014/main" id="{578017FE-712E-4E95-B483-B700F1AA4B2A}"/>
-              </a:ext>
-            </a:extLst>
-          </p:cNvPr>
-          <p:cNvSpPr>
-            <a:spLocks noGrp="1"/>
-          </p:cNvSpPr>
-          <p:nvPr>
-            <p:ph type="body" sz="quarter" idx="3"/>
-          </p:nvPr>
-        </p:nvSpPr>
-        <p:spPr>
-          <a:xfrm>
-            <a:off x="7410173" y="2776936"/>
-            <a:ext cx="3943627" cy="823912"/>
+              <a:t>$250K</a:t>
+            </a:r>
+          </a:p>
+        </p:txBody>
+      </p:sp>
+      <p:sp>
+        <p:nvSpPr>
+          <p:cNvPr id="10" name="Text Placeholder 9">
+            <a:extLst>
+              <a:ext uri="{FF2B5EF4-FFF2-40B4-BE49-F238E27FC236}">
+                <a16:creationId xmlns:a16="http://schemas.microsoft.com/office/drawing/2014/main" id="{7C7E7B18-D05F-4C44-8718-8C671160FC98}"/>
+              </a:ext>
+            </a:extLst>
+          </p:cNvPr>
+          <p:cNvSpPr>
+            <a:spLocks noGrp="1"/>
+          </p:cNvSpPr>
+          <p:nvPr>
+            <p:ph type="body" idx="15"/>
+          </p:nvPr>
+        </p:nvSpPr>
+        <p:spPr>
+          <a:xfrm>
+            <a:off x="5206093" y="3051177"/>
+            <a:ext cx="1779813" cy="823912"/>
           </a:xfrm>
         </p:spPr>
         <p:txBody>
@@ -17554,31 +17763,31 @@
           <a:p>
             <a:r>
               <a:rPr lang="en-US" dirty="0"/>
-              <a:t>COMPETITORS</a:t>
-            </a:r>
-          </a:p>
-        </p:txBody>
-      </p:sp>
-      <p:sp>
-        <p:nvSpPr>
-          <p:cNvPr id="11" name="Content Placeholder 10">
-            <a:extLst>
-              <a:ext uri="{FF2B5EF4-FFF2-40B4-BE49-F238E27FC236}">
-                <a16:creationId xmlns:a16="http://schemas.microsoft.com/office/drawing/2014/main" id="{D0E0ACA0-9139-4C37-920D-BF3C1FF461C1}"/>
-              </a:ext>
-            </a:extLst>
-          </p:cNvPr>
-          <p:cNvSpPr>
-            <a:spLocks noGrp="1"/>
-          </p:cNvSpPr>
-          <p:nvPr>
-            <p:ph sz="quarter" idx="4"/>
-          </p:nvPr>
-        </p:nvSpPr>
-        <p:spPr>
-          <a:xfrm>
-            <a:off x="7410173" y="3834606"/>
-            <a:ext cx="3943627" cy="1997867"/>
+              <a:t>$290K</a:t>
+            </a:r>
+          </a:p>
+        </p:txBody>
+      </p:sp>
+      <p:sp>
+        <p:nvSpPr>
+          <p:cNvPr id="11" name="Text Placeholder 10">
+            <a:extLst>
+              <a:ext uri="{FF2B5EF4-FFF2-40B4-BE49-F238E27FC236}">
+                <a16:creationId xmlns:a16="http://schemas.microsoft.com/office/drawing/2014/main" id="{C4EAD5C6-02F0-4D27-8D85-1BD5EA833D6F}"/>
+              </a:ext>
+            </a:extLst>
+          </p:cNvPr>
+          <p:cNvSpPr>
+            <a:spLocks noGrp="1"/>
+          </p:cNvSpPr>
+          <p:nvPr>
+            <p:ph type="body" idx="16"/>
+          </p:nvPr>
+        </p:nvSpPr>
+        <p:spPr>
+          <a:xfrm>
+            <a:off x="8541331" y="3051177"/>
+            <a:ext cx="1917849" cy="823912"/>
           </a:xfrm>
         </p:spPr>
         <p:txBody>
@@ -17586,51 +17795,216 @@
           <a:lstStyle/>
           <a:p>
             <a:r>
-              <a:rPr lang="en-US" noProof="1"/>
-              <a:t>Company A</a:t>
-            </a:r>
-            <a:br>
-              <a:rPr lang="en-US" noProof="1"/>
-            </a:br>
-            <a:r>
-              <a:rPr lang="en-US" noProof="1"/>
-              <a:t>Product is more expensive</a:t>
-            </a:r>
-          </a:p>
-          <a:p>
-            <a:r>
-              <a:rPr lang="en-US" noProof="1"/>
-              <a:t>Companies B &amp; C </a:t>
-            </a:r>
-            <a:br>
-              <a:rPr lang="en-US" noProof="1"/>
-            </a:br>
-            <a:r>
-              <a:rPr lang="en-US" noProof="1"/>
-              <a:t>Product is expensive and inconvenient to use</a:t>
-            </a:r>
-          </a:p>
-          <a:p>
-            <a:r>
-              <a:rPr lang="en-US" noProof="1"/>
-              <a:t>Companies D &amp; E</a:t>
-            </a:r>
-            <a:br>
-              <a:rPr lang="en-US" noProof="1"/>
-            </a:br>
-            <a:r>
-              <a:rPr lang="en-US" noProof="1"/>
-              <a:t>Product is affordable, but inconvenient to use</a:t>
-            </a:r>
-          </a:p>
-        </p:txBody>
-      </p:sp>
-      <p:sp>
-        <p:nvSpPr>
-          <p:cNvPr id="12" name="Date Placeholder 11">
-            <a:extLst>
-              <a:ext uri="{FF2B5EF4-FFF2-40B4-BE49-F238E27FC236}">
-                <a16:creationId xmlns:a16="http://schemas.microsoft.com/office/drawing/2014/main" id="{5909F2DC-F097-42AB-88E7-0CA09BD5E2C2}"/>
+              <a:rPr lang="en-US" dirty="0"/>
+              <a:t>$330K</a:t>
+            </a:r>
+          </a:p>
+        </p:txBody>
+      </p:sp>
+      <p:sp>
+        <p:nvSpPr>
+          <p:cNvPr id="19" name="Content Placeholder 18">
+            <a:extLst>
+              <a:ext uri="{FF2B5EF4-FFF2-40B4-BE49-F238E27FC236}">
+                <a16:creationId xmlns:a16="http://schemas.microsoft.com/office/drawing/2014/main" id="{791D6145-F7F7-43DE-A16B-BF4F9607D4E8}"/>
+              </a:ext>
+            </a:extLst>
+          </p:cNvPr>
+          <p:cNvSpPr>
+            <a:spLocks noGrp="1"/>
+          </p:cNvSpPr>
+          <p:nvPr>
+            <p:ph sz="half" idx="2"/>
+          </p:nvPr>
+        </p:nvSpPr>
+        <p:spPr>
+          <a:xfrm>
+            <a:off x="1129698" y="4824188"/>
+            <a:ext cx="3124093" cy="462927"/>
+          </a:xfrm>
+        </p:spPr>
+        <p:txBody>
+          <a:bodyPr/>
+          <a:lstStyle/>
+          <a:p>
+            <a:r>
+              <a:rPr lang="en-US" dirty="0" err="1"/>
+              <a:t>Cyberquack</a:t>
+            </a:r>
+            <a:endParaRPr lang="en-US" dirty="0"/>
+          </a:p>
+        </p:txBody>
+      </p:sp>
+      <p:sp>
+        <p:nvSpPr>
+          <p:cNvPr id="20" name="Content Placeholder 19">
+            <a:extLst>
+              <a:ext uri="{FF2B5EF4-FFF2-40B4-BE49-F238E27FC236}">
+                <a16:creationId xmlns:a16="http://schemas.microsoft.com/office/drawing/2014/main" id="{BC46925A-8382-42EB-891C-DBB4EAAA33F8}"/>
+              </a:ext>
+            </a:extLst>
+          </p:cNvPr>
+          <p:cNvSpPr>
+            <a:spLocks noGrp="1"/>
+          </p:cNvSpPr>
+          <p:nvPr>
+            <p:ph sz="quarter" idx="4"/>
+          </p:nvPr>
+        </p:nvSpPr>
+        <p:spPr>
+          <a:xfrm>
+            <a:off x="4526261" y="4824188"/>
+            <a:ext cx="3139479" cy="462927"/>
+          </a:xfrm>
+        </p:spPr>
+        <p:txBody>
+          <a:bodyPr/>
+          <a:lstStyle/>
+          <a:p>
+            <a:r>
+              <a:rPr lang="en-US" dirty="0" err="1"/>
+              <a:t>Malwaremoo</a:t>
+            </a:r>
+            <a:r>
+              <a:rPr lang="en-US" dirty="0"/>
+              <a:t> inc.</a:t>
+            </a:r>
+          </a:p>
+        </p:txBody>
+      </p:sp>
+      <p:sp>
+        <p:nvSpPr>
+          <p:cNvPr id="21" name="Content Placeholder 20">
+            <a:extLst>
+              <a:ext uri="{FF2B5EF4-FFF2-40B4-BE49-F238E27FC236}">
+                <a16:creationId xmlns:a16="http://schemas.microsoft.com/office/drawing/2014/main" id="{318AFADE-B54F-4988-8000-B9336A395336}"/>
+              </a:ext>
+            </a:extLst>
+          </p:cNvPr>
+          <p:cNvSpPr>
+            <a:spLocks noGrp="1"/>
+          </p:cNvSpPr>
+          <p:nvPr>
+            <p:ph sz="half" idx="14"/>
+          </p:nvPr>
+        </p:nvSpPr>
+        <p:spPr>
+          <a:xfrm>
+            <a:off x="7938210" y="4824188"/>
+            <a:ext cx="3124093" cy="462927"/>
+          </a:xfrm>
+        </p:spPr>
+        <p:txBody>
+          <a:bodyPr/>
+          <a:lstStyle/>
+          <a:p>
+            <a:r>
+              <a:rPr lang="en-US" dirty="0" err="1"/>
+              <a:t>Trojanbark</a:t>
+            </a:r>
+            <a:r>
+              <a:rPr lang="en-US" dirty="0"/>
+              <a:t> security</a:t>
+            </a:r>
+          </a:p>
+        </p:txBody>
+      </p:sp>
+      <p:sp>
+        <p:nvSpPr>
+          <p:cNvPr id="22" name="Content Placeholder 21">
+            <a:extLst>
+              <a:ext uri="{FF2B5EF4-FFF2-40B4-BE49-F238E27FC236}">
+                <a16:creationId xmlns:a16="http://schemas.microsoft.com/office/drawing/2014/main" id="{F296843C-0ED0-4314-A6F0-DD60C828DDFB}"/>
+              </a:ext>
+            </a:extLst>
+          </p:cNvPr>
+          <p:cNvSpPr>
+            <a:spLocks noGrp="1"/>
+          </p:cNvSpPr>
+          <p:nvPr>
+            <p:ph sz="half" idx="17"/>
+          </p:nvPr>
+        </p:nvSpPr>
+        <p:spPr>
+          <a:xfrm>
+            <a:off x="1129698" y="5280763"/>
+            <a:ext cx="3124093" cy="462927"/>
+          </a:xfrm>
+        </p:spPr>
+        <p:txBody>
+          <a:bodyPr/>
+          <a:lstStyle/>
+          <a:p>
+            <a:endParaRPr lang="en-US" dirty="0"/>
+          </a:p>
+        </p:txBody>
+      </p:sp>
+      <p:sp>
+        <p:nvSpPr>
+          <p:cNvPr id="23" name="Content Placeholder 22">
+            <a:extLst>
+              <a:ext uri="{FF2B5EF4-FFF2-40B4-BE49-F238E27FC236}">
+                <a16:creationId xmlns:a16="http://schemas.microsoft.com/office/drawing/2014/main" id="{649BF20C-562E-400E-BEA6-1D5F81F2FE44}"/>
+              </a:ext>
+            </a:extLst>
+          </p:cNvPr>
+          <p:cNvSpPr>
+            <a:spLocks noGrp="1"/>
+          </p:cNvSpPr>
+          <p:nvPr>
+            <p:ph sz="quarter" idx="18"/>
+          </p:nvPr>
+        </p:nvSpPr>
+        <p:spPr>
+          <a:xfrm>
+            <a:off x="4526261" y="5280763"/>
+            <a:ext cx="3139479" cy="462927"/>
+          </a:xfrm>
+        </p:spPr>
+        <p:txBody>
+          <a:bodyPr/>
+          <a:lstStyle/>
+          <a:p>
+            <a:endParaRPr lang="en-US" dirty="0"/>
+          </a:p>
+        </p:txBody>
+      </p:sp>
+      <p:sp>
+        <p:nvSpPr>
+          <p:cNvPr id="24" name="Content Placeholder 23">
+            <a:extLst>
+              <a:ext uri="{FF2B5EF4-FFF2-40B4-BE49-F238E27FC236}">
+                <a16:creationId xmlns:a16="http://schemas.microsoft.com/office/drawing/2014/main" id="{5AA25980-D334-4FC0-9091-936E53B8D321}"/>
+              </a:ext>
+            </a:extLst>
+          </p:cNvPr>
+          <p:cNvSpPr>
+            <a:spLocks noGrp="1"/>
+          </p:cNvSpPr>
+          <p:nvPr>
+            <p:ph sz="half" idx="19"/>
+          </p:nvPr>
+        </p:nvSpPr>
+        <p:spPr>
+          <a:xfrm>
+            <a:off x="7938210" y="5280763"/>
+            <a:ext cx="3124093" cy="462927"/>
+          </a:xfrm>
+        </p:spPr>
+        <p:txBody>
+          <a:bodyPr/>
+          <a:lstStyle/>
+          <a:p>
+            <a:endParaRPr lang="en-US" dirty="0"/>
+          </a:p>
+        </p:txBody>
+      </p:sp>
+      <p:sp>
+        <p:nvSpPr>
+          <p:cNvPr id="5" name="Date Placeholder 4">
+            <a:extLst>
+              <a:ext uri="{FF2B5EF4-FFF2-40B4-BE49-F238E27FC236}">
+                <a16:creationId xmlns:a16="http://schemas.microsoft.com/office/drawing/2014/main" id="{79C22D8C-87A6-47AD-8D29-FBBA539EDBE2}"/>
               </a:ext>
             </a:extLst>
           </p:cNvPr>
@@ -17651,19 +18025,16 @@
           <a:bodyPr/>
           <a:lstStyle/>
           <a:p>
-            <a:r>
-              <a:rPr lang="en-US" dirty="0"/>
-              <a:t>20XX</a:t>
-            </a:r>
-          </a:p>
-        </p:txBody>
-      </p:sp>
-      <p:sp>
-        <p:nvSpPr>
-          <p:cNvPr id="13" name="Footer Placeholder 12">
-            <a:extLst>
-              <a:ext uri="{FF2B5EF4-FFF2-40B4-BE49-F238E27FC236}">
-                <a16:creationId xmlns:a16="http://schemas.microsoft.com/office/drawing/2014/main" id="{F4A37AA9-0BEE-42AC-8CC0-AE5B8663553A}"/>
+            <a:endParaRPr lang="en-US" dirty="0"/>
+          </a:p>
+        </p:txBody>
+      </p:sp>
+      <p:sp>
+        <p:nvSpPr>
+          <p:cNvPr id="6" name="Footer Placeholder 5">
+            <a:extLst>
+              <a:ext uri="{FF2B5EF4-FFF2-40B4-BE49-F238E27FC236}">
+                <a16:creationId xmlns:a16="http://schemas.microsoft.com/office/drawing/2014/main" id="{4D346909-C2E0-4F1D-90FC-F5E1D8DFB515}"/>
               </a:ext>
             </a:extLst>
           </p:cNvPr>
@@ -17684,19 +18055,16 @@
           <a:bodyPr/>
           <a:lstStyle/>
           <a:p>
-            <a:r>
-              <a:rPr lang="en-US" dirty="0"/>
-              <a:t>Pitch Deck</a:t>
-            </a:r>
-          </a:p>
-        </p:txBody>
-      </p:sp>
-      <p:sp>
-        <p:nvSpPr>
-          <p:cNvPr id="14" name="Slide Number Placeholder 13">
-            <a:extLst>
-              <a:ext uri="{FF2B5EF4-FFF2-40B4-BE49-F238E27FC236}">
-                <a16:creationId xmlns:a16="http://schemas.microsoft.com/office/drawing/2014/main" id="{42152A75-1CD2-44EC-9374-C83D4604A5DD}"/>
+            <a:endParaRPr lang="en-US" dirty="0"/>
+          </a:p>
+        </p:txBody>
+      </p:sp>
+      <p:sp>
+        <p:nvSpPr>
+          <p:cNvPr id="7" name="Slide Number Placeholder 6">
+            <a:extLst>
+              <a:ext uri="{FF2B5EF4-FFF2-40B4-BE49-F238E27FC236}">
+                <a16:creationId xmlns:a16="http://schemas.microsoft.com/office/drawing/2014/main" id="{EBC02F21-4E3C-469E-B11C-9214231082D3}"/>
               </a:ext>
             </a:extLst>
           </p:cNvPr>
@@ -17717,11 +18085,6 @@
           <a:bodyPr/>
           <a:lstStyle/>
           <a:p>
-            <a:fld id="{B5CEABB6-07DC-46E8-9B57-56EC44A396E5}" type="slidenum">
-              <a:rPr lang="en-US" smtClean="0"/>
-              <a:pPr/>
-              <a:t>12</a:t>
-            </a:fld>
             <a:endParaRPr lang="en-US" dirty="0"/>
           </a:p>
         </p:txBody>
@@ -17729,7 +18092,7 @@
     </p:spTree>
     <p:extLst>
       <p:ext uri="{BB962C8B-B14F-4D97-AF65-F5344CB8AC3E}">
-        <p14:creationId xmlns:p14="http://schemas.microsoft.com/office/powerpoint/2010/main" val="4151694508"/>
+        <p14:creationId xmlns:p14="http://schemas.microsoft.com/office/powerpoint/2010/main" val="404854312"/>
       </p:ext>
     </p:extLst>
   </p:cSld>
@@ -17761,7 +18124,7 @@
           <p:cNvPr id="2" name="Title 1">
             <a:extLst>
               <a:ext uri="{FF2B5EF4-FFF2-40B4-BE49-F238E27FC236}">
-                <a16:creationId xmlns:a16="http://schemas.microsoft.com/office/drawing/2014/main" id="{5864BC4F-3D59-464A-857E-6F155B368ED7}"/>
+                <a16:creationId xmlns:a16="http://schemas.microsoft.com/office/drawing/2014/main" id="{38FFA191-5CCC-43CB-BD83-4F80ED362608}"/>
               </a:ext>
             </a:extLst>
           </p:cNvPr>
@@ -17774,8 +18137,8 @@
         </p:nvSpPr>
         <p:spPr>
           <a:xfrm>
-            <a:off x="1885156" y="892177"/>
-            <a:ext cx="8421688" cy="1325563"/>
+            <a:off x="5476875" y="1671639"/>
+            <a:ext cx="5111750" cy="1204912"/>
           </a:xfrm>
         </p:spPr>
         <p:txBody>
@@ -17784,17 +18147,17 @@
           <a:p>
             <a:r>
               <a:rPr lang="en-US" dirty="0"/>
-              <a:t>Market comparison</a:t>
-            </a:r>
-          </a:p>
-        </p:txBody>
-      </p:sp>
-      <p:sp>
-        <p:nvSpPr>
-          <p:cNvPr id="9" name="Text Placeholder 8">
-            <a:extLst>
-              <a:ext uri="{FF2B5EF4-FFF2-40B4-BE49-F238E27FC236}">
-                <a16:creationId xmlns:a16="http://schemas.microsoft.com/office/drawing/2014/main" id="{8C1455DF-5CEC-44A2-A92D-8E901D15B7CC}"/>
+              <a:t>SUMMARY</a:t>
+            </a:r>
+          </a:p>
+        </p:txBody>
+      </p:sp>
+      <p:sp>
+        <p:nvSpPr>
+          <p:cNvPr id="3" name="Content Placeholder 2">
+            <a:extLst>
+              <a:ext uri="{FF2B5EF4-FFF2-40B4-BE49-F238E27FC236}">
+                <a16:creationId xmlns:a16="http://schemas.microsoft.com/office/drawing/2014/main" id="{E14BBEAF-B516-45F4-9EF6-A9F65111580F}"/>
               </a:ext>
             </a:extLst>
           </p:cNvPr>
@@ -17807,382 +18170,117 @@
         </p:nvSpPr>
         <p:spPr>
           <a:xfrm>
-            <a:off x="2063855" y="3064615"/>
-            <a:ext cx="1240971" cy="823912"/>
+            <a:off x="5476875" y="3682546"/>
+            <a:ext cx="5111750" cy="1525588"/>
+          </a:xfrm>
+        </p:spPr>
+        <p:txBody>
+          <a:bodyPr vert="horz" lIns="91440" tIns="45720" rIns="91440" bIns="45720" rtlCol="0" anchor="b">
+            <a:normAutofit/>
+          </a:bodyPr>
+          <a:lstStyle/>
+          <a:p>
+            <a:r>
+              <a:rPr lang="en-US" dirty="0"/>
+              <a:t>At </a:t>
+            </a:r>
+            <a:r>
+              <a:rPr lang="en-US" dirty="0" err="1"/>
+              <a:t>CyberQuack</a:t>
+            </a:r>
+            <a:r>
+              <a:rPr lang="en-US" dirty="0"/>
+              <a:t>, we believe in giving 110%. By using our next-generation data architecture, we help organizations virtually manage agile workflows. We thrive because of our market knowledge and great team behind our product. As our CEO says, "Efficiencies will come from proactively transforming how we do business.”</a:t>
+            </a:r>
+          </a:p>
+        </p:txBody>
+      </p:sp>
+      <p:sp>
+        <p:nvSpPr>
+          <p:cNvPr id="4" name="Date Placeholder 3">
+            <a:extLst>
+              <a:ext uri="{FF2B5EF4-FFF2-40B4-BE49-F238E27FC236}">
+                <a16:creationId xmlns:a16="http://schemas.microsoft.com/office/drawing/2014/main" id="{13F8C8B5-F6EC-489B-BD0F-CD89A73CAB3A}"/>
+              </a:ext>
+            </a:extLst>
+          </p:cNvPr>
+          <p:cNvSpPr>
+            <a:spLocks noGrp="1"/>
+          </p:cNvSpPr>
+          <p:nvPr>
+            <p:ph type="dt" sz="half" idx="10"/>
+          </p:nvPr>
+        </p:nvSpPr>
+        <p:spPr>
+          <a:xfrm>
+            <a:off x="838200" y="6356350"/>
+            <a:ext cx="2743200" cy="365125"/>
           </a:xfrm>
         </p:spPr>
         <p:txBody>
           <a:bodyPr/>
           <a:lstStyle/>
           <a:p>
-            <a:r>
-              <a:rPr lang="en-US" dirty="0"/>
-              <a:t>$3B</a:t>
-            </a:r>
-          </a:p>
-        </p:txBody>
-      </p:sp>
-      <p:sp>
-        <p:nvSpPr>
-          <p:cNvPr id="10" name="Text Placeholder 9">
-            <a:extLst>
-              <a:ext uri="{FF2B5EF4-FFF2-40B4-BE49-F238E27FC236}">
-                <a16:creationId xmlns:a16="http://schemas.microsoft.com/office/drawing/2014/main" id="{7C7E7B18-D05F-4C44-8718-8C671160FC98}"/>
-              </a:ext>
-            </a:extLst>
-          </p:cNvPr>
-          <p:cNvSpPr>
-            <a:spLocks noGrp="1"/>
-          </p:cNvSpPr>
-          <p:nvPr>
-            <p:ph type="body" idx="15"/>
-          </p:nvPr>
-        </p:nvSpPr>
-        <p:spPr>
-          <a:xfrm>
-            <a:off x="5475514" y="3064615"/>
-            <a:ext cx="1240971" cy="823912"/>
+            <a:endParaRPr lang="en-US" dirty="0"/>
+          </a:p>
+        </p:txBody>
+      </p:sp>
+      <p:sp>
+        <p:nvSpPr>
+          <p:cNvPr id="5" name="Footer Placeholder 4">
+            <a:extLst>
+              <a:ext uri="{FF2B5EF4-FFF2-40B4-BE49-F238E27FC236}">
+                <a16:creationId xmlns:a16="http://schemas.microsoft.com/office/drawing/2014/main" id="{11AEA823-8519-4F9D-81FA-3673131076FC}"/>
+              </a:ext>
+            </a:extLst>
+          </p:cNvPr>
+          <p:cNvSpPr>
+            <a:spLocks noGrp="1"/>
+          </p:cNvSpPr>
+          <p:nvPr>
+            <p:ph type="ftr" sz="quarter" idx="11"/>
+          </p:nvPr>
+        </p:nvSpPr>
+        <p:spPr>
+          <a:xfrm>
+            <a:off x="4038600" y="6356350"/>
+            <a:ext cx="4114800" cy="365125"/>
           </a:xfrm>
         </p:spPr>
         <p:txBody>
           <a:bodyPr/>
           <a:lstStyle/>
           <a:p>
-            <a:r>
-              <a:rPr lang="en-US" dirty="0"/>
-              <a:t>$2B</a:t>
-            </a:r>
-          </a:p>
-        </p:txBody>
-      </p:sp>
-      <p:sp>
-        <p:nvSpPr>
-          <p:cNvPr id="11" name="Text Placeholder 10">
-            <a:extLst>
-              <a:ext uri="{FF2B5EF4-FFF2-40B4-BE49-F238E27FC236}">
-                <a16:creationId xmlns:a16="http://schemas.microsoft.com/office/drawing/2014/main" id="{C4EAD5C6-02F0-4D27-8D85-1BD5EA833D6F}"/>
-              </a:ext>
-            </a:extLst>
-          </p:cNvPr>
-          <p:cNvSpPr>
-            <a:spLocks noGrp="1"/>
-          </p:cNvSpPr>
-          <p:nvPr>
-            <p:ph type="body" idx="16"/>
-          </p:nvPr>
-        </p:nvSpPr>
-        <p:spPr>
-          <a:xfrm>
-            <a:off x="8887174" y="3064615"/>
-            <a:ext cx="1240971" cy="823912"/>
+            <a:endParaRPr lang="en-US" dirty="0"/>
+          </a:p>
+        </p:txBody>
+      </p:sp>
+      <p:sp>
+        <p:nvSpPr>
+          <p:cNvPr id="6" name="Slide Number Placeholder 5">
+            <a:extLst>
+              <a:ext uri="{FF2B5EF4-FFF2-40B4-BE49-F238E27FC236}">
+                <a16:creationId xmlns:a16="http://schemas.microsoft.com/office/drawing/2014/main" id="{BAEFF51B-0E28-4171-AE7C-A31AAB42BC73}"/>
+              </a:ext>
+            </a:extLst>
+          </p:cNvPr>
+          <p:cNvSpPr>
+            <a:spLocks noGrp="1"/>
+          </p:cNvSpPr>
+          <p:nvPr>
+            <p:ph type="sldNum" sz="quarter" idx="12"/>
+          </p:nvPr>
+        </p:nvSpPr>
+        <p:spPr>
+          <a:xfrm>
+            <a:off x="8610600" y="6356350"/>
+            <a:ext cx="2743200" cy="365125"/>
           </a:xfrm>
         </p:spPr>
         <p:txBody>
           <a:bodyPr/>
           <a:lstStyle/>
           <a:p>
-            <a:r>
-              <a:rPr lang="en-US" dirty="0"/>
-              <a:t>$1B</a:t>
-            </a:r>
-          </a:p>
-        </p:txBody>
-      </p:sp>
-      <p:sp>
-        <p:nvSpPr>
-          <p:cNvPr id="19" name="Content Placeholder 18">
-            <a:extLst>
-              <a:ext uri="{FF2B5EF4-FFF2-40B4-BE49-F238E27FC236}">
-                <a16:creationId xmlns:a16="http://schemas.microsoft.com/office/drawing/2014/main" id="{791D6145-F7F7-43DE-A16B-BF4F9607D4E8}"/>
-              </a:ext>
-            </a:extLst>
-          </p:cNvPr>
-          <p:cNvSpPr>
-            <a:spLocks noGrp="1"/>
-          </p:cNvSpPr>
-          <p:nvPr>
-            <p:ph sz="half" idx="2"/>
-          </p:nvPr>
-        </p:nvSpPr>
-        <p:spPr>
-          <a:xfrm>
-            <a:off x="1129698" y="4824188"/>
-            <a:ext cx="3124093" cy="462927"/>
-          </a:xfrm>
-        </p:spPr>
-        <p:txBody>
-          <a:bodyPr/>
-          <a:lstStyle/>
-          <a:p>
-            <a:r>
-              <a:rPr lang="en-US" dirty="0"/>
-              <a:t>Opportunity to build</a:t>
-            </a:r>
-          </a:p>
-        </p:txBody>
-      </p:sp>
-      <p:sp>
-        <p:nvSpPr>
-          <p:cNvPr id="20" name="Content Placeholder 19">
-            <a:extLst>
-              <a:ext uri="{FF2B5EF4-FFF2-40B4-BE49-F238E27FC236}">
-                <a16:creationId xmlns:a16="http://schemas.microsoft.com/office/drawing/2014/main" id="{BC46925A-8382-42EB-891C-DBB4EAAA33F8}"/>
-              </a:ext>
-            </a:extLst>
-          </p:cNvPr>
-          <p:cNvSpPr>
-            <a:spLocks noGrp="1"/>
-          </p:cNvSpPr>
-          <p:nvPr>
-            <p:ph sz="quarter" idx="4"/>
-          </p:nvPr>
-        </p:nvSpPr>
-        <p:spPr>
-          <a:xfrm>
-            <a:off x="4526261" y="4824188"/>
-            <a:ext cx="3139479" cy="462927"/>
-          </a:xfrm>
-        </p:spPr>
-        <p:txBody>
-          <a:bodyPr/>
-          <a:lstStyle/>
-          <a:p>
-            <a:r>
-              <a:rPr lang="en-US" dirty="0"/>
-              <a:t>Freedom to invent</a:t>
-            </a:r>
-          </a:p>
-        </p:txBody>
-      </p:sp>
-      <p:sp>
-        <p:nvSpPr>
-          <p:cNvPr id="21" name="Content Placeholder 20">
-            <a:extLst>
-              <a:ext uri="{FF2B5EF4-FFF2-40B4-BE49-F238E27FC236}">
-                <a16:creationId xmlns:a16="http://schemas.microsoft.com/office/drawing/2014/main" id="{318AFADE-B54F-4988-8000-B9336A395336}"/>
-              </a:ext>
-            </a:extLst>
-          </p:cNvPr>
-          <p:cNvSpPr>
-            <a:spLocks noGrp="1"/>
-          </p:cNvSpPr>
-          <p:nvPr>
-            <p:ph sz="half" idx="14"/>
-          </p:nvPr>
-        </p:nvSpPr>
-        <p:spPr>
-          <a:xfrm>
-            <a:off x="7938210" y="4824188"/>
-            <a:ext cx="3124093" cy="462927"/>
-          </a:xfrm>
-        </p:spPr>
-        <p:txBody>
-          <a:bodyPr/>
-          <a:lstStyle/>
-          <a:p>
-            <a:r>
-              <a:rPr lang="en-US" dirty="0"/>
-              <a:t>Few competitors</a:t>
-            </a:r>
-          </a:p>
-        </p:txBody>
-      </p:sp>
-      <p:sp>
-        <p:nvSpPr>
-          <p:cNvPr id="22" name="Content Placeholder 21">
-            <a:extLst>
-              <a:ext uri="{FF2B5EF4-FFF2-40B4-BE49-F238E27FC236}">
-                <a16:creationId xmlns:a16="http://schemas.microsoft.com/office/drawing/2014/main" id="{F296843C-0ED0-4314-A6F0-DD60C828DDFB}"/>
-              </a:ext>
-            </a:extLst>
-          </p:cNvPr>
-          <p:cNvSpPr>
-            <a:spLocks noGrp="1"/>
-          </p:cNvSpPr>
-          <p:nvPr>
-            <p:ph sz="half" idx="17"/>
-          </p:nvPr>
-        </p:nvSpPr>
-        <p:spPr>
-          <a:xfrm>
-            <a:off x="1129698" y="5280763"/>
-            <a:ext cx="3124093" cy="462927"/>
-          </a:xfrm>
-        </p:spPr>
-        <p:txBody>
-          <a:bodyPr/>
-          <a:lstStyle/>
-          <a:p>
-            <a:r>
-              <a:rPr lang="en-US" dirty="0"/>
-              <a:t>Addressable market</a:t>
-            </a:r>
-          </a:p>
-        </p:txBody>
-      </p:sp>
-      <p:sp>
-        <p:nvSpPr>
-          <p:cNvPr id="23" name="Content Placeholder 22">
-            <a:extLst>
-              <a:ext uri="{FF2B5EF4-FFF2-40B4-BE49-F238E27FC236}">
-                <a16:creationId xmlns:a16="http://schemas.microsoft.com/office/drawing/2014/main" id="{649BF20C-562E-400E-BEA6-1D5F81F2FE44}"/>
-              </a:ext>
-            </a:extLst>
-          </p:cNvPr>
-          <p:cNvSpPr>
-            <a:spLocks noGrp="1"/>
-          </p:cNvSpPr>
-          <p:nvPr>
-            <p:ph sz="quarter" idx="18"/>
-          </p:nvPr>
-        </p:nvSpPr>
-        <p:spPr>
-          <a:xfrm>
-            <a:off x="4526261" y="5280763"/>
-            <a:ext cx="3139479" cy="462927"/>
-          </a:xfrm>
-        </p:spPr>
-        <p:txBody>
-          <a:bodyPr/>
-          <a:lstStyle/>
-          <a:p>
-            <a:r>
-              <a:rPr lang="en-US" dirty="0"/>
-              <a:t>Serviceable market</a:t>
-            </a:r>
-          </a:p>
-        </p:txBody>
-      </p:sp>
-      <p:sp>
-        <p:nvSpPr>
-          <p:cNvPr id="24" name="Content Placeholder 23">
-            <a:extLst>
-              <a:ext uri="{FF2B5EF4-FFF2-40B4-BE49-F238E27FC236}">
-                <a16:creationId xmlns:a16="http://schemas.microsoft.com/office/drawing/2014/main" id="{5AA25980-D334-4FC0-9091-936E53B8D321}"/>
-              </a:ext>
-            </a:extLst>
-          </p:cNvPr>
-          <p:cNvSpPr>
-            <a:spLocks noGrp="1"/>
-          </p:cNvSpPr>
-          <p:nvPr>
-            <p:ph sz="half" idx="19"/>
-          </p:nvPr>
-        </p:nvSpPr>
-        <p:spPr>
-          <a:xfrm>
-            <a:off x="7938210" y="5280763"/>
-            <a:ext cx="3124093" cy="462927"/>
-          </a:xfrm>
-        </p:spPr>
-        <p:txBody>
-          <a:bodyPr/>
-          <a:lstStyle/>
-          <a:p>
-            <a:r>
-              <a:rPr lang="en-US" dirty="0"/>
-              <a:t>Obtainable market</a:t>
-            </a:r>
-          </a:p>
-        </p:txBody>
-      </p:sp>
-      <p:sp>
-        <p:nvSpPr>
-          <p:cNvPr id="5" name="Date Placeholder 4">
-            <a:extLst>
-              <a:ext uri="{FF2B5EF4-FFF2-40B4-BE49-F238E27FC236}">
-                <a16:creationId xmlns:a16="http://schemas.microsoft.com/office/drawing/2014/main" id="{79C22D8C-87A6-47AD-8D29-FBBA539EDBE2}"/>
-              </a:ext>
-            </a:extLst>
-          </p:cNvPr>
-          <p:cNvSpPr>
-            <a:spLocks noGrp="1"/>
-          </p:cNvSpPr>
-          <p:nvPr>
-            <p:ph type="dt" sz="half" idx="10"/>
-          </p:nvPr>
-        </p:nvSpPr>
-        <p:spPr>
-          <a:xfrm>
-            <a:off x="838200" y="6356350"/>
-            <a:ext cx="2743200" cy="365125"/>
-          </a:xfrm>
-        </p:spPr>
-        <p:txBody>
-          <a:bodyPr/>
-          <a:lstStyle/>
-          <a:p>
-            <a:r>
-              <a:rPr lang="en-US" dirty="0"/>
-              <a:t>20XX</a:t>
-            </a:r>
-          </a:p>
-        </p:txBody>
-      </p:sp>
-      <p:sp>
-        <p:nvSpPr>
-          <p:cNvPr id="6" name="Footer Placeholder 5">
-            <a:extLst>
-              <a:ext uri="{FF2B5EF4-FFF2-40B4-BE49-F238E27FC236}">
-                <a16:creationId xmlns:a16="http://schemas.microsoft.com/office/drawing/2014/main" id="{4D346909-C2E0-4F1D-90FC-F5E1D8DFB515}"/>
-              </a:ext>
-            </a:extLst>
-          </p:cNvPr>
-          <p:cNvSpPr>
-            <a:spLocks noGrp="1"/>
-          </p:cNvSpPr>
-          <p:nvPr>
-            <p:ph type="ftr" sz="quarter" idx="11"/>
-          </p:nvPr>
-        </p:nvSpPr>
-        <p:spPr>
-          <a:xfrm>
-            <a:off x="4038600" y="6356350"/>
-            <a:ext cx="4114800" cy="365125"/>
-          </a:xfrm>
-        </p:spPr>
-        <p:txBody>
-          <a:bodyPr/>
-          <a:lstStyle/>
-          <a:p>
-            <a:r>
-              <a:rPr lang="en-US" dirty="0"/>
-              <a:t>Pitch Deck</a:t>
-            </a:r>
-          </a:p>
-        </p:txBody>
-      </p:sp>
-      <p:sp>
-        <p:nvSpPr>
-          <p:cNvPr id="7" name="Slide Number Placeholder 6">
-            <a:extLst>
-              <a:ext uri="{FF2B5EF4-FFF2-40B4-BE49-F238E27FC236}">
-                <a16:creationId xmlns:a16="http://schemas.microsoft.com/office/drawing/2014/main" id="{EBC02F21-4E3C-469E-B11C-9214231082D3}"/>
-              </a:ext>
-            </a:extLst>
-          </p:cNvPr>
-          <p:cNvSpPr>
-            <a:spLocks noGrp="1"/>
-          </p:cNvSpPr>
-          <p:nvPr>
-            <p:ph type="sldNum" sz="quarter" idx="12"/>
-          </p:nvPr>
-        </p:nvSpPr>
-        <p:spPr>
-          <a:xfrm>
-            <a:off x="8610600" y="6356350"/>
-            <a:ext cx="2743200" cy="365125"/>
-          </a:xfrm>
-        </p:spPr>
-        <p:txBody>
-          <a:bodyPr/>
-          <a:lstStyle/>
-          <a:p>
-            <a:fld id="{B5CEABB6-07DC-46E8-9B57-56EC44A396E5}" type="slidenum">
-              <a:rPr lang="en-US" smtClean="0"/>
-              <a:pPr/>
-              <a:t>13</a:t>
-            </a:fld>
             <a:endParaRPr lang="en-US" dirty="0"/>
           </a:p>
         </p:txBody>
@@ -18190,7 +18288,7 @@
     </p:spTree>
     <p:extLst>
       <p:ext uri="{BB962C8B-B14F-4D97-AF65-F5344CB8AC3E}">
-        <p14:creationId xmlns:p14="http://schemas.microsoft.com/office/powerpoint/2010/main" val="404854312"/>
+        <p14:creationId xmlns:p14="http://schemas.microsoft.com/office/powerpoint/2010/main" val="920173932"/>
       </p:ext>
     </p:extLst>
   </p:cSld>
@@ -18222,615 +18320,6 @@
           <p:cNvPr id="2" name="Title 1">
             <a:extLst>
               <a:ext uri="{FF2B5EF4-FFF2-40B4-BE49-F238E27FC236}">
-                <a16:creationId xmlns:a16="http://schemas.microsoft.com/office/drawing/2014/main" id="{5CE54ABB-4929-4810-950B-2DAEA0A5BAB4}"/>
-              </a:ext>
-            </a:extLst>
-          </p:cNvPr>
-          <p:cNvSpPr>
-            <a:spLocks noGrp="1"/>
-          </p:cNvSpPr>
-          <p:nvPr>
-            <p:ph type="title"/>
-          </p:nvPr>
-        </p:nvSpPr>
-        <p:spPr>
-          <a:xfrm>
-            <a:off x="1885156" y="892177"/>
-            <a:ext cx="8421688" cy="1325563"/>
-          </a:xfrm>
-        </p:spPr>
-        <p:txBody>
-          <a:bodyPr/>
-          <a:lstStyle/>
-          <a:p>
-            <a:r>
-              <a:rPr lang="en-US" dirty="0"/>
-              <a:t>MARKET OVERVIEW</a:t>
-            </a:r>
-          </a:p>
-        </p:txBody>
-      </p:sp>
-      <p:sp>
-        <p:nvSpPr>
-          <p:cNvPr id="4" name="Text Placeholder 3">
-            <a:extLst>
-              <a:ext uri="{FF2B5EF4-FFF2-40B4-BE49-F238E27FC236}">
-                <a16:creationId xmlns:a16="http://schemas.microsoft.com/office/drawing/2014/main" id="{A112B089-A8F9-45B1-BE6E-EAC10163F082}"/>
-              </a:ext>
-            </a:extLst>
-          </p:cNvPr>
-          <p:cNvSpPr>
-            <a:spLocks noGrp="1"/>
-          </p:cNvSpPr>
-          <p:nvPr>
-            <p:ph type="body" idx="1"/>
-          </p:nvPr>
-        </p:nvSpPr>
-        <p:spPr>
-          <a:xfrm>
-            <a:off x="1243104" y="2776936"/>
-            <a:ext cx="2882475" cy="823912"/>
-          </a:xfrm>
-        </p:spPr>
-        <p:txBody>
-          <a:bodyPr/>
-          <a:lstStyle/>
-          <a:p>
-            <a:r>
-              <a:rPr lang="en-US" dirty="0"/>
-              <a:t>$3 Billion</a:t>
-            </a:r>
-          </a:p>
-        </p:txBody>
-      </p:sp>
-      <p:sp>
-        <p:nvSpPr>
-          <p:cNvPr id="7" name="Content Placeholder 6">
-            <a:extLst>
-              <a:ext uri="{FF2B5EF4-FFF2-40B4-BE49-F238E27FC236}">
-                <a16:creationId xmlns:a16="http://schemas.microsoft.com/office/drawing/2014/main" id="{6B35F89A-6CDF-41F7-BD87-18B45BD7330B}"/>
-              </a:ext>
-            </a:extLst>
-          </p:cNvPr>
-          <p:cNvSpPr>
-            <a:spLocks noGrp="1"/>
-          </p:cNvSpPr>
-          <p:nvPr>
-            <p:ph sz="half" idx="2"/>
-          </p:nvPr>
-        </p:nvSpPr>
-        <p:spPr>
-          <a:xfrm>
-            <a:off x="1243104" y="3834606"/>
-            <a:ext cx="2882475" cy="1997867"/>
-          </a:xfrm>
-        </p:spPr>
-        <p:txBody>
-          <a:bodyPr vert="horz" lIns="91440" tIns="45720" rIns="91440" bIns="45720" rtlCol="0" anchor="t">
-            <a:normAutofit/>
-          </a:bodyPr>
-          <a:lstStyle/>
-          <a:p>
-            <a:r>
-              <a:rPr lang="en-US" noProof="1"/>
-              <a:t>Freedom to invent</a:t>
-            </a:r>
-            <a:endParaRPr lang="en-US" dirty="0"/>
-          </a:p>
-          <a:p>
-            <a:r>
-              <a:rPr lang="en-US" noProof="1"/>
-              <a:t>Selectively inclusive market</a:t>
-            </a:r>
-          </a:p>
-          <a:p>
-            <a:r>
-              <a:rPr lang="en-US" noProof="1"/>
-              <a:t>Serviceable available market</a:t>
-            </a:r>
-          </a:p>
-          <a:p>
-            <a:endParaRPr lang="en-US" noProof="1"/>
-          </a:p>
-        </p:txBody>
-      </p:sp>
-      <p:sp>
-        <p:nvSpPr>
-          <p:cNvPr id="6" name="Text Placeholder 5">
-            <a:extLst>
-              <a:ext uri="{FF2B5EF4-FFF2-40B4-BE49-F238E27FC236}">
-                <a16:creationId xmlns:a16="http://schemas.microsoft.com/office/drawing/2014/main" id="{0FE22F9B-4BF8-41DC-8F1C-836B546E59AD}"/>
-              </a:ext>
-            </a:extLst>
-          </p:cNvPr>
-          <p:cNvSpPr>
-            <a:spLocks noGrp="1"/>
-          </p:cNvSpPr>
-          <p:nvPr>
-            <p:ph type="body" sz="quarter" idx="3"/>
-          </p:nvPr>
-        </p:nvSpPr>
-        <p:spPr>
-          <a:xfrm>
-            <a:off x="4647665" y="2776936"/>
-            <a:ext cx="2896671" cy="823912"/>
-          </a:xfrm>
-        </p:spPr>
-        <p:txBody>
-          <a:bodyPr/>
-          <a:lstStyle/>
-          <a:p>
-            <a:r>
-              <a:rPr lang="en-US" dirty="0"/>
-              <a:t>$1 Billion</a:t>
-            </a:r>
-          </a:p>
-        </p:txBody>
-      </p:sp>
-      <p:sp>
-        <p:nvSpPr>
-          <p:cNvPr id="3" name="Text Placeholder 2">
-            <a:extLst>
-              <a:ext uri="{FF2B5EF4-FFF2-40B4-BE49-F238E27FC236}">
-                <a16:creationId xmlns:a16="http://schemas.microsoft.com/office/drawing/2014/main" id="{D5E1C399-8F48-44F5-9461-3C89866D4CE1}"/>
-              </a:ext>
-            </a:extLst>
-          </p:cNvPr>
-          <p:cNvSpPr>
-            <a:spLocks noGrp="1"/>
-          </p:cNvSpPr>
-          <p:nvPr>
-            <p:ph sz="quarter" idx="4"/>
-          </p:nvPr>
-        </p:nvSpPr>
-        <p:spPr>
-          <a:xfrm>
-            <a:off x="4647665" y="3834606"/>
-            <a:ext cx="2896671" cy="1997867"/>
-          </a:xfrm>
-        </p:spPr>
-        <p:txBody>
-          <a:bodyPr/>
-          <a:lstStyle/>
-          <a:p>
-            <a:r>
-              <a:rPr lang="en-US" dirty="0"/>
-              <a:t>Opportunity to build</a:t>
-            </a:r>
-          </a:p>
-          <a:p>
-            <a:r>
-              <a:rPr lang="en-US" dirty="0"/>
-              <a:t>Fully inclusive market</a:t>
-            </a:r>
-          </a:p>
-          <a:p>
-            <a:r>
-              <a:rPr lang="en-US" dirty="0"/>
-              <a:t>Total addressable market</a:t>
-            </a:r>
-          </a:p>
-        </p:txBody>
-      </p:sp>
-      <p:sp>
-        <p:nvSpPr>
-          <p:cNvPr id="5" name="Content Placeholder 4">
-            <a:extLst>
-              <a:ext uri="{FF2B5EF4-FFF2-40B4-BE49-F238E27FC236}">
-                <a16:creationId xmlns:a16="http://schemas.microsoft.com/office/drawing/2014/main" id="{CF515C5D-2CDB-4E66-B2B8-1451BC44247F}"/>
-              </a:ext>
-            </a:extLst>
-          </p:cNvPr>
-          <p:cNvSpPr>
-            <a:spLocks noGrp="1"/>
-          </p:cNvSpPr>
-          <p:nvPr>
-            <p:ph type="body" idx="13"/>
-          </p:nvPr>
-        </p:nvSpPr>
-        <p:spPr>
-          <a:xfrm>
-            <a:off x="8066421" y="2776936"/>
-            <a:ext cx="2882475" cy="823912"/>
-          </a:xfrm>
-        </p:spPr>
-        <p:txBody>
-          <a:bodyPr vert="horz" lIns="91440" tIns="45720" rIns="91440" bIns="45720" rtlCol="0" anchor="b">
-            <a:normAutofit/>
-          </a:bodyPr>
-          <a:lstStyle/>
-          <a:p>
-            <a:r>
-              <a:rPr lang="en-US" dirty="0"/>
-              <a:t>$2 Billion</a:t>
-            </a:r>
-          </a:p>
-        </p:txBody>
-      </p:sp>
-      <p:sp>
-        <p:nvSpPr>
-          <p:cNvPr id="8" name="Text Placeholder 7">
-            <a:extLst>
-              <a:ext uri="{FF2B5EF4-FFF2-40B4-BE49-F238E27FC236}">
-                <a16:creationId xmlns:a16="http://schemas.microsoft.com/office/drawing/2014/main" id="{E92B9716-8D44-4864-8986-720957B34362}"/>
-              </a:ext>
-            </a:extLst>
-          </p:cNvPr>
-          <p:cNvSpPr>
-            <a:spLocks noGrp="1"/>
-          </p:cNvSpPr>
-          <p:nvPr>
-            <p:ph sz="half" idx="14"/>
-          </p:nvPr>
-        </p:nvSpPr>
-        <p:spPr>
-          <a:xfrm>
-            <a:off x="8066421" y="3834606"/>
-            <a:ext cx="2882475" cy="1997867"/>
-          </a:xfrm>
-        </p:spPr>
-        <p:txBody>
-          <a:bodyPr/>
-          <a:lstStyle/>
-          <a:p>
-            <a:r>
-              <a:rPr lang="en-US" noProof="1"/>
-              <a:t>Few competitors</a:t>
-            </a:r>
-          </a:p>
-          <a:p>
-            <a:r>
-              <a:rPr lang="en-US" noProof="1"/>
-              <a:t>Specifically targeted market</a:t>
-            </a:r>
-          </a:p>
-          <a:p>
-            <a:r>
-              <a:rPr lang="en-US" noProof="1"/>
-              <a:t>Serviceable obtainable market</a:t>
-            </a:r>
-            <a:endParaRPr lang="en-US" dirty="0"/>
-          </a:p>
-          <a:p>
-            <a:endParaRPr lang="en-US" dirty="0"/>
-          </a:p>
-        </p:txBody>
-      </p:sp>
-      <p:sp>
-        <p:nvSpPr>
-          <p:cNvPr id="9" name="Date Placeholder 8">
-            <a:extLst>
-              <a:ext uri="{FF2B5EF4-FFF2-40B4-BE49-F238E27FC236}">
-                <a16:creationId xmlns:a16="http://schemas.microsoft.com/office/drawing/2014/main" id="{7B78F7A0-88C5-4940-B21C-099F472F39F9}"/>
-              </a:ext>
-            </a:extLst>
-          </p:cNvPr>
-          <p:cNvSpPr>
-            <a:spLocks noGrp="1"/>
-          </p:cNvSpPr>
-          <p:nvPr>
-            <p:ph type="dt" sz="half" idx="10"/>
-          </p:nvPr>
-        </p:nvSpPr>
-        <p:spPr>
-          <a:xfrm>
-            <a:off x="838200" y="6356350"/>
-            <a:ext cx="2743200" cy="365125"/>
-          </a:xfrm>
-        </p:spPr>
-        <p:txBody>
-          <a:bodyPr/>
-          <a:lstStyle/>
-          <a:p>
-            <a:r>
-              <a:rPr lang="en-US" dirty="0"/>
-              <a:t>20XX</a:t>
-            </a:r>
-          </a:p>
-        </p:txBody>
-      </p:sp>
-      <p:sp>
-        <p:nvSpPr>
-          <p:cNvPr id="10" name="Footer Placeholder 9">
-            <a:extLst>
-              <a:ext uri="{FF2B5EF4-FFF2-40B4-BE49-F238E27FC236}">
-                <a16:creationId xmlns:a16="http://schemas.microsoft.com/office/drawing/2014/main" id="{D2186069-FC8E-433D-9BB4-942220CE8CFB}"/>
-              </a:ext>
-            </a:extLst>
-          </p:cNvPr>
-          <p:cNvSpPr>
-            <a:spLocks noGrp="1"/>
-          </p:cNvSpPr>
-          <p:nvPr>
-            <p:ph type="ftr" sz="quarter" idx="11"/>
-          </p:nvPr>
-        </p:nvSpPr>
-        <p:spPr>
-          <a:xfrm>
-            <a:off x="4038600" y="6356350"/>
-            <a:ext cx="4114800" cy="365125"/>
-          </a:xfrm>
-        </p:spPr>
-        <p:txBody>
-          <a:bodyPr/>
-          <a:lstStyle/>
-          <a:p>
-            <a:r>
-              <a:rPr lang="en-US" dirty="0"/>
-              <a:t>Pitch Deck</a:t>
-            </a:r>
-          </a:p>
-        </p:txBody>
-      </p:sp>
-      <p:sp>
-        <p:nvSpPr>
-          <p:cNvPr id="11" name="Slide Number Placeholder 10">
-            <a:extLst>
-              <a:ext uri="{FF2B5EF4-FFF2-40B4-BE49-F238E27FC236}">
-                <a16:creationId xmlns:a16="http://schemas.microsoft.com/office/drawing/2014/main" id="{BAD5B6F4-0A90-447A-A1AE-D75C934B6B29}"/>
-              </a:ext>
-            </a:extLst>
-          </p:cNvPr>
-          <p:cNvSpPr>
-            <a:spLocks noGrp="1"/>
-          </p:cNvSpPr>
-          <p:nvPr>
-            <p:ph type="sldNum" sz="quarter" idx="12"/>
-          </p:nvPr>
-        </p:nvSpPr>
-        <p:spPr>
-          <a:xfrm>
-            <a:off x="8610600" y="6356350"/>
-            <a:ext cx="2743200" cy="365125"/>
-          </a:xfrm>
-        </p:spPr>
-        <p:txBody>
-          <a:bodyPr/>
-          <a:lstStyle/>
-          <a:p>
-            <a:fld id="{B5CEABB6-07DC-46E8-9B57-56EC44A396E5}" type="slidenum">
-              <a:rPr lang="en-US" smtClean="0"/>
-              <a:pPr/>
-              <a:t>14</a:t>
-            </a:fld>
-            <a:endParaRPr lang="en-US" dirty="0"/>
-          </a:p>
-        </p:txBody>
-      </p:sp>
-    </p:spTree>
-    <p:extLst>
-      <p:ext uri="{BB962C8B-B14F-4D97-AF65-F5344CB8AC3E}">
-        <p14:creationId xmlns:p14="http://schemas.microsoft.com/office/powerpoint/2010/main" val="2121178069"/>
-      </p:ext>
-    </p:extLst>
-  </p:cSld>
-  <p:clrMapOvr>
-    <a:masterClrMapping/>
-  </p:clrMapOvr>
-</p:sld>
-</file>
-
-<file path=ppt/slides/slide15.xml><?xml version="1.0" encoding="utf-8"?>
-<p:sld xmlns:a="http://schemas.openxmlformats.org/drawingml/2006/main" xmlns:r="http://schemas.openxmlformats.org/officeDocument/2006/relationships" xmlns:p="http://schemas.openxmlformats.org/presentationml/2006/main">
-  <p:cSld>
-    <p:spTree>
-      <p:nvGrpSpPr>
-        <p:cNvPr id="1" name=""/>
-        <p:cNvGrpSpPr/>
-        <p:nvPr/>
-      </p:nvGrpSpPr>
-      <p:grpSpPr>
-        <a:xfrm>
-          <a:off x="0" y="0"/>
-          <a:ext cx="0" cy="0"/>
-          <a:chOff x="0" y="0"/>
-          <a:chExt cx="0" cy="0"/>
-        </a:xfrm>
-      </p:grpSpPr>
-      <p:sp>
-        <p:nvSpPr>
-          <p:cNvPr id="2" name="Title 1">
-            <a:extLst>
-              <a:ext uri="{FF2B5EF4-FFF2-40B4-BE49-F238E27FC236}">
-                <a16:creationId xmlns:a16="http://schemas.microsoft.com/office/drawing/2014/main" id="{38FFA191-5CCC-43CB-BD83-4F80ED362608}"/>
-              </a:ext>
-            </a:extLst>
-          </p:cNvPr>
-          <p:cNvSpPr>
-            <a:spLocks noGrp="1"/>
-          </p:cNvSpPr>
-          <p:nvPr>
-            <p:ph type="title"/>
-          </p:nvPr>
-        </p:nvSpPr>
-        <p:spPr>
-          <a:xfrm>
-            <a:off x="5476875" y="1671639"/>
-            <a:ext cx="5111750" cy="1204912"/>
-          </a:xfrm>
-        </p:spPr>
-        <p:txBody>
-          <a:bodyPr/>
-          <a:lstStyle/>
-          <a:p>
-            <a:r>
-              <a:rPr lang="en-US" dirty="0"/>
-              <a:t>SUMMARY</a:t>
-            </a:r>
-          </a:p>
-        </p:txBody>
-      </p:sp>
-      <p:sp>
-        <p:nvSpPr>
-          <p:cNvPr id="3" name="Content Placeholder 2">
-            <a:extLst>
-              <a:ext uri="{FF2B5EF4-FFF2-40B4-BE49-F238E27FC236}">
-                <a16:creationId xmlns:a16="http://schemas.microsoft.com/office/drawing/2014/main" id="{E14BBEAF-B516-45F4-9EF6-A9F65111580F}"/>
-              </a:ext>
-            </a:extLst>
-          </p:cNvPr>
-          <p:cNvSpPr>
-            <a:spLocks noGrp="1"/>
-          </p:cNvSpPr>
-          <p:nvPr>
-            <p:ph type="body" idx="1"/>
-          </p:nvPr>
-        </p:nvSpPr>
-        <p:spPr>
-          <a:xfrm>
-            <a:off x="5476875" y="3682546"/>
-            <a:ext cx="5111750" cy="1525588"/>
-          </a:xfrm>
-        </p:spPr>
-        <p:txBody>
-          <a:bodyPr vert="horz" lIns="91440" tIns="45720" rIns="91440" bIns="45720" rtlCol="0" anchor="b">
-            <a:normAutofit/>
-          </a:bodyPr>
-          <a:lstStyle/>
-          <a:p>
-            <a:r>
-              <a:rPr lang="en-US" dirty="0"/>
-              <a:t>At Contoso, we believe in giving 110%. By using our next-generation data architecture, we help organizations virtually manage agile workflows. We thrive because of our market knowledge and great team behind our product. As our CEO says, "Efficiencies will come from proactively transforming how we do business.”</a:t>
-            </a:r>
-          </a:p>
-        </p:txBody>
-      </p:sp>
-      <p:sp>
-        <p:nvSpPr>
-          <p:cNvPr id="4" name="Date Placeholder 3">
-            <a:extLst>
-              <a:ext uri="{FF2B5EF4-FFF2-40B4-BE49-F238E27FC236}">
-                <a16:creationId xmlns:a16="http://schemas.microsoft.com/office/drawing/2014/main" id="{13F8C8B5-F6EC-489B-BD0F-CD89A73CAB3A}"/>
-              </a:ext>
-            </a:extLst>
-          </p:cNvPr>
-          <p:cNvSpPr>
-            <a:spLocks noGrp="1"/>
-          </p:cNvSpPr>
-          <p:nvPr>
-            <p:ph type="dt" sz="half" idx="10"/>
-          </p:nvPr>
-        </p:nvSpPr>
-        <p:spPr>
-          <a:xfrm>
-            <a:off x="838200" y="6356350"/>
-            <a:ext cx="2743200" cy="365125"/>
-          </a:xfrm>
-        </p:spPr>
-        <p:txBody>
-          <a:bodyPr/>
-          <a:lstStyle/>
-          <a:p>
-            <a:r>
-              <a:rPr lang="en-US" dirty="0"/>
-              <a:t>20XX</a:t>
-            </a:r>
-          </a:p>
-        </p:txBody>
-      </p:sp>
-      <p:sp>
-        <p:nvSpPr>
-          <p:cNvPr id="5" name="Footer Placeholder 4">
-            <a:extLst>
-              <a:ext uri="{FF2B5EF4-FFF2-40B4-BE49-F238E27FC236}">
-                <a16:creationId xmlns:a16="http://schemas.microsoft.com/office/drawing/2014/main" id="{11AEA823-8519-4F9D-81FA-3673131076FC}"/>
-              </a:ext>
-            </a:extLst>
-          </p:cNvPr>
-          <p:cNvSpPr>
-            <a:spLocks noGrp="1"/>
-          </p:cNvSpPr>
-          <p:nvPr>
-            <p:ph type="ftr" sz="quarter" idx="11"/>
-          </p:nvPr>
-        </p:nvSpPr>
-        <p:spPr>
-          <a:xfrm>
-            <a:off x="4038600" y="6356350"/>
-            <a:ext cx="4114800" cy="365125"/>
-          </a:xfrm>
-        </p:spPr>
-        <p:txBody>
-          <a:bodyPr/>
-          <a:lstStyle/>
-          <a:p>
-            <a:r>
-              <a:rPr lang="en-US" dirty="0"/>
-              <a:t>Pitch Deck</a:t>
-            </a:r>
-          </a:p>
-        </p:txBody>
-      </p:sp>
-      <p:sp>
-        <p:nvSpPr>
-          <p:cNvPr id="6" name="Slide Number Placeholder 5">
-            <a:extLst>
-              <a:ext uri="{FF2B5EF4-FFF2-40B4-BE49-F238E27FC236}">
-                <a16:creationId xmlns:a16="http://schemas.microsoft.com/office/drawing/2014/main" id="{BAEFF51B-0E28-4171-AE7C-A31AAB42BC73}"/>
-              </a:ext>
-            </a:extLst>
-          </p:cNvPr>
-          <p:cNvSpPr>
-            <a:spLocks noGrp="1"/>
-          </p:cNvSpPr>
-          <p:nvPr>
-            <p:ph type="sldNum" sz="quarter" idx="12"/>
-          </p:nvPr>
-        </p:nvSpPr>
-        <p:spPr>
-          <a:xfrm>
-            <a:off x="8610600" y="6356350"/>
-            <a:ext cx="2743200" cy="365125"/>
-          </a:xfrm>
-        </p:spPr>
-        <p:txBody>
-          <a:bodyPr/>
-          <a:lstStyle/>
-          <a:p>
-            <a:fld id="{B5CEABB6-07DC-46E8-9B57-56EC44A396E5}" type="slidenum">
-              <a:rPr lang="en-US" smtClean="0"/>
-              <a:pPr/>
-              <a:t>15</a:t>
-            </a:fld>
-            <a:endParaRPr lang="en-US" dirty="0"/>
-          </a:p>
-        </p:txBody>
-      </p:sp>
-    </p:spTree>
-    <p:extLst>
-      <p:ext uri="{BB962C8B-B14F-4D97-AF65-F5344CB8AC3E}">
-        <p14:creationId xmlns:p14="http://schemas.microsoft.com/office/powerpoint/2010/main" val="920173932"/>
-      </p:ext>
-    </p:extLst>
-  </p:cSld>
-  <p:clrMapOvr>
-    <a:masterClrMapping/>
-  </p:clrMapOvr>
-</p:sld>
-</file>
-
-<file path=ppt/slides/slide16.xml><?xml version="1.0" encoding="utf-8"?>
-<p:sld xmlns:a="http://schemas.openxmlformats.org/drawingml/2006/main" xmlns:r="http://schemas.openxmlformats.org/officeDocument/2006/relationships" xmlns:p="http://schemas.openxmlformats.org/presentationml/2006/main">
-  <p:cSld>
-    <p:spTree>
-      <p:nvGrpSpPr>
-        <p:cNvPr id="1" name=""/>
-        <p:cNvGrpSpPr/>
-        <p:nvPr/>
-      </p:nvGrpSpPr>
-      <p:grpSpPr>
-        <a:xfrm>
-          <a:off x="0" y="0"/>
-          <a:ext cx="0" cy="0"/>
-          <a:chOff x="0" y="0"/>
-          <a:chExt cx="0" cy="0"/>
-        </a:xfrm>
-      </p:grpSpPr>
-      <p:sp>
-        <p:nvSpPr>
-          <p:cNvPr id="2" name="Title 1">
-            <a:extLst>
-              <a:ext uri="{FF2B5EF4-FFF2-40B4-BE49-F238E27FC236}">
                 <a16:creationId xmlns:a16="http://schemas.microsoft.com/office/drawing/2014/main" id="{BCCAEE93-8585-46D4-A7EC-F184E317CB2E}"/>
               </a:ext>
             </a:extLst>
@@ -18887,28 +18376,7 @@
           </a:bodyPr>
           <a:lstStyle/>
           <a:p>
-            <a:r>
-              <a:rPr lang="en-US" dirty="0"/>
-              <a:t>Mirjam Nilsson​</a:t>
-            </a:r>
-          </a:p>
-          <a:p>
-            <a:r>
-              <a:rPr lang="en-US" dirty="0"/>
-              <a:t>206-555-0146</a:t>
-            </a:r>
-          </a:p>
-          <a:p>
-            <a:r>
-              <a:rPr lang="en-US" dirty="0"/>
-              <a:t>mirjam@contoso.com</a:t>
-            </a:r>
-          </a:p>
-          <a:p>
-            <a:r>
-              <a:rPr lang="en-US" dirty="0"/>
-              <a:t>www.contoso.com</a:t>
-            </a:r>
+            <a:endParaRPr lang="en-US" dirty="0"/>
           </a:p>
         </p:txBody>
       </p:sp>
@@ -18938,10 +18406,7 @@
           <a:bodyPr/>
           <a:lstStyle/>
           <a:p>
-            <a:r>
-              <a:rPr lang="en-US" dirty="0"/>
-              <a:t>20XX</a:t>
-            </a:r>
+            <a:endParaRPr lang="en-US" dirty="0"/>
           </a:p>
         </p:txBody>
       </p:sp>
@@ -18971,10 +18436,7 @@
           <a:bodyPr/>
           <a:lstStyle/>
           <a:p>
-            <a:r>
-              <a:rPr lang="en-US" dirty="0"/>
-              <a:t>Pitch Deck</a:t>
-            </a:r>
+            <a:endParaRPr lang="en-US" dirty="0"/>
           </a:p>
         </p:txBody>
       </p:sp>
@@ -19004,11 +18466,6 @@
           <a:bodyPr/>
           <a:lstStyle/>
           <a:p>
-            <a:fld id="{B5CEABB6-07DC-46E8-9B57-56EC44A396E5}" type="slidenum">
-              <a:rPr lang="en-US" smtClean="0"/>
-              <a:pPr/>
-              <a:t>16</a:t>
-            </a:fld>
             <a:endParaRPr lang="en-US" dirty="0"/>
           </a:p>
         </p:txBody>
@@ -19100,10 +18557,6 @@
           <a:bodyPr/>
           <a:lstStyle/>
           <a:p>
-            <a:r>
-              <a:rPr lang="en-US"/>
-              <a:t>20XX</a:t>
-            </a:r>
             <a:endParaRPr lang="en-US" dirty="0"/>
           </a:p>
         </p:txBody>
@@ -19129,10 +18582,6 @@
           <a:bodyPr/>
           <a:lstStyle/>
           <a:p>
-            <a:r>
-              <a:rPr lang="en-US"/>
-              <a:t>Pitch Deck</a:t>
-            </a:r>
             <a:endParaRPr lang="en-US" dirty="0"/>
           </a:p>
         </p:txBody>
@@ -19158,10 +18607,6 @@
           <a:bodyPr/>
           <a:lstStyle/>
           <a:p>
-            <a:fld id="{B5CEABB6-07DC-46E8-9B57-56EC44A396E5}" type="slidenum">
-              <a:rPr lang="en-US" smtClean="0"/>
-              <a:t>2</a:t>
-            </a:fld>
             <a:endParaRPr lang="en-US" dirty="0"/>
           </a:p>
         </p:txBody>
@@ -19339,10 +18784,7 @@
           <a:bodyPr/>
           <a:lstStyle/>
           <a:p>
-            <a:r>
-              <a:rPr lang="en-US" dirty="0"/>
-              <a:t>20XX</a:t>
-            </a:r>
+            <a:endParaRPr lang="en-US" dirty="0"/>
           </a:p>
         </p:txBody>
       </p:sp>
@@ -19372,10 +18814,7 @@
           <a:bodyPr/>
           <a:lstStyle/>
           <a:p>
-            <a:r>
-              <a:rPr lang="en-US" dirty="0"/>
-              <a:t>Pitch Deck</a:t>
-            </a:r>
+            <a:endParaRPr lang="en-US" dirty="0"/>
           </a:p>
         </p:txBody>
       </p:sp>
@@ -19405,11 +18844,6 @@
           <a:bodyPr/>
           <a:lstStyle/>
           <a:p>
-            <a:fld id="{19B51A1E-902D-48AF-9020-955120F399B6}" type="slidenum">
-              <a:rPr lang="en-US" smtClean="0"/>
-              <a:pPr/>
-              <a:t>3</a:t>
-            </a:fld>
             <a:endParaRPr lang="en-US" dirty="0"/>
           </a:p>
         </p:txBody>
@@ -19790,10 +19224,7 @@
           <a:bodyPr/>
           <a:lstStyle/>
           <a:p>
-            <a:r>
-              <a:rPr lang="en-US" dirty="0"/>
-              <a:t>20XX</a:t>
-            </a:r>
+            <a:endParaRPr lang="en-US" dirty="0"/>
           </a:p>
         </p:txBody>
       </p:sp>
@@ -19823,10 +19254,7 @@
           <a:bodyPr/>
           <a:lstStyle/>
           <a:p>
-            <a:r>
-              <a:rPr lang="en-US" dirty="0"/>
-              <a:t>Pitch Deck</a:t>
-            </a:r>
+            <a:endParaRPr lang="en-US" dirty="0"/>
           </a:p>
         </p:txBody>
       </p:sp>
@@ -20164,10 +19592,7 @@
           <a:bodyPr/>
           <a:lstStyle/>
           <a:p>
-            <a:r>
-              <a:rPr lang="en-US" dirty="0"/>
-              <a:t>20XX</a:t>
-            </a:r>
+            <a:endParaRPr lang="en-US" dirty="0"/>
           </a:p>
         </p:txBody>
       </p:sp>
@@ -20197,10 +19622,7 @@
           <a:bodyPr/>
           <a:lstStyle/>
           <a:p>
-            <a:r>
-              <a:rPr lang="en-US" dirty="0"/>
-              <a:t>Pitch Deck</a:t>
-            </a:r>
+            <a:endParaRPr lang="en-US" dirty="0"/>
           </a:p>
         </p:txBody>
       </p:sp>
@@ -20230,11 +19652,6 @@
           <a:bodyPr/>
           <a:lstStyle/>
           <a:p>
-            <a:fld id="{B5CEABB6-07DC-46E8-9B57-56EC44A396E5}" type="slidenum">
-              <a:rPr lang="en-US" smtClean="0"/>
-              <a:pPr/>
-              <a:t>5</a:t>
-            </a:fld>
             <a:endParaRPr lang="en-US" dirty="0"/>
           </a:p>
         </p:txBody>
@@ -20253,439 +19670,6 @@
 </file>
 
 <file path=ppt/slides/slide6.xml><?xml version="1.0" encoding="utf-8"?>
-<p:sld xmlns:a="http://schemas.openxmlformats.org/drawingml/2006/main" xmlns:r="http://schemas.openxmlformats.org/officeDocument/2006/relationships" xmlns:p="http://schemas.openxmlformats.org/presentationml/2006/main">
-  <p:cSld>
-    <p:spTree>
-      <p:nvGrpSpPr>
-        <p:cNvPr id="1" name=""/>
-        <p:cNvGrpSpPr/>
-        <p:nvPr/>
-      </p:nvGrpSpPr>
-      <p:grpSpPr>
-        <a:xfrm>
-          <a:off x="0" y="0"/>
-          <a:ext cx="0" cy="0"/>
-          <a:chOff x="0" y="0"/>
-          <a:chExt cx="0" cy="0"/>
-        </a:xfrm>
-      </p:grpSpPr>
-      <p:sp>
-        <p:nvSpPr>
-          <p:cNvPr id="2" name="Title 1">
-            <a:extLst>
-              <a:ext uri="{FF2B5EF4-FFF2-40B4-BE49-F238E27FC236}">
-                <a16:creationId xmlns:a16="http://schemas.microsoft.com/office/drawing/2014/main" id="{67708C79-A4AC-4B5D-92DF-600737E4D11A}"/>
-              </a:ext>
-            </a:extLst>
-          </p:cNvPr>
-          <p:cNvSpPr>
-            <a:spLocks noGrp="1"/>
-          </p:cNvSpPr>
-          <p:nvPr>
-            <p:ph type="title"/>
-          </p:nvPr>
-        </p:nvSpPr>
-        <p:spPr>
-          <a:xfrm>
-            <a:off x="838200" y="5509419"/>
-            <a:ext cx="4082142" cy="585788"/>
-          </a:xfrm>
-        </p:spPr>
-        <p:txBody>
-          <a:bodyPr/>
-          <a:lstStyle/>
-          <a:p>
-            <a:r>
-              <a:rPr lang="en-US" dirty="0"/>
-              <a:t>PROBLEM</a:t>
-            </a:r>
-          </a:p>
-        </p:txBody>
-      </p:sp>
-      <p:sp>
-        <p:nvSpPr>
-          <p:cNvPr id="3" name="Content Placeholder 2">
-            <a:extLst>
-              <a:ext uri="{FF2B5EF4-FFF2-40B4-BE49-F238E27FC236}">
-                <a16:creationId xmlns:a16="http://schemas.microsoft.com/office/drawing/2014/main" id="{7D779DE4-CAEA-4617-897E-FEC9A2AC2D6A}"/>
-              </a:ext>
-            </a:extLst>
-          </p:cNvPr>
-          <p:cNvSpPr>
-            <a:spLocks noGrp="1"/>
-          </p:cNvSpPr>
-          <p:nvPr>
-            <p:ph type="body" sz="quarter" idx="13"/>
-          </p:nvPr>
-        </p:nvSpPr>
-        <p:spPr>
-          <a:xfrm>
-            <a:off x="148318" y="1481138"/>
-            <a:ext cx="2141764" cy="514350"/>
-          </a:xfrm>
-        </p:spPr>
-        <p:txBody>
-          <a:bodyPr vert="horz" lIns="91440" tIns="45720" rIns="91440" bIns="45720" rtlCol="0" anchor="ctr">
-            <a:normAutofit lnSpcReduction="10000"/>
-          </a:bodyPr>
-          <a:lstStyle/>
-          <a:p>
-            <a:r>
-              <a:rPr lang="en-US" dirty="0"/>
-              <a:t>Population growth</a:t>
-            </a:r>
-          </a:p>
-        </p:txBody>
-      </p:sp>
-      <p:sp>
-        <p:nvSpPr>
-          <p:cNvPr id="4" name="Text Placeholder 3">
-            <a:extLst>
-              <a:ext uri="{FF2B5EF4-FFF2-40B4-BE49-F238E27FC236}">
-                <a16:creationId xmlns:a16="http://schemas.microsoft.com/office/drawing/2014/main" id="{F5FF1291-56EB-4A7B-A198-1D91F9ECC5D3}"/>
-              </a:ext>
-            </a:extLst>
-          </p:cNvPr>
-          <p:cNvSpPr>
-            <a:spLocks noGrp="1"/>
-          </p:cNvSpPr>
-          <p:nvPr>
-            <p:ph type="body" sz="quarter" idx="14"/>
-          </p:nvPr>
-        </p:nvSpPr>
-        <p:spPr>
-          <a:xfrm>
-            <a:off x="714375" y="2557463"/>
-            <a:ext cx="2141764" cy="514350"/>
-          </a:xfrm>
-        </p:spPr>
-        <p:txBody>
-          <a:bodyPr/>
-          <a:lstStyle/>
-          <a:p>
-            <a:r>
-              <a:rPr lang="en-US" dirty="0"/>
-              <a:t>Increase in users</a:t>
-            </a:r>
-          </a:p>
-        </p:txBody>
-      </p:sp>
-      <p:sp>
-        <p:nvSpPr>
-          <p:cNvPr id="5" name="Text Placeholder 4">
-            <a:extLst>
-              <a:ext uri="{FF2B5EF4-FFF2-40B4-BE49-F238E27FC236}">
-                <a16:creationId xmlns:a16="http://schemas.microsoft.com/office/drawing/2014/main" id="{6184E21C-7534-4FB5-9709-F7D1A11034F3}"/>
-              </a:ext>
-            </a:extLst>
-          </p:cNvPr>
-          <p:cNvSpPr>
-            <a:spLocks noGrp="1"/>
-          </p:cNvSpPr>
-          <p:nvPr>
-            <p:ph type="body" sz="quarter" idx="15"/>
-          </p:nvPr>
-        </p:nvSpPr>
-        <p:spPr>
-          <a:xfrm>
-            <a:off x="1320800" y="3633788"/>
-            <a:ext cx="2141764" cy="514350"/>
-          </a:xfrm>
-        </p:spPr>
-        <p:txBody>
-          <a:bodyPr/>
-          <a:lstStyle/>
-          <a:p>
-            <a:r>
-              <a:rPr lang="en-US" dirty="0"/>
-              <a:t>Increased need for infrastructure</a:t>
-            </a:r>
-          </a:p>
-        </p:txBody>
-      </p:sp>
-      <p:sp>
-        <p:nvSpPr>
-          <p:cNvPr id="6" name="Text Placeholder 5">
-            <a:extLst>
-              <a:ext uri="{FF2B5EF4-FFF2-40B4-BE49-F238E27FC236}">
-                <a16:creationId xmlns:a16="http://schemas.microsoft.com/office/drawing/2014/main" id="{5C594564-4FC6-401A-8586-44735EE819EC}"/>
-              </a:ext>
-            </a:extLst>
-          </p:cNvPr>
-          <p:cNvSpPr>
-            <a:spLocks noGrp="1"/>
-          </p:cNvSpPr>
-          <p:nvPr>
-            <p:ph type="body" sz="quarter" idx="16"/>
-          </p:nvPr>
-        </p:nvSpPr>
-        <p:spPr>
-          <a:xfrm>
-            <a:off x="1905000" y="4710114"/>
-            <a:ext cx="2141764" cy="514350"/>
-          </a:xfrm>
-        </p:spPr>
-        <p:txBody>
-          <a:bodyPr/>
-          <a:lstStyle/>
-          <a:p>
-            <a:r>
-              <a:rPr lang="en-US" dirty="0"/>
-              <a:t>Increased attack surface</a:t>
-            </a:r>
-          </a:p>
-        </p:txBody>
-      </p:sp>
-      <p:sp>
-        <p:nvSpPr>
-          <p:cNvPr id="7" name="Text Placeholder 6">
-            <a:extLst>
-              <a:ext uri="{FF2B5EF4-FFF2-40B4-BE49-F238E27FC236}">
-                <a16:creationId xmlns:a16="http://schemas.microsoft.com/office/drawing/2014/main" id="{D7EB25CA-DA83-483D-AF83-0001BDF2DE2B}"/>
-              </a:ext>
-            </a:extLst>
-          </p:cNvPr>
-          <p:cNvSpPr>
-            <a:spLocks noGrp="1"/>
-          </p:cNvSpPr>
-          <p:nvPr>
-            <p:ph type="body" sz="quarter" idx="17"/>
-          </p:nvPr>
-        </p:nvSpPr>
-        <p:spPr>
-          <a:xfrm>
-            <a:off x="4401535" y="1594478"/>
-            <a:ext cx="5539095" cy="1010842"/>
-          </a:xfrm>
-        </p:spPr>
-        <p:txBody>
-          <a:bodyPr/>
-          <a:lstStyle/>
-          <a:p>
-            <a:r>
-              <a:rPr lang="en-US" dirty="0"/>
-              <a:t>*</a:t>
-            </a:r>
-          </a:p>
-        </p:txBody>
-      </p:sp>
-      <p:sp>
-        <p:nvSpPr>
-          <p:cNvPr id="8" name="Text Placeholder 7">
-            <a:extLst>
-              <a:ext uri="{FF2B5EF4-FFF2-40B4-BE49-F238E27FC236}">
-                <a16:creationId xmlns:a16="http://schemas.microsoft.com/office/drawing/2014/main" id="{B46CE8C6-E12D-4A0D-8553-7FFA31941D56}"/>
-              </a:ext>
-            </a:extLst>
-          </p:cNvPr>
-          <p:cNvSpPr>
-            <a:spLocks noGrp="1"/>
-          </p:cNvSpPr>
-          <p:nvPr>
-            <p:ph type="body" sz="quarter" idx="18"/>
-          </p:nvPr>
-        </p:nvSpPr>
-        <p:spPr>
-          <a:xfrm>
-            <a:off x="4986028" y="2682564"/>
-            <a:ext cx="5539095" cy="1010842"/>
-          </a:xfrm>
-        </p:spPr>
-        <p:txBody>
-          <a:bodyPr/>
-          <a:lstStyle/>
-          <a:p>
-            <a:r>
-              <a:rPr lang="en-US" dirty="0"/>
-              <a:t>**</a:t>
-            </a:r>
-          </a:p>
-        </p:txBody>
-      </p:sp>
-      <p:sp>
-        <p:nvSpPr>
-          <p:cNvPr id="9" name="Text Placeholder 8">
-            <a:extLst>
-              <a:ext uri="{FF2B5EF4-FFF2-40B4-BE49-F238E27FC236}">
-                <a16:creationId xmlns:a16="http://schemas.microsoft.com/office/drawing/2014/main" id="{1C7D5285-85DF-4331-A6FA-1AE847CA47AE}"/>
-              </a:ext>
-            </a:extLst>
-          </p:cNvPr>
-          <p:cNvSpPr>
-            <a:spLocks noGrp="1"/>
-          </p:cNvSpPr>
-          <p:nvPr>
-            <p:ph type="body" sz="quarter" idx="19"/>
-          </p:nvPr>
-        </p:nvSpPr>
-        <p:spPr>
-          <a:xfrm>
-            <a:off x="5576937" y="3755394"/>
-            <a:ext cx="5539095" cy="1010842"/>
-          </a:xfrm>
-        </p:spPr>
-        <p:txBody>
-          <a:bodyPr/>
-          <a:lstStyle/>
-          <a:p>
-            <a:r>
-              <a:rPr lang="en-US" dirty="0"/>
-              <a:t>***</a:t>
-            </a:r>
-          </a:p>
-        </p:txBody>
-      </p:sp>
-      <p:sp>
-        <p:nvSpPr>
-          <p:cNvPr id="10" name="Text Placeholder 9">
-            <a:extLst>
-              <a:ext uri="{FF2B5EF4-FFF2-40B4-BE49-F238E27FC236}">
-                <a16:creationId xmlns:a16="http://schemas.microsoft.com/office/drawing/2014/main" id="{02D305EF-9A88-496B-BFC1-D589A01EE381}"/>
-              </a:ext>
-            </a:extLst>
-          </p:cNvPr>
-          <p:cNvSpPr>
-            <a:spLocks noGrp="1"/>
-          </p:cNvSpPr>
-          <p:nvPr>
-            <p:ph type="body" sz="quarter" idx="20"/>
-          </p:nvPr>
-        </p:nvSpPr>
-        <p:spPr>
-          <a:xfrm>
-            <a:off x="6175279" y="4824430"/>
-            <a:ext cx="5539095" cy="1010842"/>
-          </a:xfrm>
-        </p:spPr>
-        <p:txBody>
-          <a:bodyPr/>
-          <a:lstStyle/>
-          <a:p>
-            <a:r>
-              <a:rPr lang="en-US" dirty="0"/>
-              <a:t>****</a:t>
-            </a:r>
-          </a:p>
-          <a:p>
-            <a:endParaRPr lang="en-US" dirty="0"/>
-          </a:p>
-        </p:txBody>
-      </p:sp>
-      <p:sp>
-        <p:nvSpPr>
-          <p:cNvPr id="11" name="Date Placeholder 10">
-            <a:extLst>
-              <a:ext uri="{FF2B5EF4-FFF2-40B4-BE49-F238E27FC236}">
-                <a16:creationId xmlns:a16="http://schemas.microsoft.com/office/drawing/2014/main" id="{40BF6865-7FAE-4B56-A995-ADF1582DCC64}"/>
-              </a:ext>
-            </a:extLst>
-          </p:cNvPr>
-          <p:cNvSpPr>
-            <a:spLocks noGrp="1"/>
-          </p:cNvSpPr>
-          <p:nvPr>
-            <p:ph type="dt" sz="half" idx="10"/>
-          </p:nvPr>
-        </p:nvSpPr>
-        <p:spPr>
-          <a:xfrm>
-            <a:off x="838200" y="6356350"/>
-            <a:ext cx="2743200" cy="365125"/>
-          </a:xfrm>
-        </p:spPr>
-        <p:txBody>
-          <a:bodyPr/>
-          <a:lstStyle/>
-          <a:p>
-            <a:r>
-              <a:rPr lang="en-US" dirty="0"/>
-              <a:t>20XX</a:t>
-            </a:r>
-          </a:p>
-        </p:txBody>
-      </p:sp>
-      <p:sp>
-        <p:nvSpPr>
-          <p:cNvPr id="12" name="Footer Placeholder 11">
-            <a:extLst>
-              <a:ext uri="{FF2B5EF4-FFF2-40B4-BE49-F238E27FC236}">
-                <a16:creationId xmlns:a16="http://schemas.microsoft.com/office/drawing/2014/main" id="{7312B71A-5E84-41DE-9754-5F6291F6DFB7}"/>
-              </a:ext>
-            </a:extLst>
-          </p:cNvPr>
-          <p:cNvSpPr>
-            <a:spLocks noGrp="1"/>
-          </p:cNvSpPr>
-          <p:nvPr>
-            <p:ph type="ftr" sz="quarter" idx="11"/>
-          </p:nvPr>
-        </p:nvSpPr>
-        <p:spPr>
-          <a:xfrm>
-            <a:off x="6155823" y="6356350"/>
-            <a:ext cx="1808712" cy="365125"/>
-          </a:xfrm>
-        </p:spPr>
-        <p:txBody>
-          <a:bodyPr/>
-          <a:lstStyle/>
-          <a:p>
-            <a:r>
-              <a:rPr lang="en-US" dirty="0"/>
-              <a:t>Pitch Deck</a:t>
-            </a:r>
-          </a:p>
-        </p:txBody>
-      </p:sp>
-      <p:sp>
-        <p:nvSpPr>
-          <p:cNvPr id="13" name="Slide Number Placeholder 12">
-            <a:extLst>
-              <a:ext uri="{FF2B5EF4-FFF2-40B4-BE49-F238E27FC236}">
-                <a16:creationId xmlns:a16="http://schemas.microsoft.com/office/drawing/2014/main" id="{E3984D70-BD95-4E1F-9725-902B5D74DED6}"/>
-              </a:ext>
-            </a:extLst>
-          </p:cNvPr>
-          <p:cNvSpPr>
-            <a:spLocks noGrp="1"/>
-          </p:cNvSpPr>
-          <p:nvPr>
-            <p:ph type="sldNum" sz="quarter" idx="12"/>
-          </p:nvPr>
-        </p:nvSpPr>
-        <p:spPr>
-          <a:xfrm>
-            <a:off x="10810874" y="6356350"/>
-            <a:ext cx="542925" cy="365125"/>
-          </a:xfrm>
-        </p:spPr>
-        <p:txBody>
-          <a:bodyPr/>
-          <a:lstStyle/>
-          <a:p>
-            <a:fld id="{B5CEABB6-07DC-46E8-9B57-56EC44A396E5}" type="slidenum">
-              <a:rPr lang="en-US" smtClean="0"/>
-              <a:pPr/>
-              <a:t>6</a:t>
-            </a:fld>
-            <a:endParaRPr lang="en-US" dirty="0"/>
-          </a:p>
-        </p:txBody>
-      </p:sp>
-    </p:spTree>
-    <p:extLst>
-      <p:ext uri="{BB962C8B-B14F-4D97-AF65-F5344CB8AC3E}">
-        <p14:creationId xmlns:p14="http://schemas.microsoft.com/office/powerpoint/2010/main" val="1738561688"/>
-      </p:ext>
-    </p:extLst>
-  </p:cSld>
-  <p:clrMapOvr>
-    <a:masterClrMapping/>
-  </p:clrMapOvr>
-</p:sld>
-</file>
-
-<file path=ppt/slides/slide7.xml><?xml version="1.0" encoding="utf-8"?>
 <p:sld xmlns:a="http://schemas.openxmlformats.org/drawingml/2006/main" xmlns:r="http://schemas.openxmlformats.org/officeDocument/2006/relationships" xmlns:p="http://schemas.openxmlformats.org/presentationml/2006/main">
   <p:cSld>
     <p:spTree>
@@ -21066,10 +20050,7 @@
           <a:bodyPr/>
           <a:lstStyle/>
           <a:p>
-            <a:r>
-              <a:rPr lang="en-US" dirty="0"/>
-              <a:t>20XX</a:t>
-            </a:r>
+            <a:endParaRPr lang="en-US" dirty="0"/>
           </a:p>
         </p:txBody>
       </p:sp>
@@ -21099,10 +20080,7 @@
           <a:bodyPr/>
           <a:lstStyle/>
           <a:p>
-            <a:r>
-              <a:rPr lang="en-US" dirty="0"/>
-              <a:t>Pitch Deck</a:t>
-            </a:r>
+            <a:endParaRPr lang="en-US" dirty="0"/>
           </a:p>
         </p:txBody>
       </p:sp>
@@ -21132,11 +20110,6 @@
           <a:bodyPr/>
           <a:lstStyle/>
           <a:p>
-            <a:fld id="{B5CEABB6-07DC-46E8-9B57-56EC44A396E5}" type="slidenum">
-              <a:rPr lang="en-US" smtClean="0"/>
-              <a:pPr/>
-              <a:t>7</a:t>
-            </a:fld>
             <a:endParaRPr lang="en-US" dirty="0"/>
           </a:p>
         </p:txBody>
@@ -21145,6 +20118,452 @@
     <p:extLst>
       <p:ext uri="{BB962C8B-B14F-4D97-AF65-F5344CB8AC3E}">
         <p14:creationId xmlns:p14="http://schemas.microsoft.com/office/powerpoint/2010/main" val="802096888"/>
+      </p:ext>
+    </p:extLst>
+  </p:cSld>
+  <p:clrMapOvr>
+    <a:masterClrMapping/>
+  </p:clrMapOvr>
+</p:sld>
+</file>
+
+<file path=ppt/slides/slide7.xml><?xml version="1.0" encoding="utf-8"?>
+<p:sld xmlns:a="http://schemas.openxmlformats.org/drawingml/2006/main" xmlns:r="http://schemas.openxmlformats.org/officeDocument/2006/relationships" xmlns:p="http://schemas.openxmlformats.org/presentationml/2006/main">
+  <p:cSld>
+    <p:spTree>
+      <p:nvGrpSpPr>
+        <p:cNvPr id="1" name=""/>
+        <p:cNvGrpSpPr/>
+        <p:nvPr/>
+      </p:nvGrpSpPr>
+      <p:grpSpPr>
+        <a:xfrm>
+          <a:off x="0" y="0"/>
+          <a:ext cx="0" cy="0"/>
+          <a:chOff x="0" y="0"/>
+          <a:chExt cx="0" cy="0"/>
+        </a:xfrm>
+      </p:grpSpPr>
+      <p:sp>
+        <p:nvSpPr>
+          <p:cNvPr id="2" name="Title 1">
+            <a:extLst>
+              <a:ext uri="{FF2B5EF4-FFF2-40B4-BE49-F238E27FC236}">
+                <a16:creationId xmlns:a16="http://schemas.microsoft.com/office/drawing/2014/main" id="{75031FE9-9059-4FE8-B4AC-9771F23A1B89}"/>
+              </a:ext>
+            </a:extLst>
+          </p:cNvPr>
+          <p:cNvSpPr>
+            <a:spLocks noGrp="1"/>
+          </p:cNvSpPr>
+          <p:nvPr>
+            <p:ph type="title"/>
+          </p:nvPr>
+        </p:nvSpPr>
+        <p:spPr>
+          <a:xfrm>
+            <a:off x="1508760" y="4156405"/>
+            <a:ext cx="3139440" cy="1325563"/>
+          </a:xfrm>
+        </p:spPr>
+        <p:txBody>
+          <a:bodyPr/>
+          <a:lstStyle/>
+          <a:p>
+            <a:r>
+              <a:rPr lang="en-US" dirty="0"/>
+              <a:t>Comprehensive </a:t>
+            </a:r>
+            <a:r>
+              <a:rPr lang="en-US" dirty="0" err="1"/>
+              <a:t>mdr</a:t>
+            </a:r>
+            <a:r>
+              <a:rPr lang="en-US" dirty="0"/>
+              <a:t> solution</a:t>
+            </a:r>
+          </a:p>
+        </p:txBody>
+      </p:sp>
+      <p:sp>
+        <p:nvSpPr>
+          <p:cNvPr id="3" name="Content Placeholder 2">
+            <a:extLst>
+              <a:ext uri="{FF2B5EF4-FFF2-40B4-BE49-F238E27FC236}">
+                <a16:creationId xmlns:a16="http://schemas.microsoft.com/office/drawing/2014/main" id="{D4A2EB3F-4D60-451F-8F45-7D6654D2FCD9}"/>
+              </a:ext>
+            </a:extLst>
+          </p:cNvPr>
+          <p:cNvSpPr>
+            <a:spLocks noGrp="1"/>
+          </p:cNvSpPr>
+          <p:nvPr>
+            <p:ph type="body" sz="quarter" idx="13"/>
+          </p:nvPr>
+        </p:nvSpPr>
+        <p:spPr>
+          <a:xfrm>
+            <a:off x="5922254" y="1530635"/>
+            <a:ext cx="5433204" cy="365125"/>
+          </a:xfrm>
+        </p:spPr>
+        <p:txBody>
+          <a:bodyPr vert="horz" lIns="91440" tIns="45720" rIns="91440" bIns="45720" rtlCol="0" anchor="t">
+            <a:normAutofit lnSpcReduction="10000"/>
+          </a:bodyPr>
+          <a:lstStyle/>
+          <a:p>
+            <a:r>
+              <a:rPr lang="en-US" dirty="0"/>
+              <a:t>TRIED AND TRUSTED</a:t>
+            </a:r>
+          </a:p>
+        </p:txBody>
+      </p:sp>
+      <p:sp>
+        <p:nvSpPr>
+          <p:cNvPr id="4" name="Text Placeholder 3">
+            <a:extLst>
+              <a:ext uri="{FF2B5EF4-FFF2-40B4-BE49-F238E27FC236}">
+                <a16:creationId xmlns:a16="http://schemas.microsoft.com/office/drawing/2014/main" id="{AC1C80FB-53F9-42EE-B1E6-D0F998EC5DFA}"/>
+              </a:ext>
+            </a:extLst>
+          </p:cNvPr>
+          <p:cNvSpPr>
+            <a:spLocks noGrp="1"/>
+          </p:cNvSpPr>
+          <p:nvPr>
+            <p:ph type="body" sz="quarter" idx="15"/>
+          </p:nvPr>
+        </p:nvSpPr>
+        <p:spPr>
+          <a:xfrm>
+            <a:off x="5921828" y="1860060"/>
+            <a:ext cx="5431971" cy="557950"/>
+          </a:xfrm>
+        </p:spPr>
+        <p:txBody>
+          <a:bodyPr>
+            <a:normAutofit/>
+          </a:bodyPr>
+          <a:lstStyle/>
+          <a:p>
+            <a:r>
+              <a:rPr lang="en-US" dirty="0"/>
+              <a:t>Has been implemented in municipal and other large-scale networks</a:t>
+            </a:r>
+          </a:p>
+        </p:txBody>
+      </p:sp>
+      <p:sp>
+        <p:nvSpPr>
+          <p:cNvPr id="5" name="Text Placeholder 4">
+            <a:extLst>
+              <a:ext uri="{FF2B5EF4-FFF2-40B4-BE49-F238E27FC236}">
+                <a16:creationId xmlns:a16="http://schemas.microsoft.com/office/drawing/2014/main" id="{E81BA2B5-6A90-4204-ABDD-7183FBB03A02}"/>
+              </a:ext>
+            </a:extLst>
+          </p:cNvPr>
+          <p:cNvSpPr>
+            <a:spLocks noGrp="1"/>
+          </p:cNvSpPr>
+          <p:nvPr>
+            <p:ph type="body" sz="quarter" idx="23"/>
+          </p:nvPr>
+        </p:nvSpPr>
+        <p:spPr>
+          <a:xfrm>
+            <a:off x="5922254" y="2630431"/>
+            <a:ext cx="5433204" cy="365125"/>
+          </a:xfrm>
+        </p:spPr>
+        <p:txBody>
+          <a:bodyPr>
+            <a:normAutofit lnSpcReduction="10000"/>
+          </a:bodyPr>
+          <a:lstStyle/>
+          <a:p>
+            <a:r>
+              <a:rPr lang="en-US" dirty="0"/>
+              <a:t>SCALABILITY OF COVERAGE</a:t>
+            </a:r>
+          </a:p>
+        </p:txBody>
+      </p:sp>
+      <p:sp>
+        <p:nvSpPr>
+          <p:cNvPr id="6" name="Text Placeholder 5">
+            <a:extLst>
+              <a:ext uri="{FF2B5EF4-FFF2-40B4-BE49-F238E27FC236}">
+                <a16:creationId xmlns:a16="http://schemas.microsoft.com/office/drawing/2014/main" id="{7E7D4C34-22A0-4D54-A07D-E1E9A11463E5}"/>
+              </a:ext>
+            </a:extLst>
+          </p:cNvPr>
+          <p:cNvSpPr>
+            <a:spLocks noGrp="1"/>
+          </p:cNvSpPr>
+          <p:nvPr>
+            <p:ph type="body" sz="quarter" idx="24"/>
+          </p:nvPr>
+        </p:nvSpPr>
+        <p:spPr>
+          <a:xfrm>
+            <a:off x="5921828" y="2959856"/>
+            <a:ext cx="5431971" cy="557950"/>
+          </a:xfrm>
+        </p:spPr>
+        <p:txBody>
+          <a:bodyPr/>
+          <a:lstStyle/>
+          <a:p>
+            <a:r>
+              <a:rPr lang="en-US" dirty="0"/>
+              <a:t>Can provide coverage for more attack vectors as infrastructure grows</a:t>
+            </a:r>
+          </a:p>
+        </p:txBody>
+      </p:sp>
+      <p:sp>
+        <p:nvSpPr>
+          <p:cNvPr id="7" name="Text Placeholder 6">
+            <a:extLst>
+              <a:ext uri="{FF2B5EF4-FFF2-40B4-BE49-F238E27FC236}">
+                <a16:creationId xmlns:a16="http://schemas.microsoft.com/office/drawing/2014/main" id="{301D392D-FB66-47A0-B628-5ADE822A2CFF}"/>
+              </a:ext>
+            </a:extLst>
+          </p:cNvPr>
+          <p:cNvSpPr>
+            <a:spLocks noGrp="1"/>
+          </p:cNvSpPr>
+          <p:nvPr>
+            <p:ph type="body" sz="quarter" idx="25"/>
+          </p:nvPr>
+        </p:nvSpPr>
+        <p:spPr>
+          <a:xfrm>
+            <a:off x="5922254" y="3730227"/>
+            <a:ext cx="5433204" cy="365125"/>
+          </a:xfrm>
+        </p:spPr>
+        <p:txBody>
+          <a:bodyPr>
+            <a:normAutofit lnSpcReduction="10000"/>
+          </a:bodyPr>
+          <a:lstStyle/>
+          <a:p>
+            <a:r>
+              <a:rPr lang="en-US" dirty="0"/>
+              <a:t>INDUSTRY LEADING SOFTWARE</a:t>
+            </a:r>
+          </a:p>
+        </p:txBody>
+      </p:sp>
+      <p:sp>
+        <p:nvSpPr>
+          <p:cNvPr id="8" name="Text Placeholder 7">
+            <a:extLst>
+              <a:ext uri="{FF2B5EF4-FFF2-40B4-BE49-F238E27FC236}">
+                <a16:creationId xmlns:a16="http://schemas.microsoft.com/office/drawing/2014/main" id="{51C26CE0-2506-4B44-A26F-C12BFA5B18B5}"/>
+              </a:ext>
+            </a:extLst>
+          </p:cNvPr>
+          <p:cNvSpPr>
+            <a:spLocks noGrp="1"/>
+          </p:cNvSpPr>
+          <p:nvPr>
+            <p:ph type="body" sz="quarter" idx="26"/>
+          </p:nvPr>
+        </p:nvSpPr>
+        <p:spPr>
+          <a:xfrm>
+            <a:off x="5921828" y="4059652"/>
+            <a:ext cx="5431971" cy="557950"/>
+          </a:xfrm>
+        </p:spPr>
+        <p:txBody>
+          <a:bodyPr>
+            <a:normAutofit/>
+          </a:bodyPr>
+          <a:lstStyle/>
+          <a:p>
+            <a:r>
+              <a:rPr lang="en-US" dirty="0" err="1"/>
+              <a:t>Crowdstrike</a:t>
+            </a:r>
+            <a:r>
+              <a:rPr lang="en-US" dirty="0"/>
+              <a:t> is recognized as a leader and innovator in modern endpoint security</a:t>
+            </a:r>
+          </a:p>
+        </p:txBody>
+      </p:sp>
+      <p:sp>
+        <p:nvSpPr>
+          <p:cNvPr id="9" name="Text Placeholder 8">
+            <a:extLst>
+              <a:ext uri="{FF2B5EF4-FFF2-40B4-BE49-F238E27FC236}">
+                <a16:creationId xmlns:a16="http://schemas.microsoft.com/office/drawing/2014/main" id="{868F40F8-BF35-45E9-B3DD-5436362D746E}"/>
+              </a:ext>
+            </a:extLst>
+          </p:cNvPr>
+          <p:cNvSpPr>
+            <a:spLocks noGrp="1"/>
+          </p:cNvSpPr>
+          <p:nvPr>
+            <p:ph type="body" sz="quarter" idx="27"/>
+          </p:nvPr>
+        </p:nvSpPr>
+        <p:spPr>
+          <a:xfrm>
+            <a:off x="5920106" y="4830024"/>
+            <a:ext cx="5433204" cy="365125"/>
+          </a:xfrm>
+        </p:spPr>
+        <p:txBody>
+          <a:bodyPr>
+            <a:normAutofit lnSpcReduction="10000"/>
+          </a:bodyPr>
+          <a:lstStyle/>
+          <a:p>
+            <a:r>
+              <a:rPr lang="en-US" dirty="0"/>
+              <a:t>24/7 MONITORING</a:t>
+            </a:r>
+          </a:p>
+        </p:txBody>
+      </p:sp>
+      <p:sp>
+        <p:nvSpPr>
+          <p:cNvPr id="10" name="Text Placeholder 9">
+            <a:extLst>
+              <a:ext uri="{FF2B5EF4-FFF2-40B4-BE49-F238E27FC236}">
+                <a16:creationId xmlns:a16="http://schemas.microsoft.com/office/drawing/2014/main" id="{7F39C97C-2DDC-4706-B96C-B02FAE53A426}"/>
+              </a:ext>
+            </a:extLst>
+          </p:cNvPr>
+          <p:cNvSpPr>
+            <a:spLocks noGrp="1"/>
+          </p:cNvSpPr>
+          <p:nvPr>
+            <p:ph type="body" sz="quarter" idx="28"/>
+          </p:nvPr>
+        </p:nvSpPr>
+        <p:spPr>
+          <a:xfrm>
+            <a:off x="5919680" y="5159449"/>
+            <a:ext cx="5431971" cy="557950"/>
+          </a:xfrm>
+        </p:spPr>
+        <p:txBody>
+          <a:bodyPr/>
+          <a:lstStyle/>
+          <a:p>
+            <a:r>
+              <a:rPr lang="en-US" dirty="0"/>
+              <a:t>Continuous monitoring of network activities, system logs, and user </a:t>
+            </a:r>
+            <a:r>
+              <a:rPr lang="en-US" dirty="0" err="1"/>
+              <a:t>behaviour</a:t>
+            </a:r>
+            <a:endParaRPr lang="en-US" dirty="0"/>
+          </a:p>
+        </p:txBody>
+      </p:sp>
+      <p:sp>
+        <p:nvSpPr>
+          <p:cNvPr id="20" name="Date Placeholder 19">
+            <a:extLst>
+              <a:ext uri="{FF2B5EF4-FFF2-40B4-BE49-F238E27FC236}">
+                <a16:creationId xmlns:a16="http://schemas.microsoft.com/office/drawing/2014/main" id="{A74D661B-510C-4CF2-BF77-3EAFB649883D}"/>
+              </a:ext>
+            </a:extLst>
+          </p:cNvPr>
+          <p:cNvSpPr>
+            <a:spLocks noGrp="1"/>
+          </p:cNvSpPr>
+          <p:nvPr>
+            <p:ph type="dt" sz="half" idx="20"/>
+          </p:nvPr>
+        </p:nvSpPr>
+        <p:spPr>
+          <a:xfrm>
+            <a:off x="5919680" y="6356350"/>
+            <a:ext cx="947516" cy="365125"/>
+          </a:xfrm>
+        </p:spPr>
+        <p:txBody>
+          <a:bodyPr/>
+          <a:lstStyle/>
+          <a:p>
+            <a:endParaRPr lang="en-US" dirty="0"/>
+          </a:p>
+        </p:txBody>
+      </p:sp>
+      <p:sp>
+        <p:nvSpPr>
+          <p:cNvPr id="21" name="Footer Placeholder 20">
+            <a:extLst>
+              <a:ext uri="{FF2B5EF4-FFF2-40B4-BE49-F238E27FC236}">
+                <a16:creationId xmlns:a16="http://schemas.microsoft.com/office/drawing/2014/main" id="{7E44CAC0-3B5A-49F6-A2CB-0BC80D111A87}"/>
+              </a:ext>
+            </a:extLst>
+          </p:cNvPr>
+          <p:cNvSpPr>
+            <a:spLocks noGrp="1"/>
+          </p:cNvSpPr>
+          <p:nvPr>
+            <p:ph type="ftr" sz="quarter" idx="21"/>
+          </p:nvPr>
+        </p:nvSpPr>
+        <p:spPr>
+          <a:xfrm>
+            <a:off x="7161955" y="6356350"/>
+            <a:ext cx="3243942" cy="365125"/>
+          </a:xfrm>
+        </p:spPr>
+        <p:txBody>
+          <a:bodyPr/>
+          <a:lstStyle/>
+          <a:p>
+            <a:endParaRPr lang="en-US" dirty="0"/>
+          </a:p>
+        </p:txBody>
+      </p:sp>
+      <p:sp>
+        <p:nvSpPr>
+          <p:cNvPr id="22" name="Slide Number Placeholder 21">
+            <a:extLst>
+              <a:ext uri="{FF2B5EF4-FFF2-40B4-BE49-F238E27FC236}">
+                <a16:creationId xmlns:a16="http://schemas.microsoft.com/office/drawing/2014/main" id="{5D1BD041-3428-4D62-934F-F3FF6D36F90F}"/>
+              </a:ext>
+            </a:extLst>
+          </p:cNvPr>
+          <p:cNvSpPr>
+            <a:spLocks noGrp="1"/>
+          </p:cNvSpPr>
+          <p:nvPr>
+            <p:ph type="sldNum" sz="quarter" idx="22"/>
+          </p:nvPr>
+        </p:nvSpPr>
+        <p:spPr>
+          <a:xfrm>
+            <a:off x="10700656" y="6356350"/>
+            <a:ext cx="653143" cy="365125"/>
+          </a:xfrm>
+        </p:spPr>
+        <p:txBody>
+          <a:bodyPr/>
+          <a:lstStyle/>
+          <a:p>
+            <a:endParaRPr lang="en-US" dirty="0"/>
+          </a:p>
+        </p:txBody>
+      </p:sp>
+    </p:spTree>
+    <p:extLst>
+      <p:ext uri="{BB962C8B-B14F-4D97-AF65-F5344CB8AC3E}">
+        <p14:creationId xmlns:p14="http://schemas.microsoft.com/office/powerpoint/2010/main" val="1844941827"/>
       </p:ext>
     </p:extLst>
   </p:cSld>
@@ -21176,7 +20595,7 @@
           <p:cNvPr id="2" name="Title 1">
             <a:extLst>
               <a:ext uri="{FF2B5EF4-FFF2-40B4-BE49-F238E27FC236}">
-                <a16:creationId xmlns:a16="http://schemas.microsoft.com/office/drawing/2014/main" id="{75031FE9-9059-4FE8-B4AC-9771F23A1B89}"/>
+                <a16:creationId xmlns:a16="http://schemas.microsoft.com/office/drawing/2014/main" id="{537E1C88-627C-4655-A4FB-0BB02EDB078A}"/>
               </a:ext>
             </a:extLst>
           </p:cNvPr>
@@ -21189,8 +20608,8 @@
         </p:nvSpPr>
         <p:spPr>
           <a:xfrm>
-            <a:off x="1508760" y="4156405"/>
-            <a:ext cx="3139440" cy="1325563"/>
+            <a:off x="1362075" y="1671639"/>
+            <a:ext cx="5111750" cy="1204912"/>
           </a:xfrm>
         </p:spPr>
         <p:txBody>
@@ -21199,15 +20618,7 @@
           <a:p>
             <a:r>
               <a:rPr lang="en-US" dirty="0"/>
-              <a:t>Comprehensive </a:t>
-            </a:r>
-            <a:r>
-              <a:rPr lang="en-US" dirty="0" err="1"/>
-              <a:t>mdr</a:t>
-            </a:r>
-            <a:r>
-              <a:rPr lang="en-US" dirty="0"/>
-              <a:t> solution</a:t>
+              <a:t>Key advantages</a:t>
             </a:r>
           </a:p>
         </p:txBody>
@@ -21217,372 +20628,140 @@
           <p:cNvPr id="3" name="Content Placeholder 2">
             <a:extLst>
               <a:ext uri="{FF2B5EF4-FFF2-40B4-BE49-F238E27FC236}">
-                <a16:creationId xmlns:a16="http://schemas.microsoft.com/office/drawing/2014/main" id="{D4A2EB3F-4D60-451F-8F45-7D6654D2FCD9}"/>
-              </a:ext>
-            </a:extLst>
-          </p:cNvPr>
-          <p:cNvSpPr>
-            <a:spLocks noGrp="1"/>
-          </p:cNvSpPr>
-          <p:nvPr>
-            <p:ph type="body" sz="quarter" idx="13"/>
-          </p:nvPr>
-        </p:nvSpPr>
-        <p:spPr>
-          <a:xfrm>
-            <a:off x="5922254" y="1530635"/>
-            <a:ext cx="5433204" cy="365125"/>
+                <a16:creationId xmlns:a16="http://schemas.microsoft.com/office/drawing/2014/main" id="{033634FE-ADF0-4BC3-A0A9-447EA9DD096B}"/>
+              </a:ext>
+            </a:extLst>
+          </p:cNvPr>
+          <p:cNvSpPr>
+            <a:spLocks noGrp="1"/>
+          </p:cNvSpPr>
+          <p:nvPr>
+            <p:ph type="body" idx="1"/>
+          </p:nvPr>
+        </p:nvSpPr>
+        <p:spPr>
+          <a:xfrm>
+            <a:off x="1362075" y="3660774"/>
+            <a:ext cx="5111750" cy="1525588"/>
           </a:xfrm>
         </p:spPr>
         <p:txBody>
           <a:bodyPr vert="horz" lIns="91440" tIns="45720" rIns="91440" bIns="45720" rtlCol="0" anchor="t">
-            <a:normAutofit lnSpcReduction="10000"/>
+            <a:noAutofit/>
           </a:bodyPr>
           <a:lstStyle/>
           <a:p>
             <a:r>
-              <a:rPr lang="en-US" dirty="0"/>
-              <a:t>TRIED AND TRUSTED</a:t>
-            </a:r>
-          </a:p>
-        </p:txBody>
-      </p:sp>
-      <p:sp>
-        <p:nvSpPr>
-          <p:cNvPr id="4" name="Text Placeholder 3">
-            <a:extLst>
-              <a:ext uri="{FF2B5EF4-FFF2-40B4-BE49-F238E27FC236}">
-                <a16:creationId xmlns:a16="http://schemas.microsoft.com/office/drawing/2014/main" id="{AC1C80FB-53F9-42EE-B1E6-D0F998EC5DFA}"/>
-              </a:ext>
-            </a:extLst>
-          </p:cNvPr>
-          <p:cNvSpPr>
-            <a:spLocks noGrp="1"/>
-          </p:cNvSpPr>
-          <p:nvPr>
-            <p:ph type="body" sz="quarter" idx="15"/>
-          </p:nvPr>
-        </p:nvSpPr>
-        <p:spPr>
-          <a:xfrm>
-            <a:off x="5921828" y="1860060"/>
-            <a:ext cx="5431971" cy="557950"/>
-          </a:xfrm>
-        </p:spPr>
-        <p:txBody>
-          <a:bodyPr>
-            <a:normAutofit/>
-          </a:bodyPr>
-          <a:lstStyle/>
-          <a:p>
-            <a:r>
-              <a:rPr lang="en-US" dirty="0"/>
-              <a:t>*</a:t>
-            </a:r>
-          </a:p>
-        </p:txBody>
-      </p:sp>
-      <p:sp>
-        <p:nvSpPr>
-          <p:cNvPr id="5" name="Text Placeholder 4">
-            <a:extLst>
-              <a:ext uri="{FF2B5EF4-FFF2-40B4-BE49-F238E27FC236}">
-                <a16:creationId xmlns:a16="http://schemas.microsoft.com/office/drawing/2014/main" id="{E81BA2B5-6A90-4204-ABDD-7183FBB03A02}"/>
-              </a:ext>
-            </a:extLst>
-          </p:cNvPr>
-          <p:cNvSpPr>
-            <a:spLocks noGrp="1"/>
-          </p:cNvSpPr>
-          <p:nvPr>
-            <p:ph type="body" sz="quarter" idx="23"/>
-          </p:nvPr>
-        </p:nvSpPr>
-        <p:spPr>
-          <a:xfrm>
-            <a:off x="5922254" y="2630431"/>
-            <a:ext cx="5433204" cy="365125"/>
-          </a:xfrm>
-        </p:spPr>
-        <p:txBody>
-          <a:bodyPr>
-            <a:normAutofit lnSpcReduction="10000"/>
-          </a:bodyPr>
-          <a:lstStyle/>
-          <a:p>
-            <a:r>
-              <a:rPr lang="en-US" dirty="0"/>
-              <a:t>SCALABILITY</a:t>
-            </a:r>
-          </a:p>
-        </p:txBody>
-      </p:sp>
-      <p:sp>
-        <p:nvSpPr>
-          <p:cNvPr id="6" name="Text Placeholder 5">
-            <a:extLst>
-              <a:ext uri="{FF2B5EF4-FFF2-40B4-BE49-F238E27FC236}">
-                <a16:creationId xmlns:a16="http://schemas.microsoft.com/office/drawing/2014/main" id="{7E7D4C34-22A0-4D54-A07D-E1E9A11463E5}"/>
-              </a:ext>
-            </a:extLst>
-          </p:cNvPr>
-          <p:cNvSpPr>
-            <a:spLocks noGrp="1"/>
-          </p:cNvSpPr>
-          <p:nvPr>
-            <p:ph type="body" sz="quarter" idx="24"/>
-          </p:nvPr>
-        </p:nvSpPr>
-        <p:spPr>
-          <a:xfrm>
-            <a:off x="5921828" y="2959856"/>
-            <a:ext cx="5431971" cy="557950"/>
+              <a:rPr lang="en-US" sz="2000" dirty="0"/>
+              <a:t>Enhanced endpoint device security</a:t>
+            </a:r>
+          </a:p>
+          <a:p>
+            <a:r>
+              <a:rPr lang="en-US" sz="2000" noProof="1"/>
+              <a:t>Protection against current and future exploits</a:t>
+            </a:r>
+          </a:p>
+          <a:p>
+            <a:r>
+              <a:rPr lang="en-US" sz="2000" noProof="1"/>
+              <a:t>Leveraging industry-leading software</a:t>
+            </a:r>
+          </a:p>
+          <a:p>
+            <a:r>
+              <a:rPr lang="en-US" sz="2000" noProof="1"/>
+              <a:t>Decades of combined experience</a:t>
+            </a:r>
+          </a:p>
+        </p:txBody>
+      </p:sp>
+      <p:sp>
+        <p:nvSpPr>
+          <p:cNvPr id="4" name="Date Placeholder 3">
+            <a:extLst>
+              <a:ext uri="{FF2B5EF4-FFF2-40B4-BE49-F238E27FC236}">
+                <a16:creationId xmlns:a16="http://schemas.microsoft.com/office/drawing/2014/main" id="{5C2ACA2A-6BBE-47CF-B76F-F56C9DBF77E6}"/>
+              </a:ext>
+            </a:extLst>
+          </p:cNvPr>
+          <p:cNvSpPr>
+            <a:spLocks noGrp="1"/>
+          </p:cNvSpPr>
+          <p:nvPr>
+            <p:ph type="dt" sz="half" idx="10"/>
+          </p:nvPr>
+        </p:nvSpPr>
+        <p:spPr>
+          <a:xfrm>
+            <a:off x="838200" y="6356350"/>
+            <a:ext cx="2743200" cy="365125"/>
           </a:xfrm>
         </p:spPr>
         <p:txBody>
           <a:bodyPr/>
           <a:lstStyle/>
           <a:p>
-            <a:r>
-              <a:rPr lang="en-US" dirty="0"/>
-              <a:t>**</a:t>
-            </a:r>
-          </a:p>
-        </p:txBody>
-      </p:sp>
-      <p:sp>
-        <p:nvSpPr>
-          <p:cNvPr id="7" name="Text Placeholder 6">
-            <a:extLst>
-              <a:ext uri="{FF2B5EF4-FFF2-40B4-BE49-F238E27FC236}">
-                <a16:creationId xmlns:a16="http://schemas.microsoft.com/office/drawing/2014/main" id="{301D392D-FB66-47A0-B628-5ADE822A2CFF}"/>
-              </a:ext>
-            </a:extLst>
-          </p:cNvPr>
-          <p:cNvSpPr>
-            <a:spLocks noGrp="1"/>
-          </p:cNvSpPr>
-          <p:nvPr>
-            <p:ph type="body" sz="quarter" idx="25"/>
-          </p:nvPr>
-        </p:nvSpPr>
-        <p:spPr>
-          <a:xfrm>
-            <a:off x="5922254" y="3730227"/>
-            <a:ext cx="5433204" cy="365125"/>
-          </a:xfrm>
-        </p:spPr>
-        <p:txBody>
-          <a:bodyPr>
-            <a:normAutofit lnSpcReduction="10000"/>
-          </a:bodyPr>
-          <a:lstStyle/>
-          <a:p>
-            <a:r>
-              <a:rPr lang="en-US" dirty="0"/>
-              <a:t>INDUSTRY LEADING SOFTWARE</a:t>
-            </a:r>
-          </a:p>
-        </p:txBody>
-      </p:sp>
-      <p:sp>
-        <p:nvSpPr>
-          <p:cNvPr id="8" name="Text Placeholder 7">
-            <a:extLst>
-              <a:ext uri="{FF2B5EF4-FFF2-40B4-BE49-F238E27FC236}">
-                <a16:creationId xmlns:a16="http://schemas.microsoft.com/office/drawing/2014/main" id="{51C26CE0-2506-4B44-A26F-C12BFA5B18B5}"/>
-              </a:ext>
-            </a:extLst>
-          </p:cNvPr>
-          <p:cNvSpPr>
-            <a:spLocks noGrp="1"/>
-          </p:cNvSpPr>
-          <p:nvPr>
-            <p:ph type="body" sz="quarter" idx="26"/>
-          </p:nvPr>
-        </p:nvSpPr>
-        <p:spPr>
-          <a:xfrm>
-            <a:off x="5921828" y="4059652"/>
-            <a:ext cx="5431971" cy="557950"/>
+            <a:endParaRPr lang="en-US" dirty="0"/>
+          </a:p>
+        </p:txBody>
+      </p:sp>
+      <p:sp>
+        <p:nvSpPr>
+          <p:cNvPr id="5" name="Footer Placeholder 4">
+            <a:extLst>
+              <a:ext uri="{FF2B5EF4-FFF2-40B4-BE49-F238E27FC236}">
+                <a16:creationId xmlns:a16="http://schemas.microsoft.com/office/drawing/2014/main" id="{396A095E-DB05-47EC-A2D5-47398A4A00B4}"/>
+              </a:ext>
+            </a:extLst>
+          </p:cNvPr>
+          <p:cNvSpPr>
+            <a:spLocks noGrp="1"/>
+          </p:cNvSpPr>
+          <p:nvPr>
+            <p:ph type="ftr" sz="quarter" idx="11"/>
+          </p:nvPr>
+        </p:nvSpPr>
+        <p:spPr>
+          <a:xfrm>
+            <a:off x="5224463" y="6356350"/>
+            <a:ext cx="1743075" cy="365125"/>
           </a:xfrm>
         </p:spPr>
         <p:txBody>
           <a:bodyPr/>
           <a:lstStyle/>
           <a:p>
-            <a:r>
-              <a:rPr lang="en-US" dirty="0"/>
-              <a:t>***</a:t>
-            </a:r>
-          </a:p>
-        </p:txBody>
-      </p:sp>
-      <p:sp>
-        <p:nvSpPr>
-          <p:cNvPr id="9" name="Text Placeholder 8">
-            <a:extLst>
-              <a:ext uri="{FF2B5EF4-FFF2-40B4-BE49-F238E27FC236}">
-                <a16:creationId xmlns:a16="http://schemas.microsoft.com/office/drawing/2014/main" id="{868F40F8-BF35-45E9-B3DD-5436362D746E}"/>
-              </a:ext>
-            </a:extLst>
-          </p:cNvPr>
-          <p:cNvSpPr>
-            <a:spLocks noGrp="1"/>
-          </p:cNvSpPr>
-          <p:nvPr>
-            <p:ph type="body" sz="quarter" idx="27"/>
-          </p:nvPr>
-        </p:nvSpPr>
-        <p:spPr>
-          <a:xfrm>
-            <a:off x="5920106" y="4830024"/>
-            <a:ext cx="5433204" cy="365125"/>
-          </a:xfrm>
-        </p:spPr>
-        <p:txBody>
-          <a:bodyPr>
-            <a:normAutofit lnSpcReduction="10000"/>
-          </a:bodyPr>
-          <a:lstStyle/>
-          <a:p>
-            <a:r>
-              <a:rPr lang="en-US" dirty="0"/>
-              <a:t>24/7 MONITORING</a:t>
-            </a:r>
-          </a:p>
-        </p:txBody>
-      </p:sp>
-      <p:sp>
-        <p:nvSpPr>
-          <p:cNvPr id="10" name="Text Placeholder 9">
-            <a:extLst>
-              <a:ext uri="{FF2B5EF4-FFF2-40B4-BE49-F238E27FC236}">
-                <a16:creationId xmlns:a16="http://schemas.microsoft.com/office/drawing/2014/main" id="{7F39C97C-2DDC-4706-B96C-B02FAE53A426}"/>
-              </a:ext>
-            </a:extLst>
-          </p:cNvPr>
-          <p:cNvSpPr>
-            <a:spLocks noGrp="1"/>
-          </p:cNvSpPr>
-          <p:nvPr>
-            <p:ph type="body" sz="quarter" idx="28"/>
-          </p:nvPr>
-        </p:nvSpPr>
-        <p:spPr>
-          <a:xfrm>
-            <a:off x="5919680" y="5159449"/>
-            <a:ext cx="5431971" cy="557950"/>
+            <a:endParaRPr lang="en-US" dirty="0"/>
+          </a:p>
+        </p:txBody>
+      </p:sp>
+      <p:sp>
+        <p:nvSpPr>
+          <p:cNvPr id="6" name="Slide Number Placeholder 5">
+            <a:extLst>
+              <a:ext uri="{FF2B5EF4-FFF2-40B4-BE49-F238E27FC236}">
+                <a16:creationId xmlns:a16="http://schemas.microsoft.com/office/drawing/2014/main" id="{C23C3221-5F04-4CA7-A86A-EEA8566A1735}"/>
+              </a:ext>
+            </a:extLst>
+          </p:cNvPr>
+          <p:cNvSpPr>
+            <a:spLocks noGrp="1"/>
+          </p:cNvSpPr>
+          <p:nvPr>
+            <p:ph type="sldNum" sz="quarter" idx="12"/>
+          </p:nvPr>
+        </p:nvSpPr>
+        <p:spPr>
+          <a:xfrm>
+            <a:off x="8610600" y="6356350"/>
+            <a:ext cx="2743200" cy="365125"/>
           </a:xfrm>
         </p:spPr>
         <p:txBody>
           <a:bodyPr/>
           <a:lstStyle/>
           <a:p>
-            <a:r>
-              <a:rPr lang="en-US" dirty="0"/>
-              <a:t>****</a:t>
-            </a:r>
-          </a:p>
-        </p:txBody>
-      </p:sp>
-      <p:sp>
-        <p:nvSpPr>
-          <p:cNvPr id="20" name="Date Placeholder 19">
-            <a:extLst>
-              <a:ext uri="{FF2B5EF4-FFF2-40B4-BE49-F238E27FC236}">
-                <a16:creationId xmlns:a16="http://schemas.microsoft.com/office/drawing/2014/main" id="{A74D661B-510C-4CF2-BF77-3EAFB649883D}"/>
-              </a:ext>
-            </a:extLst>
-          </p:cNvPr>
-          <p:cNvSpPr>
-            <a:spLocks noGrp="1"/>
-          </p:cNvSpPr>
-          <p:nvPr>
-            <p:ph type="dt" sz="half" idx="20"/>
-          </p:nvPr>
-        </p:nvSpPr>
-        <p:spPr>
-          <a:xfrm>
-            <a:off x="5919680" y="6356350"/>
-            <a:ext cx="947516" cy="365125"/>
-          </a:xfrm>
-        </p:spPr>
-        <p:txBody>
-          <a:bodyPr/>
-          <a:lstStyle/>
-          <a:p>
-            <a:r>
-              <a:rPr lang="en-US" dirty="0"/>
-              <a:t>20XX</a:t>
-            </a:r>
-          </a:p>
-        </p:txBody>
-      </p:sp>
-      <p:sp>
-        <p:nvSpPr>
-          <p:cNvPr id="21" name="Footer Placeholder 20">
-            <a:extLst>
-              <a:ext uri="{FF2B5EF4-FFF2-40B4-BE49-F238E27FC236}">
-                <a16:creationId xmlns:a16="http://schemas.microsoft.com/office/drawing/2014/main" id="{7E44CAC0-3B5A-49F6-A2CB-0BC80D111A87}"/>
-              </a:ext>
-            </a:extLst>
-          </p:cNvPr>
-          <p:cNvSpPr>
-            <a:spLocks noGrp="1"/>
-          </p:cNvSpPr>
-          <p:nvPr>
-            <p:ph type="ftr" sz="quarter" idx="21"/>
-          </p:nvPr>
-        </p:nvSpPr>
-        <p:spPr>
-          <a:xfrm>
-            <a:off x="7161955" y="6356350"/>
-            <a:ext cx="3243942" cy="365125"/>
-          </a:xfrm>
-        </p:spPr>
-        <p:txBody>
-          <a:bodyPr/>
-          <a:lstStyle/>
-          <a:p>
-            <a:r>
-              <a:rPr lang="en-US" dirty="0"/>
-              <a:t>Pitch Deck</a:t>
-            </a:r>
-          </a:p>
-        </p:txBody>
-      </p:sp>
-      <p:sp>
-        <p:nvSpPr>
-          <p:cNvPr id="22" name="Slide Number Placeholder 21">
-            <a:extLst>
-              <a:ext uri="{FF2B5EF4-FFF2-40B4-BE49-F238E27FC236}">
-                <a16:creationId xmlns:a16="http://schemas.microsoft.com/office/drawing/2014/main" id="{5D1BD041-3428-4D62-934F-F3FF6D36F90F}"/>
-              </a:ext>
-            </a:extLst>
-          </p:cNvPr>
-          <p:cNvSpPr>
-            <a:spLocks noGrp="1"/>
-          </p:cNvSpPr>
-          <p:nvPr>
-            <p:ph type="sldNum" sz="quarter" idx="22"/>
-          </p:nvPr>
-        </p:nvSpPr>
-        <p:spPr>
-          <a:xfrm>
-            <a:off x="10700656" y="6356350"/>
-            <a:ext cx="653143" cy="365125"/>
-          </a:xfrm>
-        </p:spPr>
-        <p:txBody>
-          <a:bodyPr/>
-          <a:lstStyle/>
-          <a:p>
-            <a:fld id="{B5CEABB6-07DC-46E8-9B57-56EC44A396E5}" type="slidenum">
-              <a:rPr lang="en-US" smtClean="0"/>
-              <a:pPr/>
-              <a:t>8</a:t>
-            </a:fld>
             <a:endParaRPr lang="en-US" dirty="0"/>
           </a:p>
         </p:txBody>
@@ -21590,7 +20769,7 @@
     </p:spTree>
     <p:extLst>
       <p:ext uri="{BB962C8B-B14F-4D97-AF65-F5344CB8AC3E}">
-        <p14:creationId xmlns:p14="http://schemas.microsoft.com/office/powerpoint/2010/main" val="1844941827"/>
+        <p14:creationId xmlns:p14="http://schemas.microsoft.com/office/powerpoint/2010/main" val="1346372204"/>
       </p:ext>
     </p:extLst>
   </p:cSld>
@@ -21622,21 +20801,21 @@
           <p:cNvPr id="2" name="Title 1">
             <a:extLst>
               <a:ext uri="{FF2B5EF4-FFF2-40B4-BE49-F238E27FC236}">
-                <a16:creationId xmlns:a16="http://schemas.microsoft.com/office/drawing/2014/main" id="{537E1C88-627C-4655-A4FB-0BB02EDB078A}"/>
-              </a:ext>
-            </a:extLst>
-          </p:cNvPr>
-          <p:cNvSpPr>
-            <a:spLocks noGrp="1"/>
-          </p:cNvSpPr>
-          <p:nvPr>
-            <p:ph type="title"/>
-          </p:nvPr>
-        </p:nvSpPr>
-        <p:spPr>
-          <a:xfrm>
-            <a:off x="1362075" y="1671639"/>
-            <a:ext cx="5111750" cy="1204912"/>
+                <a16:creationId xmlns:a16="http://schemas.microsoft.com/office/drawing/2014/main" id="{A29DE7F2-E890-4744-88DD-A75F5E300513}"/>
+              </a:ext>
+            </a:extLst>
+          </p:cNvPr>
+          <p:cNvSpPr>
+            <a:spLocks noGrp="1"/>
+          </p:cNvSpPr>
+          <p:nvPr>
+            <p:ph type="ctrTitle"/>
+          </p:nvPr>
+        </p:nvSpPr>
+        <p:spPr>
+          <a:xfrm>
+            <a:off x="6991350" y="2571235"/>
+            <a:ext cx="4179570" cy="1715531"/>
           </a:xfrm>
         </p:spPr>
         <p:txBody>
@@ -21645,169 +20824,15 @@
           <a:p>
             <a:r>
               <a:rPr lang="en-US" dirty="0"/>
-              <a:t>Key advantages</a:t>
-            </a:r>
-          </a:p>
-        </p:txBody>
-      </p:sp>
-      <p:sp>
-        <p:nvSpPr>
-          <p:cNvPr id="3" name="Content Placeholder 2">
-            <a:extLst>
-              <a:ext uri="{FF2B5EF4-FFF2-40B4-BE49-F238E27FC236}">
-                <a16:creationId xmlns:a16="http://schemas.microsoft.com/office/drawing/2014/main" id="{033634FE-ADF0-4BC3-A0A9-447EA9DD096B}"/>
-              </a:ext>
-            </a:extLst>
-          </p:cNvPr>
-          <p:cNvSpPr>
-            <a:spLocks noGrp="1"/>
-          </p:cNvSpPr>
-          <p:nvPr>
-            <p:ph type="body" idx="1"/>
-          </p:nvPr>
-        </p:nvSpPr>
-        <p:spPr>
-          <a:xfrm>
-            <a:off x="1362075" y="3660774"/>
-            <a:ext cx="5111750" cy="1525588"/>
-          </a:xfrm>
-        </p:spPr>
-        <p:txBody>
-          <a:bodyPr vert="horz" lIns="91440" tIns="45720" rIns="91440" bIns="45720" rtlCol="0" anchor="t">
-            <a:normAutofit/>
-          </a:bodyPr>
-          <a:lstStyle/>
-          <a:p>
-            <a:r>
-              <a:rPr lang="en-US" dirty="0"/>
-              <a:t>Enhanced endpoint device security</a:t>
-            </a:r>
-          </a:p>
-          <a:p>
-            <a:r>
-              <a:rPr lang="en-US" noProof="1"/>
-              <a:t>Protection against common attacks</a:t>
-            </a:r>
-          </a:p>
-          <a:p>
-            <a:r>
-              <a:rPr lang="en-US" noProof="1"/>
-              <a:t>Leveraging industry-leading software</a:t>
-            </a:r>
-          </a:p>
-          <a:p>
-            <a:r>
-              <a:rPr lang="en-US" noProof="1"/>
-              <a:t>Decades of combined experience</a:t>
-            </a:r>
-          </a:p>
-        </p:txBody>
-      </p:sp>
-      <p:sp>
-        <p:nvSpPr>
-          <p:cNvPr id="4" name="Date Placeholder 3">
-            <a:extLst>
-              <a:ext uri="{FF2B5EF4-FFF2-40B4-BE49-F238E27FC236}">
-                <a16:creationId xmlns:a16="http://schemas.microsoft.com/office/drawing/2014/main" id="{5C2ACA2A-6BBE-47CF-B76F-F56C9DBF77E6}"/>
-              </a:ext>
-            </a:extLst>
-          </p:cNvPr>
-          <p:cNvSpPr>
-            <a:spLocks noGrp="1"/>
-          </p:cNvSpPr>
-          <p:nvPr>
-            <p:ph type="dt" sz="half" idx="10"/>
-          </p:nvPr>
-        </p:nvSpPr>
-        <p:spPr>
-          <a:xfrm>
-            <a:off x="838200" y="6356350"/>
-            <a:ext cx="2743200" cy="365125"/>
-          </a:xfrm>
-        </p:spPr>
-        <p:txBody>
-          <a:bodyPr/>
-          <a:lstStyle/>
-          <a:p>
-            <a:r>
-              <a:rPr lang="en-US" dirty="0"/>
-              <a:t>20XX</a:t>
-            </a:r>
-          </a:p>
-        </p:txBody>
-      </p:sp>
-      <p:sp>
-        <p:nvSpPr>
-          <p:cNvPr id="5" name="Footer Placeholder 4">
-            <a:extLst>
-              <a:ext uri="{FF2B5EF4-FFF2-40B4-BE49-F238E27FC236}">
-                <a16:creationId xmlns:a16="http://schemas.microsoft.com/office/drawing/2014/main" id="{396A095E-DB05-47EC-A2D5-47398A4A00B4}"/>
-              </a:ext>
-            </a:extLst>
-          </p:cNvPr>
-          <p:cNvSpPr>
-            <a:spLocks noGrp="1"/>
-          </p:cNvSpPr>
-          <p:nvPr>
-            <p:ph type="ftr" sz="quarter" idx="11"/>
-          </p:nvPr>
-        </p:nvSpPr>
-        <p:spPr>
-          <a:xfrm>
-            <a:off x="5224463" y="6356350"/>
-            <a:ext cx="1743075" cy="365125"/>
-          </a:xfrm>
-        </p:spPr>
-        <p:txBody>
-          <a:bodyPr/>
-          <a:lstStyle/>
-          <a:p>
-            <a:r>
-              <a:rPr lang="en-US" dirty="0"/>
-              <a:t>Pitch Deck</a:t>
-            </a:r>
-          </a:p>
-        </p:txBody>
-      </p:sp>
-      <p:sp>
-        <p:nvSpPr>
-          <p:cNvPr id="6" name="Slide Number Placeholder 5">
-            <a:extLst>
-              <a:ext uri="{FF2B5EF4-FFF2-40B4-BE49-F238E27FC236}">
-                <a16:creationId xmlns:a16="http://schemas.microsoft.com/office/drawing/2014/main" id="{C23C3221-5F04-4CA7-A86A-EEA8566A1735}"/>
-              </a:ext>
-            </a:extLst>
-          </p:cNvPr>
-          <p:cNvSpPr>
-            <a:spLocks noGrp="1"/>
-          </p:cNvSpPr>
-          <p:nvPr>
-            <p:ph type="sldNum" sz="quarter" idx="12"/>
-          </p:nvPr>
-        </p:nvSpPr>
-        <p:spPr>
-          <a:xfrm>
-            <a:off x="8610600" y="6356350"/>
-            <a:ext cx="2743200" cy="365125"/>
-          </a:xfrm>
-        </p:spPr>
-        <p:txBody>
-          <a:bodyPr/>
-          <a:lstStyle/>
-          <a:p>
-            <a:fld id="{B5CEABB6-07DC-46E8-9B57-56EC44A396E5}" type="slidenum">
-              <a:rPr lang="en-US" smtClean="0"/>
-              <a:pPr/>
-              <a:t>9</a:t>
-            </a:fld>
-            <a:endParaRPr lang="en-US" dirty="0"/>
+              <a:t>COMPANY OVERVIEW</a:t>
+            </a:r>
           </a:p>
         </p:txBody>
       </p:sp>
     </p:spTree>
     <p:extLst>
       <p:ext uri="{BB962C8B-B14F-4D97-AF65-F5344CB8AC3E}">
-        <p14:creationId xmlns:p14="http://schemas.microsoft.com/office/powerpoint/2010/main" val="1346372204"/>
+        <p14:creationId xmlns:p14="http://schemas.microsoft.com/office/powerpoint/2010/main" val="707789176"/>
       </p:ext>
     </p:extLst>
   </p:cSld>
@@ -22609,6 +21634,15 @@
 </file>
 
 <file path=customXml/item1.xml><?xml version="1.0" encoding="utf-8"?>
+<?mso-contentType ?>
+<FormTemplates xmlns="http://schemas.microsoft.com/sharepoint/v3/contenttype/forms">
+  <Display>DocumentLibraryForm</Display>
+  <Edit>DocumentLibraryForm</Edit>
+  <New>DocumentLibraryForm</New>
+</FormTemplates>
+</file>
+
+<file path=customXml/item2.xml><?xml version="1.0" encoding="utf-8"?>
 <ct:contentTypeSchema xmlns:ct="http://schemas.microsoft.com/office/2006/metadata/contentType" xmlns:ma="http://schemas.microsoft.com/office/2006/metadata/properties/metaAttributes" ct:_="" ma:_="" ma:contentTypeName="Document" ma:contentTypeID="0x01010079F111ED35F8CC479449609E8A0923A6" ma:contentTypeVersion="27" ma:contentTypeDescription="Create a new document." ma:contentTypeScope="" ma:versionID="c6f9a84f66a9c8b9a21755b9ffafb945">
   <xsd:schema xmlns:xsd="http://www.w3.org/2001/XMLSchema" xmlns:xs="http://www.w3.org/2001/XMLSchema" xmlns:p="http://schemas.microsoft.com/office/2006/metadata/properties" xmlns:ns1="http://schemas.microsoft.com/sharepoint/v3" xmlns:ns2="71af3243-3dd4-4a8d-8c0d-dd76da1f02a5" xmlns:ns3="16c05727-aa75-4e4a-9b5f-8a80a1165891" xmlns:ns4="230e9df3-be65-4c73-a93b-d1236ebd677e" targetNamespace="http://schemas.microsoft.com/office/2006/metadata/properties" ma:root="true" ma:fieldsID="27df39e3e7036dff54f89ddd5805ce72" ns1:_="" ns2:_="" ns3:_="" ns4:_="">
     <xsd:import namespace="http://schemas.microsoft.com/sharepoint/v3"/>
@@ -22914,15 +21948,6 @@
 </ct:contentTypeSchema>
 </file>
 
-<file path=customXml/item2.xml><?xml version="1.0" encoding="utf-8"?>
-<?mso-contentType ?>
-<FormTemplates xmlns="http://schemas.microsoft.com/sharepoint/v3/contenttype/forms">
-  <Display>DocumentLibraryForm</Display>
-  <Edit>DocumentLibraryForm</Edit>
-  <New>DocumentLibraryForm</New>
-</FormTemplates>
-</file>
-
 <file path=customXml/item3.xml><?xml version="1.0" encoding="utf-8"?>
 <p:properties xmlns:p="http://schemas.microsoft.com/office/2006/metadata/properties" xmlns:xsi="http://www.w3.org/2001/XMLSchema-instance" xmlns:pc="http://schemas.microsoft.com/office/infopath/2007/PartnerControls">
   <documentManagement>
@@ -22944,6 +21969,14 @@
 </file>
 
 <file path=customXml/itemProps1.xml><?xml version="1.0" encoding="utf-8"?>
+<ds:datastoreItem xmlns:ds="http://schemas.openxmlformats.org/officeDocument/2006/customXml" ds:itemID="{6966C46A-DC57-4209-80CD-9FE6C93151FF}">
+  <ds:schemaRefs>
+    <ds:schemaRef ds:uri="http://schemas.microsoft.com/sharepoint/v3/contenttype/forms"/>
+  </ds:schemaRefs>
+</ds:datastoreItem>
+</file>
+
+<file path=customXml/itemProps2.xml><?xml version="1.0" encoding="utf-8"?>
 <ds:datastoreItem xmlns:ds="http://schemas.openxmlformats.org/officeDocument/2006/customXml" ds:itemID="{4E18436D-DA32-4E27-AC64-8FFEDA5218F9}">
   <ds:schemaRefs>
     <ds:schemaRef ds:uri="http://schemas.microsoft.com/office/2006/metadata/contentType"/>
@@ -22964,14 +21997,6 @@
 </ds:datastoreItem>
 </file>
 
-<file path=customXml/itemProps2.xml><?xml version="1.0" encoding="utf-8"?>
-<ds:datastoreItem xmlns:ds="http://schemas.openxmlformats.org/officeDocument/2006/customXml" ds:itemID="{6966C46A-DC57-4209-80CD-9FE6C93151FF}">
-  <ds:schemaRefs>
-    <ds:schemaRef ds:uri="http://schemas.microsoft.com/sharepoint/v3/contenttype/forms"/>
-  </ds:schemaRefs>
-</ds:datastoreItem>
-</file>
-
 <file path=customXml/itemProps3.xml><?xml version="1.0" encoding="utf-8"?>
 <ds:datastoreItem xmlns:ds="http://schemas.openxmlformats.org/officeDocument/2006/customXml" ds:itemID="{BEFFFA3F-0FB5-4ED3-8906-A15B16577F44}">
   <ds:schemaRefs>
